--- a/TEAM IC23045.pptx
+++ b/TEAM IC23045.pptx
@@ -1,38 +1,38 @@
 
 <file path=ppt/presentation.xml><?xml version="1.0" encoding="utf-8"?>
-<p:presentation xmlns:a="http://schemas.openxmlformats.org/drawingml/2006/main" xmlns:r="http://schemas.openxmlformats.org/officeDocument/2006/relationships" xmlns:mc="http://schemas.openxmlformats.org/markup-compatibility/2006" xmlns:mv="urn:schemas-microsoft-com:mac:vml" xmlns:p="http://schemas.openxmlformats.org/presentationml/2006/main" xmlns:c="http://schemas.openxmlformats.org/drawingml/2006/chart" xmlns:dgm="http://schemas.openxmlformats.org/drawingml/2006/diagram" xmlns:o="urn:schemas-microsoft-com:office:office" xmlns:v="urn:schemas-microsoft-com:vml" xmlns:pvml="urn:schemas-microsoft-com:office:powerpoint" xmlns:com="http://schemas.openxmlformats.org/drawingml/2006/compatibility" xmlns:p14="http://schemas.microsoft.com/office/powerpoint/2010/main" xmlns:p15="http://schemas.microsoft.com/office/powerpoint/2012/main" xmlns:ahyp="http://schemas.microsoft.com/office/drawing/2018/hyperlinkcolor" autoCompressPictures="0" embedTrueTypeFonts="1" strictFirstAndLastChars="0" saveSubsetFonts="1">
+<p:presentation xmlns:a="http://schemas.openxmlformats.org/drawingml/2006/main" xmlns:r="http://schemas.openxmlformats.org/officeDocument/2006/relationships" xmlns:p="http://schemas.openxmlformats.org/presentationml/2006/main" strictFirstAndLastChars="0" embedTrueTypeFonts="1" saveSubsetFonts="1" autoCompressPictures="0">
   <p:sldMasterIdLst>
-    <p:sldMasterId id="2147483659" r:id="rId4"/>
+    <p:sldMasterId id="2147483659" r:id="rId1"/>
   </p:sldMasterIdLst>
   <p:notesMasterIdLst>
-    <p:notesMasterId r:id="rId5"/>
+    <p:notesMasterId r:id="rId13"/>
   </p:notesMasterIdLst>
   <p:sldIdLst>
-    <p:sldId id="256" r:id="rId6"/>
-    <p:sldId id="257" r:id="rId7"/>
-    <p:sldId id="258" r:id="rId8"/>
-    <p:sldId id="259" r:id="rId9"/>
-    <p:sldId id="260" r:id="rId10"/>
-    <p:sldId id="261" r:id="rId11"/>
-    <p:sldId id="262" r:id="rId12"/>
-    <p:sldId id="263" r:id="rId13"/>
-    <p:sldId id="264" r:id="rId14"/>
-    <p:sldId id="265" r:id="rId15"/>
-    <p:sldId id="266" r:id="rId16"/>
+    <p:sldId id="256" r:id="rId2"/>
+    <p:sldId id="257" r:id="rId3"/>
+    <p:sldId id="258" r:id="rId4"/>
+    <p:sldId id="259" r:id="rId5"/>
+    <p:sldId id="260" r:id="rId6"/>
+    <p:sldId id="261" r:id="rId7"/>
+    <p:sldId id="262" r:id="rId8"/>
+    <p:sldId id="263" r:id="rId9"/>
+    <p:sldId id="264" r:id="rId10"/>
+    <p:sldId id="265" r:id="rId11"/>
+    <p:sldId id="266" r:id="rId12"/>
   </p:sldIdLst>
-  <p:sldSz cy="5143500" cx="9144000"/>
+  <p:sldSz cx="9144000" cy="5143500" type="screen16x9"/>
   <p:notesSz cx="6858000" cy="9144000"/>
   <p:embeddedFontLst>
     <p:embeddedFont>
-      <p:font typeface="Roboto Mono"/>
-      <p:regular r:id="rId17"/>
-      <p:bold r:id="rId18"/>
-      <p:italic r:id="rId19"/>
-      <p:boldItalic r:id="rId20"/>
+      <p:font typeface="Roboto Mono" panose="020B0604020202020204" charset="0"/>
+      <p:regular r:id="rId14"/>
+      <p:bold r:id="rId15"/>
+      <p:italic r:id="rId16"/>
+      <p:boldItalic r:id="rId17"/>
     </p:embeddedFont>
   </p:embeddedFontLst>
   <p:defaultTextStyle>
-    <a:defPPr lvl="0" marR="0" rtl="0" algn="l">
+    <a:defPPr marR="0" lvl="0" algn="l" rtl="0">
       <a:lnSpc>
         <a:spcPct val="100000"/>
       </a:lnSpc>
@@ -43,7 +43,7 @@
         <a:spcPts val="0"/>
       </a:spcAft>
     </a:defPPr>
-    <a:lvl1pPr lvl="0" marR="0" rtl="0" algn="l">
+    <a:lvl1pPr marR="0" lvl="0" algn="l" rtl="0">
       <a:lnSpc>
         <a:spcPct val="100000"/>
       </a:lnSpc>
@@ -57,7 +57,7 @@
         <a:srgbClr val="000000"/>
       </a:buClr>
       <a:buFont typeface="Arial"/>
-      <a:defRPr b="0" i="0" sz="1400" u="none" cap="none" strike="noStrike">
+      <a:defRPr sz="1400" b="0" i="0" u="none" strike="noStrike" cap="none">
         <a:solidFill>
           <a:srgbClr val="000000"/>
         </a:solidFill>
@@ -67,7 +67,7 @@
         <a:sym typeface="Arial"/>
       </a:defRPr>
     </a:lvl1pPr>
-    <a:lvl2pPr lvl="1" marR="0" rtl="0" algn="l">
+    <a:lvl2pPr marR="0" lvl="1" algn="l" rtl="0">
       <a:lnSpc>
         <a:spcPct val="100000"/>
       </a:lnSpc>
@@ -81,7 +81,7 @@
         <a:srgbClr val="000000"/>
       </a:buClr>
       <a:buFont typeface="Arial"/>
-      <a:defRPr b="0" i="0" sz="1400" u="none" cap="none" strike="noStrike">
+      <a:defRPr sz="1400" b="0" i="0" u="none" strike="noStrike" cap="none">
         <a:solidFill>
           <a:srgbClr val="000000"/>
         </a:solidFill>
@@ -91,7 +91,7 @@
         <a:sym typeface="Arial"/>
       </a:defRPr>
     </a:lvl2pPr>
-    <a:lvl3pPr lvl="2" marR="0" rtl="0" algn="l">
+    <a:lvl3pPr marR="0" lvl="2" algn="l" rtl="0">
       <a:lnSpc>
         <a:spcPct val="100000"/>
       </a:lnSpc>
@@ -105,7 +105,7 @@
         <a:srgbClr val="000000"/>
       </a:buClr>
       <a:buFont typeface="Arial"/>
-      <a:defRPr b="0" i="0" sz="1400" u="none" cap="none" strike="noStrike">
+      <a:defRPr sz="1400" b="0" i="0" u="none" strike="noStrike" cap="none">
         <a:solidFill>
           <a:srgbClr val="000000"/>
         </a:solidFill>
@@ -115,7 +115,7 @@
         <a:sym typeface="Arial"/>
       </a:defRPr>
     </a:lvl3pPr>
-    <a:lvl4pPr lvl="3" marR="0" rtl="0" algn="l">
+    <a:lvl4pPr marR="0" lvl="3" algn="l" rtl="0">
       <a:lnSpc>
         <a:spcPct val="100000"/>
       </a:lnSpc>
@@ -129,7 +129,7 @@
         <a:srgbClr val="000000"/>
       </a:buClr>
       <a:buFont typeface="Arial"/>
-      <a:defRPr b="0" i="0" sz="1400" u="none" cap="none" strike="noStrike">
+      <a:defRPr sz="1400" b="0" i="0" u="none" strike="noStrike" cap="none">
         <a:solidFill>
           <a:srgbClr val="000000"/>
         </a:solidFill>
@@ -139,7 +139,7 @@
         <a:sym typeface="Arial"/>
       </a:defRPr>
     </a:lvl4pPr>
-    <a:lvl5pPr lvl="4" marR="0" rtl="0" algn="l">
+    <a:lvl5pPr marR="0" lvl="4" algn="l" rtl="0">
       <a:lnSpc>
         <a:spcPct val="100000"/>
       </a:lnSpc>
@@ -153,7 +153,7 @@
         <a:srgbClr val="000000"/>
       </a:buClr>
       <a:buFont typeface="Arial"/>
-      <a:defRPr b="0" i="0" sz="1400" u="none" cap="none" strike="noStrike">
+      <a:defRPr sz="1400" b="0" i="0" u="none" strike="noStrike" cap="none">
         <a:solidFill>
           <a:srgbClr val="000000"/>
         </a:solidFill>
@@ -163,7 +163,7 @@
         <a:sym typeface="Arial"/>
       </a:defRPr>
     </a:lvl5pPr>
-    <a:lvl6pPr lvl="5" marR="0" rtl="0" algn="l">
+    <a:lvl6pPr marR="0" lvl="5" algn="l" rtl="0">
       <a:lnSpc>
         <a:spcPct val="100000"/>
       </a:lnSpc>
@@ -177,7 +177,7 @@
         <a:srgbClr val="000000"/>
       </a:buClr>
       <a:buFont typeface="Arial"/>
-      <a:defRPr b="0" i="0" sz="1400" u="none" cap="none" strike="noStrike">
+      <a:defRPr sz="1400" b="0" i="0" u="none" strike="noStrike" cap="none">
         <a:solidFill>
           <a:srgbClr val="000000"/>
         </a:solidFill>
@@ -187,7 +187,7 @@
         <a:sym typeface="Arial"/>
       </a:defRPr>
     </a:lvl6pPr>
-    <a:lvl7pPr lvl="6" marR="0" rtl="0" algn="l">
+    <a:lvl7pPr marR="0" lvl="6" algn="l" rtl="0">
       <a:lnSpc>
         <a:spcPct val="100000"/>
       </a:lnSpc>
@@ -201,7 +201,7 @@
         <a:srgbClr val="000000"/>
       </a:buClr>
       <a:buFont typeface="Arial"/>
-      <a:defRPr b="0" i="0" sz="1400" u="none" cap="none" strike="noStrike">
+      <a:defRPr sz="1400" b="0" i="0" u="none" strike="noStrike" cap="none">
         <a:solidFill>
           <a:srgbClr val="000000"/>
         </a:solidFill>
@@ -211,7 +211,7 @@
         <a:sym typeface="Arial"/>
       </a:defRPr>
     </a:lvl7pPr>
-    <a:lvl8pPr lvl="7" marR="0" rtl="0" algn="l">
+    <a:lvl8pPr marR="0" lvl="7" algn="l" rtl="0">
       <a:lnSpc>
         <a:spcPct val="100000"/>
       </a:lnSpc>
@@ -225,7 +225,7 @@
         <a:srgbClr val="000000"/>
       </a:buClr>
       <a:buFont typeface="Arial"/>
-      <a:defRPr b="0" i="0" sz="1400" u="none" cap="none" strike="noStrike">
+      <a:defRPr sz="1400" b="0" i="0" u="none" strike="noStrike" cap="none">
         <a:solidFill>
           <a:srgbClr val="000000"/>
         </a:solidFill>
@@ -235,7 +235,7 @@
         <a:sym typeface="Arial"/>
       </a:defRPr>
     </a:lvl8pPr>
-    <a:lvl9pPr lvl="8" marR="0" rtl="0" algn="l">
+    <a:lvl9pPr marR="0" lvl="8" algn="l" rtl="0">
       <a:lnSpc>
         <a:spcPct val="100000"/>
       </a:lnSpc>
@@ -249,7 +249,7 @@
         <a:srgbClr val="000000"/>
       </a:buClr>
       <a:buFont typeface="Arial"/>
-      <a:defRPr b="0" i="0" sz="1400" u="none" cap="none" strike="noStrike">
+      <a:defRPr sz="1400" b="0" i="0" u="none" strike="noStrike" cap="none">
         <a:solidFill>
           <a:srgbClr val="000000"/>
         </a:solidFill>
@@ -262,7 +262,7 @@
   </p:defaultTextStyle>
   <p:extLst>
     <p:ext uri="{EFAFB233-063F-42B5-8137-9DF3F51BA10A}">
-      <p15:sldGuideLst>
+      <p15:sldGuideLst xmlns:p15="http://schemas.microsoft.com/office/powerpoint/2012/main">
         <p15:guide id="1" orient="horz" pos="1620">
           <p15:clr>
             <a:srgbClr val="A4A3A4"/>
@@ -280,11 +280,16 @@
 </file>
 
 <file path=ppt/notesMasters/notesMaster1.xml><?xml version="1.0" encoding="utf-8"?>
-<p:notesMaster xmlns:a="http://schemas.openxmlformats.org/drawingml/2006/main" xmlns:r="http://schemas.openxmlformats.org/officeDocument/2006/relationships" xmlns:mc="http://schemas.openxmlformats.org/markup-compatibility/2006" xmlns:mv="urn:schemas-microsoft-com:mac:vml" xmlns:p="http://schemas.openxmlformats.org/presentationml/2006/main" xmlns:c="http://schemas.openxmlformats.org/drawingml/2006/chart" xmlns:dgm="http://schemas.openxmlformats.org/drawingml/2006/diagram" xmlns:o="urn:schemas-microsoft-com:office:office" xmlns:v="urn:schemas-microsoft-com:vml" xmlns:pvml="urn:schemas-microsoft-com:office:powerpoint" xmlns:com="http://schemas.openxmlformats.org/drawingml/2006/compatibility" xmlns:p14="http://schemas.microsoft.com/office/powerpoint/2010/main" xmlns:p15="http://schemas.microsoft.com/office/powerpoint/2012/main" xmlns:ahyp="http://schemas.microsoft.com/office/drawing/2018/hyperlinkcolor">
+<p:notesMaster xmlns:a="http://schemas.openxmlformats.org/drawingml/2006/main" xmlns:r="http://schemas.openxmlformats.org/officeDocument/2006/relationships" xmlns:p="http://schemas.openxmlformats.org/presentationml/2006/main">
   <p:cSld>
+    <p:bg>
+      <p:bgRef idx="1001">
+        <a:schemeClr val="bg1"/>
+      </p:bgRef>
+    </p:bg>
     <p:spTree>
       <p:nvGrpSpPr>
-        <p:cNvPr id="2" name="Shape 2"/>
+        <p:cNvPr id="1" name="Shape 2"/>
         <p:cNvGrpSpPr/>
         <p:nvPr/>
       </p:nvGrpSpPr>
@@ -299,9 +304,11 @@
       <p:sp>
         <p:nvSpPr>
           <p:cNvPr id="3" name="Google Shape;3;n"/>
-          <p:cNvSpPr/>
+          <p:cNvSpPr>
+            <a:spLocks noGrp="1" noRot="1" noChangeAspect="1"/>
+          </p:cNvSpPr>
           <p:nvPr>
-            <p:ph idx="2" type="sldImg"/>
+            <p:ph type="sldImg" idx="2"/>
           </p:nvPr>
         </p:nvSpPr>
         <p:spPr>
@@ -310,9 +317,13 @@
             <a:ext cx="6096075" cy="3429000"/>
           </a:xfrm>
           <a:custGeom>
-            <a:rect b="b" l="l" r="r" t="t"/>
+            <a:avLst/>
+            <a:gdLst/>
+            <a:ahLst/>
+            <a:cxnLst/>
+            <a:rect l="l" t="t" r="r" b="b"/>
             <a:pathLst>
-              <a:path extrusionOk="0" h="120000" w="120000">
+              <a:path w="120000" h="120000" extrusionOk="0">
                 <a:moveTo>
                   <a:pt x="0" y="0"/>
                 </a:moveTo>
@@ -330,23 +341,25 @@
             </a:pathLst>
           </a:custGeom>
           <a:noFill/>
-          <a:ln cap="flat" cmpd="sng" w="9525">
+          <a:ln w="9525" cap="flat" cmpd="sng">
             <a:solidFill>
               <a:srgbClr val="000000"/>
             </a:solidFill>
             <a:prstDash val="solid"/>
             <a:round/>
-            <a:headEnd len="sm" w="sm" type="none"/>
-            <a:tailEnd len="sm" w="sm" type="none"/>
+            <a:headEnd type="none" w="sm" len="sm"/>
+            <a:tailEnd type="none" w="sm" len="sm"/>
           </a:ln>
         </p:spPr>
       </p:sp>
       <p:sp>
         <p:nvSpPr>
           <p:cNvPr id="4" name="Google Shape;4;n"/>
-          <p:cNvSpPr txBox="1"/>
+          <p:cNvSpPr txBox="1">
+            <a:spLocks noGrp="1"/>
+          </p:cNvSpPr>
           <p:nvPr>
-            <p:ph idx="1" type="body"/>
+            <p:ph type="body" idx="1"/>
           </p:nvPr>
         </p:nvSpPr>
         <p:spPr>
@@ -363,11 +376,11 @@
           </a:ln>
         </p:spPr>
         <p:txBody>
-          <a:bodyPr anchorCtr="0" anchor="t" bIns="91425" lIns="91425" spcFirstLastPara="1" rIns="91425" wrap="square" tIns="91425">
+          <a:bodyPr spcFirstLastPara="1" wrap="square" lIns="91425" tIns="91425" rIns="91425" bIns="91425" anchor="t" anchorCtr="0">
             <a:noAutofit/>
           </a:bodyPr>
           <a:lstStyle>
-            <a:lvl1pPr indent="-298450" lvl="0" marL="457200">
+            <a:lvl1pPr marL="457200" lvl="0" indent="-298450">
               <a:spcBef>
                 <a:spcPts val="0"/>
               </a:spcBef>
@@ -378,7 +391,7 @@
               <a:buChar char="●"/>
               <a:defRPr sz="1100"/>
             </a:lvl1pPr>
-            <a:lvl2pPr indent="-298450" lvl="1" marL="914400">
+            <a:lvl2pPr marL="914400" lvl="1" indent="-298450">
               <a:spcBef>
                 <a:spcPts val="0"/>
               </a:spcBef>
@@ -389,7 +402,7 @@
               <a:buChar char="○"/>
               <a:defRPr sz="1100"/>
             </a:lvl2pPr>
-            <a:lvl3pPr indent="-298450" lvl="2" marL="1371600">
+            <a:lvl3pPr marL="1371600" lvl="2" indent="-298450">
               <a:spcBef>
                 <a:spcPts val="0"/>
               </a:spcBef>
@@ -400,7 +413,7 @@
               <a:buChar char="■"/>
               <a:defRPr sz="1100"/>
             </a:lvl3pPr>
-            <a:lvl4pPr indent="-298450" lvl="3" marL="1828800">
+            <a:lvl4pPr marL="1828800" lvl="3" indent="-298450">
               <a:spcBef>
                 <a:spcPts val="0"/>
               </a:spcBef>
@@ -411,7 +424,7 @@
               <a:buChar char="●"/>
               <a:defRPr sz="1100"/>
             </a:lvl4pPr>
-            <a:lvl5pPr indent="-298450" lvl="4" marL="2286000">
+            <a:lvl5pPr marL="2286000" lvl="4" indent="-298450">
               <a:spcBef>
                 <a:spcPts val="0"/>
               </a:spcBef>
@@ -422,7 +435,7 @@
               <a:buChar char="○"/>
               <a:defRPr sz="1100"/>
             </a:lvl5pPr>
-            <a:lvl6pPr indent="-298450" lvl="5" marL="2743200">
+            <a:lvl6pPr marL="2743200" lvl="5" indent="-298450">
               <a:spcBef>
                 <a:spcPts val="0"/>
               </a:spcBef>
@@ -433,7 +446,7 @@
               <a:buChar char="■"/>
               <a:defRPr sz="1100"/>
             </a:lvl6pPr>
-            <a:lvl7pPr indent="-298450" lvl="6" marL="3200400">
+            <a:lvl7pPr marL="3200400" lvl="6" indent="-298450">
               <a:spcBef>
                 <a:spcPts val="0"/>
               </a:spcBef>
@@ -444,7 +457,7 @@
               <a:buChar char="●"/>
               <a:defRPr sz="1100"/>
             </a:lvl7pPr>
-            <a:lvl8pPr indent="-298450" lvl="7" marL="3657600">
+            <a:lvl8pPr marL="3657600" lvl="7" indent="-298450">
               <a:spcBef>
                 <a:spcPts val="0"/>
               </a:spcBef>
@@ -455,7 +468,7 @@
               <a:buChar char="○"/>
               <a:defRPr sz="1100"/>
             </a:lvl8pPr>
-            <a:lvl9pPr indent="-298450" lvl="8" marL="4114800">
+            <a:lvl9pPr marL="4114800" lvl="8" indent="-298450">
               <a:spcBef>
                 <a:spcPts val="0"/>
               </a:spcBef>
@@ -467,14 +480,16 @@
               <a:defRPr sz="1100"/>
             </a:lvl9pPr>
           </a:lstStyle>
-          <a:p/>
+          <a:p>
+            <a:endParaRPr/>
+          </a:p>
         </p:txBody>
       </p:sp>
     </p:spTree>
   </p:cSld>
-  <p:clrMap accent1="accent1" accent2="accent2" accent3="accent3" accent4="accent4" accent5="accent5" accent6="accent6" bg1="lt1" bg2="dk2" tx1="dk1" tx2="lt2" folHlink="folHlink" hlink="hlink"/>
+  <p:clrMap bg1="lt1" tx1="dk1" bg2="dk2" tx2="lt2" accent1="accent1" accent2="accent2" accent3="accent3" accent4="accent4" accent5="accent5" accent6="accent6" hlink="hlink" folHlink="folHlink"/>
   <p:notesStyle>
-    <a:defPPr lvl="0" marR="0" rtl="0" algn="l">
+    <a:defPPr marR="0" lvl="0" algn="l" rtl="0">
       <a:lnSpc>
         <a:spcPct val="100000"/>
       </a:lnSpc>
@@ -485,7 +500,7 @@
         <a:spcPts val="0"/>
       </a:spcAft>
     </a:defPPr>
-    <a:lvl1pPr lvl="0" marR="0" rtl="0" algn="l">
+    <a:lvl1pPr marR="0" lvl="0" algn="l" rtl="0">
       <a:lnSpc>
         <a:spcPct val="100000"/>
       </a:lnSpc>
@@ -499,7 +514,7 @@
         <a:srgbClr val="000000"/>
       </a:buClr>
       <a:buFont typeface="Arial"/>
-      <a:defRPr b="0" i="0" sz="1400" u="none" cap="none" strike="noStrike">
+      <a:defRPr sz="1400" b="0" i="0" u="none" strike="noStrike" cap="none">
         <a:solidFill>
           <a:srgbClr val="000000"/>
         </a:solidFill>
@@ -509,7 +524,7 @@
         <a:sym typeface="Arial"/>
       </a:defRPr>
     </a:lvl1pPr>
-    <a:lvl2pPr lvl="1" marR="0" rtl="0" algn="l">
+    <a:lvl2pPr marR="0" lvl="1" algn="l" rtl="0">
       <a:lnSpc>
         <a:spcPct val="100000"/>
       </a:lnSpc>
@@ -523,7 +538,7 @@
         <a:srgbClr val="000000"/>
       </a:buClr>
       <a:buFont typeface="Arial"/>
-      <a:defRPr b="0" i="0" sz="1400" u="none" cap="none" strike="noStrike">
+      <a:defRPr sz="1400" b="0" i="0" u="none" strike="noStrike" cap="none">
         <a:solidFill>
           <a:srgbClr val="000000"/>
         </a:solidFill>
@@ -533,7 +548,7 @@
         <a:sym typeface="Arial"/>
       </a:defRPr>
     </a:lvl2pPr>
-    <a:lvl3pPr lvl="2" marR="0" rtl="0" algn="l">
+    <a:lvl3pPr marR="0" lvl="2" algn="l" rtl="0">
       <a:lnSpc>
         <a:spcPct val="100000"/>
       </a:lnSpc>
@@ -547,7 +562,7 @@
         <a:srgbClr val="000000"/>
       </a:buClr>
       <a:buFont typeface="Arial"/>
-      <a:defRPr b="0" i="0" sz="1400" u="none" cap="none" strike="noStrike">
+      <a:defRPr sz="1400" b="0" i="0" u="none" strike="noStrike" cap="none">
         <a:solidFill>
           <a:srgbClr val="000000"/>
         </a:solidFill>
@@ -557,7 +572,7 @@
         <a:sym typeface="Arial"/>
       </a:defRPr>
     </a:lvl3pPr>
-    <a:lvl4pPr lvl="3" marR="0" rtl="0" algn="l">
+    <a:lvl4pPr marR="0" lvl="3" algn="l" rtl="0">
       <a:lnSpc>
         <a:spcPct val="100000"/>
       </a:lnSpc>
@@ -571,7 +586,7 @@
         <a:srgbClr val="000000"/>
       </a:buClr>
       <a:buFont typeface="Arial"/>
-      <a:defRPr b="0" i="0" sz="1400" u="none" cap="none" strike="noStrike">
+      <a:defRPr sz="1400" b="0" i="0" u="none" strike="noStrike" cap="none">
         <a:solidFill>
           <a:srgbClr val="000000"/>
         </a:solidFill>
@@ -581,7 +596,7 @@
         <a:sym typeface="Arial"/>
       </a:defRPr>
     </a:lvl4pPr>
-    <a:lvl5pPr lvl="4" marR="0" rtl="0" algn="l">
+    <a:lvl5pPr marR="0" lvl="4" algn="l" rtl="0">
       <a:lnSpc>
         <a:spcPct val="100000"/>
       </a:lnSpc>
@@ -595,7 +610,7 @@
         <a:srgbClr val="000000"/>
       </a:buClr>
       <a:buFont typeface="Arial"/>
-      <a:defRPr b="0" i="0" sz="1400" u="none" cap="none" strike="noStrike">
+      <a:defRPr sz="1400" b="0" i="0" u="none" strike="noStrike" cap="none">
         <a:solidFill>
           <a:srgbClr val="000000"/>
         </a:solidFill>
@@ -605,7 +620,7 @@
         <a:sym typeface="Arial"/>
       </a:defRPr>
     </a:lvl5pPr>
-    <a:lvl6pPr lvl="5" marR="0" rtl="0" algn="l">
+    <a:lvl6pPr marR="0" lvl="5" algn="l" rtl="0">
       <a:lnSpc>
         <a:spcPct val="100000"/>
       </a:lnSpc>
@@ -619,7 +634,7 @@
         <a:srgbClr val="000000"/>
       </a:buClr>
       <a:buFont typeface="Arial"/>
-      <a:defRPr b="0" i="0" sz="1400" u="none" cap="none" strike="noStrike">
+      <a:defRPr sz="1400" b="0" i="0" u="none" strike="noStrike" cap="none">
         <a:solidFill>
           <a:srgbClr val="000000"/>
         </a:solidFill>
@@ -629,7 +644,7 @@
         <a:sym typeface="Arial"/>
       </a:defRPr>
     </a:lvl6pPr>
-    <a:lvl7pPr lvl="6" marR="0" rtl="0" algn="l">
+    <a:lvl7pPr marR="0" lvl="6" algn="l" rtl="0">
       <a:lnSpc>
         <a:spcPct val="100000"/>
       </a:lnSpc>
@@ -643,7 +658,7 @@
         <a:srgbClr val="000000"/>
       </a:buClr>
       <a:buFont typeface="Arial"/>
-      <a:defRPr b="0" i="0" sz="1400" u="none" cap="none" strike="noStrike">
+      <a:defRPr sz="1400" b="0" i="0" u="none" strike="noStrike" cap="none">
         <a:solidFill>
           <a:srgbClr val="000000"/>
         </a:solidFill>
@@ -653,7 +668,7 @@
         <a:sym typeface="Arial"/>
       </a:defRPr>
     </a:lvl7pPr>
-    <a:lvl8pPr lvl="7" marR="0" rtl="0" algn="l">
+    <a:lvl8pPr marR="0" lvl="7" algn="l" rtl="0">
       <a:lnSpc>
         <a:spcPct val="100000"/>
       </a:lnSpc>
@@ -667,7 +682,7 @@
         <a:srgbClr val="000000"/>
       </a:buClr>
       <a:buFont typeface="Arial"/>
-      <a:defRPr b="0" i="0" sz="1400" u="none" cap="none" strike="noStrike">
+      <a:defRPr sz="1400" b="0" i="0" u="none" strike="noStrike" cap="none">
         <a:solidFill>
           <a:srgbClr val="000000"/>
         </a:solidFill>
@@ -677,7 +692,7 @@
         <a:sym typeface="Arial"/>
       </a:defRPr>
     </a:lvl8pPr>
-    <a:lvl9pPr lvl="8" marR="0" rtl="0" algn="l">
+    <a:lvl9pPr marR="0" lvl="8" algn="l" rtl="0">
       <a:lnSpc>
         <a:spcPct val="100000"/>
       </a:lnSpc>
@@ -691,7 +706,7 @@
         <a:srgbClr val="000000"/>
       </a:buClr>
       <a:buFont typeface="Arial"/>
-      <a:defRPr b="0" i="0" sz="1400" u="none" cap="none" strike="noStrike">
+      <a:defRPr sz="1400" b="0" i="0" u="none" strike="noStrike" cap="none">
         <a:solidFill>
           <a:srgbClr val="000000"/>
         </a:solidFill>
@@ -706,11 +721,11 @@
 </file>
 
 <file path=ppt/notesSlides/notesSlide1.xml><?xml version="1.0" encoding="utf-8"?>
-<p:notes xmlns:a="http://schemas.openxmlformats.org/drawingml/2006/main" xmlns:r="http://schemas.openxmlformats.org/officeDocument/2006/relationships" xmlns:mc="http://schemas.openxmlformats.org/markup-compatibility/2006" xmlns:mv="urn:schemas-microsoft-com:mac:vml" xmlns:p="http://schemas.openxmlformats.org/presentationml/2006/main" xmlns:c="http://schemas.openxmlformats.org/drawingml/2006/chart" xmlns:dgm="http://schemas.openxmlformats.org/drawingml/2006/diagram" xmlns:o="urn:schemas-microsoft-com:office:office" xmlns:v="urn:schemas-microsoft-com:vml" xmlns:pvml="urn:schemas-microsoft-com:office:powerpoint" xmlns:com="http://schemas.openxmlformats.org/drawingml/2006/compatibility" xmlns:p14="http://schemas.microsoft.com/office/powerpoint/2010/main" xmlns:p15="http://schemas.microsoft.com/office/powerpoint/2012/main" xmlns:ahyp="http://schemas.microsoft.com/office/drawing/2018/hyperlinkcolor" showMasterPhAnim="0" showMasterSp="0">
+<p:notes xmlns:a="http://schemas.openxmlformats.org/drawingml/2006/main" xmlns:r="http://schemas.openxmlformats.org/officeDocument/2006/relationships" xmlns:p="http://schemas.openxmlformats.org/presentationml/2006/main" showMasterSp="0" showMasterPhAnim="0">
   <p:cSld>
     <p:spTree>
       <p:nvGrpSpPr>
-        <p:cNvPr id="50" name="Shape 50"/>
+        <p:cNvPr id="1" name="Shape 50"/>
         <p:cNvGrpSpPr/>
         <p:nvPr/>
       </p:nvGrpSpPr>
@@ -725,20 +740,26 @@
       <p:sp>
         <p:nvSpPr>
           <p:cNvPr id="51" name="Google Shape;51;p:notes"/>
-          <p:cNvSpPr/>
+          <p:cNvSpPr>
+            <a:spLocks noGrp="1" noRot="1" noChangeAspect="1"/>
+          </p:cNvSpPr>
           <p:nvPr>
-            <p:ph idx="2" type="sldImg"/>
+            <p:ph type="sldImg" idx="2"/>
           </p:nvPr>
         </p:nvSpPr>
         <p:spPr>
           <a:xfrm>
-            <a:off x="381300" y="685800"/>
-            <a:ext cx="6096075" cy="3429000"/>
+            <a:off x="381000" y="685800"/>
+            <a:ext cx="6096000" cy="3429000"/>
           </a:xfrm>
           <a:custGeom>
-            <a:rect b="b" l="l" r="r" t="t"/>
+            <a:avLst/>
+            <a:gdLst/>
+            <a:ahLst/>
+            <a:cxnLst/>
+            <a:rect l="l" t="t" r="r" b="b"/>
             <a:pathLst>
-              <a:path extrusionOk="0" h="120000" w="120000">
+              <a:path w="120000" h="120000" extrusionOk="0">
                 <a:moveTo>
                   <a:pt x="0" y="0"/>
                 </a:moveTo>
@@ -760,9 +781,11 @@
       <p:sp>
         <p:nvSpPr>
           <p:cNvPr id="52" name="Google Shape;52;p:notes"/>
-          <p:cNvSpPr txBox="1"/>
+          <p:cNvSpPr txBox="1">
+            <a:spLocks noGrp="1"/>
+          </p:cNvSpPr>
           <p:nvPr>
-            <p:ph idx="1" type="body"/>
+            <p:ph type="body" idx="1"/>
           </p:nvPr>
         </p:nvSpPr>
         <p:spPr>
@@ -775,12 +798,12 @@
           </a:prstGeom>
         </p:spPr>
         <p:txBody>
-          <a:bodyPr anchorCtr="0" anchor="t" bIns="91425" lIns="91425" spcFirstLastPara="1" rIns="91425" wrap="square" tIns="91425">
+          <a:bodyPr spcFirstLastPara="1" wrap="square" lIns="91425" tIns="91425" rIns="91425" bIns="91425" anchor="t" anchorCtr="0">
             <a:noAutofit/>
           </a:bodyPr>
           <a:lstStyle/>
           <a:p>
-            <a:pPr indent="0" lvl="0" marL="0" rtl="0" algn="l">
+            <a:pPr marL="0" lvl="0" indent="0" algn="l" rtl="0">
               <a:spcBef>
                 <a:spcPts val="0"/>
               </a:spcBef>
@@ -789,9 +812,6 @@
               </a:spcAft>
               <a:buNone/>
             </a:pPr>
-            <a:r>
-              <a:t/>
-            </a:r>
             <a:endParaRPr/>
           </a:p>
         </p:txBody>
@@ -805,11 +825,11 @@
 </file>
 
 <file path=ppt/notesSlides/notesSlide10.xml><?xml version="1.0" encoding="utf-8"?>
-<p:notes xmlns:a="http://schemas.openxmlformats.org/drawingml/2006/main" xmlns:r="http://schemas.openxmlformats.org/officeDocument/2006/relationships" xmlns:mc="http://schemas.openxmlformats.org/markup-compatibility/2006" xmlns:mv="urn:schemas-microsoft-com:mac:vml" xmlns:p="http://schemas.openxmlformats.org/presentationml/2006/main" xmlns:c="http://schemas.openxmlformats.org/drawingml/2006/chart" xmlns:dgm="http://schemas.openxmlformats.org/drawingml/2006/diagram" xmlns:o="urn:schemas-microsoft-com:office:office" xmlns:v="urn:schemas-microsoft-com:vml" xmlns:pvml="urn:schemas-microsoft-com:office:powerpoint" xmlns:com="http://schemas.openxmlformats.org/drawingml/2006/compatibility" xmlns:p14="http://schemas.microsoft.com/office/powerpoint/2010/main" xmlns:p15="http://schemas.microsoft.com/office/powerpoint/2012/main" xmlns:ahyp="http://schemas.microsoft.com/office/drawing/2018/hyperlinkcolor" showMasterPhAnim="0" showMasterSp="0">
+<p:notes xmlns:a="http://schemas.openxmlformats.org/drawingml/2006/main" xmlns:r="http://schemas.openxmlformats.org/officeDocument/2006/relationships" xmlns:p="http://schemas.openxmlformats.org/presentationml/2006/main" showMasterSp="0" showMasterPhAnim="0">
   <p:cSld>
     <p:spTree>
       <p:nvGrpSpPr>
-        <p:cNvPr id="108" name="Shape 108"/>
+        <p:cNvPr id="1" name="Shape 108"/>
         <p:cNvGrpSpPr/>
         <p:nvPr/>
       </p:nvGrpSpPr>
@@ -824,20 +844,26 @@
       <p:sp>
         <p:nvSpPr>
           <p:cNvPr id="109" name="Google Shape;109;g215b2026056_0_18:notes"/>
-          <p:cNvSpPr/>
+          <p:cNvSpPr>
+            <a:spLocks noGrp="1" noRot="1" noChangeAspect="1"/>
+          </p:cNvSpPr>
           <p:nvPr>
-            <p:ph idx="2" type="sldImg"/>
+            <p:ph type="sldImg" idx="2"/>
           </p:nvPr>
         </p:nvSpPr>
         <p:spPr>
           <a:xfrm>
-            <a:off x="381300" y="685800"/>
+            <a:off x="381000" y="685800"/>
             <a:ext cx="6096000" cy="3429000"/>
           </a:xfrm>
           <a:custGeom>
-            <a:rect b="b" l="l" r="r" t="t"/>
+            <a:avLst/>
+            <a:gdLst/>
+            <a:ahLst/>
+            <a:cxnLst/>
+            <a:rect l="l" t="t" r="r" b="b"/>
             <a:pathLst>
-              <a:path extrusionOk="0" h="120000" w="120000">
+              <a:path w="120000" h="120000" extrusionOk="0">
                 <a:moveTo>
                   <a:pt x="0" y="0"/>
                 </a:moveTo>
@@ -859,9 +885,11 @@
       <p:sp>
         <p:nvSpPr>
           <p:cNvPr id="110" name="Google Shape;110;g215b2026056_0_18:notes"/>
-          <p:cNvSpPr txBox="1"/>
+          <p:cNvSpPr txBox="1">
+            <a:spLocks noGrp="1"/>
+          </p:cNvSpPr>
           <p:nvPr>
-            <p:ph idx="1" type="body"/>
+            <p:ph type="body" idx="1"/>
           </p:nvPr>
         </p:nvSpPr>
         <p:spPr>
@@ -874,12 +902,12 @@
           </a:prstGeom>
         </p:spPr>
         <p:txBody>
-          <a:bodyPr anchorCtr="0" anchor="t" bIns="91425" lIns="91425" spcFirstLastPara="1" rIns="91425" wrap="square" tIns="91425">
+          <a:bodyPr spcFirstLastPara="1" wrap="square" lIns="91425" tIns="91425" rIns="91425" bIns="91425" anchor="t" anchorCtr="0">
             <a:noAutofit/>
           </a:bodyPr>
           <a:lstStyle/>
           <a:p>
-            <a:pPr indent="0" lvl="0" marL="0" rtl="0" algn="l">
+            <a:pPr marL="0" lvl="0" indent="0" algn="l" rtl="0">
               <a:spcBef>
                 <a:spcPts val="0"/>
               </a:spcBef>
@@ -895,7 +923,7 @@
             <a:endParaRPr/>
           </a:p>
           <a:p>
-            <a:pPr indent="0" lvl="0" marL="0" rtl="0" algn="l">
+            <a:pPr marL="0" lvl="0" indent="0" algn="l" rtl="0">
               <a:spcBef>
                 <a:spcPts val="0"/>
               </a:spcBef>
@@ -921,11 +949,11 @@
 </file>
 
 <file path=ppt/notesSlides/notesSlide11.xml><?xml version="1.0" encoding="utf-8"?>
-<p:notes xmlns:a="http://schemas.openxmlformats.org/drawingml/2006/main" xmlns:r="http://schemas.openxmlformats.org/officeDocument/2006/relationships" xmlns:mc="http://schemas.openxmlformats.org/markup-compatibility/2006" xmlns:mv="urn:schemas-microsoft-com:mac:vml" xmlns:p="http://schemas.openxmlformats.org/presentationml/2006/main" xmlns:c="http://schemas.openxmlformats.org/drawingml/2006/chart" xmlns:dgm="http://schemas.openxmlformats.org/drawingml/2006/diagram" xmlns:o="urn:schemas-microsoft-com:office:office" xmlns:v="urn:schemas-microsoft-com:vml" xmlns:pvml="urn:schemas-microsoft-com:office:powerpoint" xmlns:com="http://schemas.openxmlformats.org/drawingml/2006/compatibility" xmlns:p14="http://schemas.microsoft.com/office/powerpoint/2010/main" xmlns:p15="http://schemas.microsoft.com/office/powerpoint/2012/main" xmlns:ahyp="http://schemas.microsoft.com/office/drawing/2018/hyperlinkcolor" showMasterPhAnim="0" showMasterSp="0">
+<p:notes xmlns:a="http://schemas.openxmlformats.org/drawingml/2006/main" xmlns:r="http://schemas.openxmlformats.org/officeDocument/2006/relationships" xmlns:p="http://schemas.openxmlformats.org/presentationml/2006/main" showMasterSp="0" showMasterPhAnim="0">
   <p:cSld>
     <p:spTree>
       <p:nvGrpSpPr>
-        <p:cNvPr id="113" name="Shape 113"/>
+        <p:cNvPr id="1" name="Shape 113"/>
         <p:cNvGrpSpPr/>
         <p:nvPr/>
       </p:nvGrpSpPr>
@@ -940,20 +968,26 @@
       <p:sp>
         <p:nvSpPr>
           <p:cNvPr id="114" name="Google Shape;114;g215b2026056_0_28:notes"/>
-          <p:cNvSpPr/>
+          <p:cNvSpPr>
+            <a:spLocks noGrp="1" noRot="1" noChangeAspect="1"/>
+          </p:cNvSpPr>
           <p:nvPr>
-            <p:ph idx="2" type="sldImg"/>
+            <p:ph type="sldImg" idx="2"/>
           </p:nvPr>
         </p:nvSpPr>
         <p:spPr>
           <a:xfrm>
-            <a:off x="381300" y="685800"/>
+            <a:off x="381000" y="685800"/>
             <a:ext cx="6096000" cy="3429000"/>
           </a:xfrm>
           <a:custGeom>
-            <a:rect b="b" l="l" r="r" t="t"/>
+            <a:avLst/>
+            <a:gdLst/>
+            <a:ahLst/>
+            <a:cxnLst/>
+            <a:rect l="l" t="t" r="r" b="b"/>
             <a:pathLst>
-              <a:path extrusionOk="0" h="120000" w="120000">
+              <a:path w="120000" h="120000" extrusionOk="0">
                 <a:moveTo>
                   <a:pt x="0" y="0"/>
                 </a:moveTo>
@@ -975,9 +1009,11 @@
       <p:sp>
         <p:nvSpPr>
           <p:cNvPr id="115" name="Google Shape;115;g215b2026056_0_28:notes"/>
-          <p:cNvSpPr txBox="1"/>
+          <p:cNvSpPr txBox="1">
+            <a:spLocks noGrp="1"/>
+          </p:cNvSpPr>
           <p:nvPr>
-            <p:ph idx="1" type="body"/>
+            <p:ph type="body" idx="1"/>
           </p:nvPr>
         </p:nvSpPr>
         <p:spPr>
@@ -990,12 +1026,12 @@
           </a:prstGeom>
         </p:spPr>
         <p:txBody>
-          <a:bodyPr anchorCtr="0" anchor="t" bIns="91425" lIns="91425" spcFirstLastPara="1" rIns="91425" wrap="square" tIns="91425">
+          <a:bodyPr spcFirstLastPara="1" wrap="square" lIns="91425" tIns="91425" rIns="91425" bIns="91425" anchor="t" anchorCtr="0">
             <a:noAutofit/>
           </a:bodyPr>
           <a:lstStyle/>
           <a:p>
-            <a:pPr indent="0" lvl="0" marL="0" rtl="0" algn="l">
+            <a:pPr marL="0" lvl="0" indent="0" algn="l" rtl="0">
               <a:spcBef>
                 <a:spcPts val="0"/>
               </a:spcBef>
@@ -1004,9 +1040,6 @@
               </a:spcAft>
               <a:buNone/>
             </a:pPr>
-            <a:r>
-              <a:t/>
-            </a:r>
             <a:endParaRPr/>
           </a:p>
         </p:txBody>
@@ -1020,11 +1053,11 @@
 </file>
 
 <file path=ppt/notesSlides/notesSlide2.xml><?xml version="1.0" encoding="utf-8"?>
-<p:notes xmlns:a="http://schemas.openxmlformats.org/drawingml/2006/main" xmlns:r="http://schemas.openxmlformats.org/officeDocument/2006/relationships" xmlns:mc="http://schemas.openxmlformats.org/markup-compatibility/2006" xmlns:mv="urn:schemas-microsoft-com:mac:vml" xmlns:p="http://schemas.openxmlformats.org/presentationml/2006/main" xmlns:c="http://schemas.openxmlformats.org/drawingml/2006/chart" xmlns:dgm="http://schemas.openxmlformats.org/drawingml/2006/diagram" xmlns:o="urn:schemas-microsoft-com:office:office" xmlns:v="urn:schemas-microsoft-com:vml" xmlns:pvml="urn:schemas-microsoft-com:office:powerpoint" xmlns:com="http://schemas.openxmlformats.org/drawingml/2006/compatibility" xmlns:p14="http://schemas.microsoft.com/office/powerpoint/2010/main" xmlns:p15="http://schemas.microsoft.com/office/powerpoint/2012/main" xmlns:ahyp="http://schemas.microsoft.com/office/drawing/2018/hyperlinkcolor" showMasterPhAnim="0" showMasterSp="0">
+<p:notes xmlns:a="http://schemas.openxmlformats.org/drawingml/2006/main" xmlns:r="http://schemas.openxmlformats.org/officeDocument/2006/relationships" xmlns:p="http://schemas.openxmlformats.org/presentationml/2006/main" showMasterSp="0" showMasterPhAnim="0">
   <p:cSld>
     <p:spTree>
       <p:nvGrpSpPr>
-        <p:cNvPr id="56" name="Shape 56"/>
+        <p:cNvPr id="1" name="Shape 56"/>
         <p:cNvGrpSpPr/>
         <p:nvPr/>
       </p:nvGrpSpPr>
@@ -1039,20 +1072,26 @@
       <p:sp>
         <p:nvSpPr>
           <p:cNvPr id="57" name="Google Shape;57;g214f4e4fcc7_0_15:notes"/>
-          <p:cNvSpPr/>
+          <p:cNvSpPr>
+            <a:spLocks noGrp="1" noRot="1" noChangeAspect="1"/>
+          </p:cNvSpPr>
           <p:nvPr>
-            <p:ph idx="2" type="sldImg"/>
+            <p:ph type="sldImg" idx="2"/>
           </p:nvPr>
         </p:nvSpPr>
         <p:spPr>
           <a:xfrm>
-            <a:off x="381300" y="685800"/>
+            <a:off x="381000" y="685800"/>
             <a:ext cx="6096000" cy="3429000"/>
           </a:xfrm>
           <a:custGeom>
-            <a:rect b="b" l="l" r="r" t="t"/>
+            <a:avLst/>
+            <a:gdLst/>
+            <a:ahLst/>
+            <a:cxnLst/>
+            <a:rect l="l" t="t" r="r" b="b"/>
             <a:pathLst>
-              <a:path extrusionOk="0" h="120000" w="120000">
+              <a:path w="120000" h="120000" extrusionOk="0">
                 <a:moveTo>
                   <a:pt x="0" y="0"/>
                 </a:moveTo>
@@ -1074,9 +1113,11 @@
       <p:sp>
         <p:nvSpPr>
           <p:cNvPr id="58" name="Google Shape;58;g214f4e4fcc7_0_15:notes"/>
-          <p:cNvSpPr txBox="1"/>
+          <p:cNvSpPr txBox="1">
+            <a:spLocks noGrp="1"/>
+          </p:cNvSpPr>
           <p:nvPr>
-            <p:ph idx="1" type="body"/>
+            <p:ph type="body" idx="1"/>
           </p:nvPr>
         </p:nvSpPr>
         <p:spPr>
@@ -1089,12 +1130,12 @@
           </a:prstGeom>
         </p:spPr>
         <p:txBody>
-          <a:bodyPr anchorCtr="0" anchor="t" bIns="91425" lIns="91425" spcFirstLastPara="1" rIns="91425" wrap="square" tIns="91425">
+          <a:bodyPr spcFirstLastPara="1" wrap="square" lIns="91425" tIns="91425" rIns="91425" bIns="91425" anchor="t" anchorCtr="0">
             <a:noAutofit/>
           </a:bodyPr>
           <a:lstStyle/>
           <a:p>
-            <a:pPr indent="0" lvl="0" marL="0" rtl="0" algn="l">
+            <a:pPr marL="0" lvl="0" indent="0" algn="l" rtl="0">
               <a:lnSpc>
                 <a:spcPct val="115000"/>
               </a:lnSpc>
@@ -1111,9 +1152,6 @@
               <a:buFont typeface="Arial"/>
               <a:buNone/>
             </a:pPr>
-            <a:r>
-              <a:t/>
-            </a:r>
             <a:endParaRPr>
               <a:solidFill>
                 <a:schemeClr val="dk1"/>
@@ -1121,7 +1159,7 @@
             </a:endParaRPr>
           </a:p>
           <a:p>
-            <a:pPr indent="0" lvl="0" marL="0" rtl="0" algn="l">
+            <a:pPr marL="0" lvl="0" indent="0" algn="l" rtl="0">
               <a:lnSpc>
                 <a:spcPct val="115000"/>
               </a:lnSpc>
@@ -1159,11 +1197,11 @@
 </file>
 
 <file path=ppt/notesSlides/notesSlide3.xml><?xml version="1.0" encoding="utf-8"?>
-<p:notes xmlns:a="http://schemas.openxmlformats.org/drawingml/2006/main" xmlns:r="http://schemas.openxmlformats.org/officeDocument/2006/relationships" xmlns:mc="http://schemas.openxmlformats.org/markup-compatibility/2006" xmlns:mv="urn:schemas-microsoft-com:mac:vml" xmlns:p="http://schemas.openxmlformats.org/presentationml/2006/main" xmlns:c="http://schemas.openxmlformats.org/drawingml/2006/chart" xmlns:dgm="http://schemas.openxmlformats.org/drawingml/2006/diagram" xmlns:o="urn:schemas-microsoft-com:office:office" xmlns:v="urn:schemas-microsoft-com:vml" xmlns:pvml="urn:schemas-microsoft-com:office:powerpoint" xmlns:com="http://schemas.openxmlformats.org/drawingml/2006/compatibility" xmlns:p14="http://schemas.microsoft.com/office/powerpoint/2010/main" xmlns:p15="http://schemas.microsoft.com/office/powerpoint/2012/main" xmlns:ahyp="http://schemas.microsoft.com/office/drawing/2018/hyperlinkcolor" showMasterPhAnim="0" showMasterSp="0">
+<p:notes xmlns:a="http://schemas.openxmlformats.org/drawingml/2006/main" xmlns:r="http://schemas.openxmlformats.org/officeDocument/2006/relationships" xmlns:p="http://schemas.openxmlformats.org/presentationml/2006/main" showMasterSp="0" showMasterPhAnim="0">
   <p:cSld>
     <p:spTree>
       <p:nvGrpSpPr>
-        <p:cNvPr id="64" name="Shape 64"/>
+        <p:cNvPr id="1" name="Shape 64"/>
         <p:cNvGrpSpPr/>
         <p:nvPr/>
       </p:nvGrpSpPr>
@@ -1178,20 +1216,26 @@
       <p:sp>
         <p:nvSpPr>
           <p:cNvPr id="65" name="Google Shape;65;g214f4e4fcc7_0_5:notes"/>
-          <p:cNvSpPr/>
+          <p:cNvSpPr>
+            <a:spLocks noGrp="1" noRot="1" noChangeAspect="1"/>
+          </p:cNvSpPr>
           <p:nvPr>
-            <p:ph idx="2" type="sldImg"/>
+            <p:ph type="sldImg" idx="2"/>
           </p:nvPr>
         </p:nvSpPr>
         <p:spPr>
           <a:xfrm>
-            <a:off x="381300" y="685800"/>
+            <a:off x="381000" y="685800"/>
             <a:ext cx="6096000" cy="3429000"/>
           </a:xfrm>
           <a:custGeom>
-            <a:rect b="b" l="l" r="r" t="t"/>
+            <a:avLst/>
+            <a:gdLst/>
+            <a:ahLst/>
+            <a:cxnLst/>
+            <a:rect l="l" t="t" r="r" b="b"/>
             <a:pathLst>
-              <a:path extrusionOk="0" h="120000" w="120000">
+              <a:path w="120000" h="120000" extrusionOk="0">
                 <a:moveTo>
                   <a:pt x="0" y="0"/>
                 </a:moveTo>
@@ -1213,9 +1257,11 @@
       <p:sp>
         <p:nvSpPr>
           <p:cNvPr id="66" name="Google Shape;66;g214f4e4fcc7_0_5:notes"/>
-          <p:cNvSpPr txBox="1"/>
+          <p:cNvSpPr txBox="1">
+            <a:spLocks noGrp="1"/>
+          </p:cNvSpPr>
           <p:nvPr>
-            <p:ph idx="1" type="body"/>
+            <p:ph type="body" idx="1"/>
           </p:nvPr>
         </p:nvSpPr>
         <p:spPr>
@@ -1228,12 +1274,12 @@
           </a:prstGeom>
         </p:spPr>
         <p:txBody>
-          <a:bodyPr anchorCtr="0" anchor="t" bIns="91425" lIns="91425" spcFirstLastPara="1" rIns="91425" wrap="square" tIns="91425">
+          <a:bodyPr spcFirstLastPara="1" wrap="square" lIns="91425" tIns="91425" rIns="91425" bIns="91425" anchor="t" anchorCtr="0">
             <a:noAutofit/>
           </a:bodyPr>
           <a:lstStyle/>
           <a:p>
-            <a:pPr indent="0" lvl="0" marL="0" rtl="0" algn="l">
+            <a:pPr marL="0" lvl="0" indent="0" algn="l" rtl="0">
               <a:spcBef>
                 <a:spcPts val="0"/>
               </a:spcBef>
@@ -1242,9 +1288,6 @@
               </a:spcAft>
               <a:buNone/>
             </a:pPr>
-            <a:r>
-              <a:t/>
-            </a:r>
             <a:endParaRPr/>
           </a:p>
         </p:txBody>
@@ -1258,11 +1301,11 @@
 </file>
 
 <file path=ppt/notesSlides/notesSlide4.xml><?xml version="1.0" encoding="utf-8"?>
-<p:notes xmlns:a="http://schemas.openxmlformats.org/drawingml/2006/main" xmlns:r="http://schemas.openxmlformats.org/officeDocument/2006/relationships" xmlns:mc="http://schemas.openxmlformats.org/markup-compatibility/2006" xmlns:mv="urn:schemas-microsoft-com:mac:vml" xmlns:p="http://schemas.openxmlformats.org/presentationml/2006/main" xmlns:c="http://schemas.openxmlformats.org/drawingml/2006/chart" xmlns:dgm="http://schemas.openxmlformats.org/drawingml/2006/diagram" xmlns:o="urn:schemas-microsoft-com:office:office" xmlns:v="urn:schemas-microsoft-com:vml" xmlns:pvml="urn:schemas-microsoft-com:office:powerpoint" xmlns:com="http://schemas.openxmlformats.org/drawingml/2006/compatibility" xmlns:p14="http://schemas.microsoft.com/office/powerpoint/2010/main" xmlns:p15="http://schemas.microsoft.com/office/powerpoint/2012/main" xmlns:ahyp="http://schemas.microsoft.com/office/drawing/2018/hyperlinkcolor" showMasterPhAnim="0" showMasterSp="0">
+<p:notes xmlns:a="http://schemas.openxmlformats.org/drawingml/2006/main" xmlns:r="http://schemas.openxmlformats.org/officeDocument/2006/relationships" xmlns:p="http://schemas.openxmlformats.org/presentationml/2006/main" showMasterSp="0" showMasterPhAnim="0">
   <p:cSld>
     <p:spTree>
       <p:nvGrpSpPr>
-        <p:cNvPr id="72" name="Shape 72"/>
+        <p:cNvPr id="1" name="Shape 72"/>
         <p:cNvGrpSpPr/>
         <p:nvPr/>
       </p:nvGrpSpPr>
@@ -1277,20 +1320,26 @@
       <p:sp>
         <p:nvSpPr>
           <p:cNvPr id="73" name="Google Shape;73;g214f4e4fcc7_0_21:notes"/>
-          <p:cNvSpPr/>
+          <p:cNvSpPr>
+            <a:spLocks noGrp="1" noRot="1" noChangeAspect="1"/>
+          </p:cNvSpPr>
           <p:nvPr>
-            <p:ph idx="2" type="sldImg"/>
+            <p:ph type="sldImg" idx="2"/>
           </p:nvPr>
         </p:nvSpPr>
         <p:spPr>
           <a:xfrm>
-            <a:off x="381300" y="685800"/>
+            <a:off x="381000" y="685800"/>
             <a:ext cx="6096000" cy="3429000"/>
           </a:xfrm>
           <a:custGeom>
-            <a:rect b="b" l="l" r="r" t="t"/>
+            <a:avLst/>
+            <a:gdLst/>
+            <a:ahLst/>
+            <a:cxnLst/>
+            <a:rect l="l" t="t" r="r" b="b"/>
             <a:pathLst>
-              <a:path extrusionOk="0" h="120000" w="120000">
+              <a:path w="120000" h="120000" extrusionOk="0">
                 <a:moveTo>
                   <a:pt x="0" y="0"/>
                 </a:moveTo>
@@ -1312,9 +1361,11 @@
       <p:sp>
         <p:nvSpPr>
           <p:cNvPr id="74" name="Google Shape;74;g214f4e4fcc7_0_21:notes"/>
-          <p:cNvSpPr txBox="1"/>
+          <p:cNvSpPr txBox="1">
+            <a:spLocks noGrp="1"/>
+          </p:cNvSpPr>
           <p:nvPr>
-            <p:ph idx="1" type="body"/>
+            <p:ph type="body" idx="1"/>
           </p:nvPr>
         </p:nvSpPr>
         <p:spPr>
@@ -1327,12 +1378,12 @@
           </a:prstGeom>
         </p:spPr>
         <p:txBody>
-          <a:bodyPr anchorCtr="0" anchor="t" bIns="91425" lIns="91425" spcFirstLastPara="1" rIns="91425" wrap="square" tIns="91425">
+          <a:bodyPr spcFirstLastPara="1" wrap="square" lIns="91425" tIns="91425" rIns="91425" bIns="91425" anchor="t" anchorCtr="0">
             <a:noAutofit/>
           </a:bodyPr>
           <a:lstStyle/>
           <a:p>
-            <a:pPr indent="0" lvl="0" marL="0" rtl="0" algn="l">
+            <a:pPr marL="0" lvl="0" indent="0" algn="l" rtl="0">
               <a:spcBef>
                 <a:spcPts val="0"/>
               </a:spcBef>
@@ -1341,9 +1392,6 @@
               </a:spcAft>
               <a:buNone/>
             </a:pPr>
-            <a:r>
-              <a:t/>
-            </a:r>
             <a:endParaRPr/>
           </a:p>
         </p:txBody>
@@ -1357,11 +1405,11 @@
 </file>
 
 <file path=ppt/notesSlides/notesSlide5.xml><?xml version="1.0" encoding="utf-8"?>
-<p:notes xmlns:a="http://schemas.openxmlformats.org/drawingml/2006/main" xmlns:r="http://schemas.openxmlformats.org/officeDocument/2006/relationships" xmlns:mc="http://schemas.openxmlformats.org/markup-compatibility/2006" xmlns:mv="urn:schemas-microsoft-com:mac:vml" xmlns:p="http://schemas.openxmlformats.org/presentationml/2006/main" xmlns:c="http://schemas.openxmlformats.org/drawingml/2006/chart" xmlns:dgm="http://schemas.openxmlformats.org/drawingml/2006/diagram" xmlns:o="urn:schemas-microsoft-com:office:office" xmlns:v="urn:schemas-microsoft-com:vml" xmlns:pvml="urn:schemas-microsoft-com:office:powerpoint" xmlns:com="http://schemas.openxmlformats.org/drawingml/2006/compatibility" xmlns:p14="http://schemas.microsoft.com/office/powerpoint/2010/main" xmlns:p15="http://schemas.microsoft.com/office/powerpoint/2012/main" xmlns:ahyp="http://schemas.microsoft.com/office/drawing/2018/hyperlinkcolor" showMasterPhAnim="0" showMasterSp="0">
+<p:notes xmlns:a="http://schemas.openxmlformats.org/drawingml/2006/main" xmlns:r="http://schemas.openxmlformats.org/officeDocument/2006/relationships" xmlns:p="http://schemas.openxmlformats.org/presentationml/2006/main" showMasterSp="0" showMasterPhAnim="0">
   <p:cSld>
     <p:spTree>
       <p:nvGrpSpPr>
-        <p:cNvPr id="78" name="Shape 78"/>
+        <p:cNvPr id="1" name="Shape 78"/>
         <p:cNvGrpSpPr/>
         <p:nvPr/>
       </p:nvGrpSpPr>
@@ -1376,20 +1424,26 @@
       <p:sp>
         <p:nvSpPr>
           <p:cNvPr id="79" name="Google Shape;79;g214f4e4fcc7_0_10:notes"/>
-          <p:cNvSpPr/>
+          <p:cNvSpPr>
+            <a:spLocks noGrp="1" noRot="1" noChangeAspect="1"/>
+          </p:cNvSpPr>
           <p:nvPr>
-            <p:ph idx="2" type="sldImg"/>
+            <p:ph type="sldImg" idx="2"/>
           </p:nvPr>
         </p:nvSpPr>
         <p:spPr>
           <a:xfrm>
-            <a:off x="381300" y="685800"/>
+            <a:off x="381000" y="685800"/>
             <a:ext cx="6096000" cy="3429000"/>
           </a:xfrm>
           <a:custGeom>
-            <a:rect b="b" l="l" r="r" t="t"/>
+            <a:avLst/>
+            <a:gdLst/>
+            <a:ahLst/>
+            <a:cxnLst/>
+            <a:rect l="l" t="t" r="r" b="b"/>
             <a:pathLst>
-              <a:path extrusionOk="0" h="120000" w="120000">
+              <a:path w="120000" h="120000" extrusionOk="0">
                 <a:moveTo>
                   <a:pt x="0" y="0"/>
                 </a:moveTo>
@@ -1411,9 +1465,11 @@
       <p:sp>
         <p:nvSpPr>
           <p:cNvPr id="80" name="Google Shape;80;g214f4e4fcc7_0_10:notes"/>
-          <p:cNvSpPr txBox="1"/>
+          <p:cNvSpPr txBox="1">
+            <a:spLocks noGrp="1"/>
+          </p:cNvSpPr>
           <p:nvPr>
-            <p:ph idx="1" type="body"/>
+            <p:ph type="body" idx="1"/>
           </p:nvPr>
         </p:nvSpPr>
         <p:spPr>
@@ -1426,12 +1482,12 @@
           </a:prstGeom>
         </p:spPr>
         <p:txBody>
-          <a:bodyPr anchorCtr="0" anchor="t" bIns="91425" lIns="91425" spcFirstLastPara="1" rIns="91425" wrap="square" tIns="91425">
+          <a:bodyPr spcFirstLastPara="1" wrap="square" lIns="91425" tIns="91425" rIns="91425" bIns="91425" anchor="t" anchorCtr="0">
             <a:noAutofit/>
           </a:bodyPr>
           <a:lstStyle/>
           <a:p>
-            <a:pPr indent="0" lvl="0" marL="0" rtl="0" algn="l">
+            <a:pPr marL="0" lvl="0" indent="0" algn="l" rtl="0">
               <a:spcBef>
                 <a:spcPts val="0"/>
               </a:spcBef>
@@ -1440,9 +1496,6 @@
               </a:spcAft>
               <a:buNone/>
             </a:pPr>
-            <a:r>
-              <a:t/>
-            </a:r>
             <a:endParaRPr/>
           </a:p>
         </p:txBody>
@@ -1456,11 +1509,11 @@
 </file>
 
 <file path=ppt/notesSlides/notesSlide6.xml><?xml version="1.0" encoding="utf-8"?>
-<p:notes xmlns:a="http://schemas.openxmlformats.org/drawingml/2006/main" xmlns:r="http://schemas.openxmlformats.org/officeDocument/2006/relationships" xmlns:mc="http://schemas.openxmlformats.org/markup-compatibility/2006" xmlns:mv="urn:schemas-microsoft-com:mac:vml" xmlns:p="http://schemas.openxmlformats.org/presentationml/2006/main" xmlns:c="http://schemas.openxmlformats.org/drawingml/2006/chart" xmlns:dgm="http://schemas.openxmlformats.org/drawingml/2006/diagram" xmlns:o="urn:schemas-microsoft-com:office:office" xmlns:v="urn:schemas-microsoft-com:vml" xmlns:pvml="urn:schemas-microsoft-com:office:powerpoint" xmlns:com="http://schemas.openxmlformats.org/drawingml/2006/compatibility" xmlns:p14="http://schemas.microsoft.com/office/powerpoint/2010/main" xmlns:p15="http://schemas.microsoft.com/office/powerpoint/2012/main" xmlns:ahyp="http://schemas.microsoft.com/office/drawing/2018/hyperlinkcolor" showMasterPhAnim="0" showMasterSp="0">
+<p:notes xmlns:a="http://schemas.openxmlformats.org/drawingml/2006/main" xmlns:r="http://schemas.openxmlformats.org/officeDocument/2006/relationships" xmlns:p="http://schemas.openxmlformats.org/presentationml/2006/main" showMasterSp="0" showMasterPhAnim="0">
   <p:cSld>
     <p:spTree>
       <p:nvGrpSpPr>
-        <p:cNvPr id="84" name="Shape 84"/>
+        <p:cNvPr id="1" name="Shape 84"/>
         <p:cNvGrpSpPr/>
         <p:nvPr/>
       </p:nvGrpSpPr>
@@ -1475,20 +1528,26 @@
       <p:sp>
         <p:nvSpPr>
           <p:cNvPr id="85" name="Google Shape;85;g215b2026056_0_13:notes"/>
-          <p:cNvSpPr/>
+          <p:cNvSpPr>
+            <a:spLocks noGrp="1" noRot="1" noChangeAspect="1"/>
+          </p:cNvSpPr>
           <p:nvPr>
-            <p:ph idx="2" type="sldImg"/>
+            <p:ph type="sldImg" idx="2"/>
           </p:nvPr>
         </p:nvSpPr>
         <p:spPr>
           <a:xfrm>
-            <a:off x="381300" y="685800"/>
+            <a:off x="381000" y="685800"/>
             <a:ext cx="6096000" cy="3429000"/>
           </a:xfrm>
           <a:custGeom>
-            <a:rect b="b" l="l" r="r" t="t"/>
+            <a:avLst/>
+            <a:gdLst/>
+            <a:ahLst/>
+            <a:cxnLst/>
+            <a:rect l="l" t="t" r="r" b="b"/>
             <a:pathLst>
-              <a:path extrusionOk="0" h="120000" w="120000">
+              <a:path w="120000" h="120000" extrusionOk="0">
                 <a:moveTo>
                   <a:pt x="0" y="0"/>
                 </a:moveTo>
@@ -1510,9 +1569,11 @@
       <p:sp>
         <p:nvSpPr>
           <p:cNvPr id="86" name="Google Shape;86;g215b2026056_0_13:notes"/>
-          <p:cNvSpPr txBox="1"/>
+          <p:cNvSpPr txBox="1">
+            <a:spLocks noGrp="1"/>
+          </p:cNvSpPr>
           <p:nvPr>
-            <p:ph idx="1" type="body"/>
+            <p:ph type="body" idx="1"/>
           </p:nvPr>
         </p:nvSpPr>
         <p:spPr>
@@ -1525,12 +1586,12 @@
           </a:prstGeom>
         </p:spPr>
         <p:txBody>
-          <a:bodyPr anchorCtr="0" anchor="t" bIns="91425" lIns="91425" spcFirstLastPara="1" rIns="91425" wrap="square" tIns="91425">
+          <a:bodyPr spcFirstLastPara="1" wrap="square" lIns="91425" tIns="91425" rIns="91425" bIns="91425" anchor="t" anchorCtr="0">
             <a:noAutofit/>
           </a:bodyPr>
           <a:lstStyle/>
           <a:p>
-            <a:pPr indent="0" lvl="0" marL="0" rtl="0" algn="l">
+            <a:pPr marL="0" lvl="0" indent="0" algn="l" rtl="0">
               <a:spcBef>
                 <a:spcPts val="0"/>
               </a:spcBef>
@@ -1556,11 +1617,11 @@
 </file>
 
 <file path=ppt/notesSlides/notesSlide7.xml><?xml version="1.0" encoding="utf-8"?>
-<p:notes xmlns:a="http://schemas.openxmlformats.org/drawingml/2006/main" xmlns:r="http://schemas.openxmlformats.org/officeDocument/2006/relationships" xmlns:mc="http://schemas.openxmlformats.org/markup-compatibility/2006" xmlns:mv="urn:schemas-microsoft-com:mac:vml" xmlns:p="http://schemas.openxmlformats.org/presentationml/2006/main" xmlns:c="http://schemas.openxmlformats.org/drawingml/2006/chart" xmlns:dgm="http://schemas.openxmlformats.org/drawingml/2006/diagram" xmlns:o="urn:schemas-microsoft-com:office:office" xmlns:v="urn:schemas-microsoft-com:vml" xmlns:pvml="urn:schemas-microsoft-com:office:powerpoint" xmlns:com="http://schemas.openxmlformats.org/drawingml/2006/compatibility" xmlns:p14="http://schemas.microsoft.com/office/powerpoint/2010/main" xmlns:p15="http://schemas.microsoft.com/office/powerpoint/2012/main" xmlns:ahyp="http://schemas.microsoft.com/office/drawing/2018/hyperlinkcolor" showMasterPhAnim="0" showMasterSp="0">
+<p:notes xmlns:a="http://schemas.openxmlformats.org/drawingml/2006/main" xmlns:r="http://schemas.openxmlformats.org/officeDocument/2006/relationships" xmlns:p="http://schemas.openxmlformats.org/presentationml/2006/main" showMasterSp="0" showMasterPhAnim="0">
   <p:cSld>
     <p:spTree>
       <p:nvGrpSpPr>
-        <p:cNvPr id="91" name="Shape 91"/>
+        <p:cNvPr id="1" name="Shape 91"/>
         <p:cNvGrpSpPr/>
         <p:nvPr/>
       </p:nvGrpSpPr>
@@ -1575,20 +1636,26 @@
       <p:sp>
         <p:nvSpPr>
           <p:cNvPr id="92" name="Google Shape;92;g215b2026056_0_23:notes"/>
-          <p:cNvSpPr/>
+          <p:cNvSpPr>
+            <a:spLocks noGrp="1" noRot="1" noChangeAspect="1"/>
+          </p:cNvSpPr>
           <p:nvPr>
-            <p:ph idx="2" type="sldImg"/>
+            <p:ph type="sldImg" idx="2"/>
           </p:nvPr>
         </p:nvSpPr>
         <p:spPr>
           <a:xfrm>
-            <a:off x="381300" y="685800"/>
+            <a:off x="381000" y="685800"/>
             <a:ext cx="6096000" cy="3429000"/>
           </a:xfrm>
           <a:custGeom>
-            <a:rect b="b" l="l" r="r" t="t"/>
+            <a:avLst/>
+            <a:gdLst/>
+            <a:ahLst/>
+            <a:cxnLst/>
+            <a:rect l="l" t="t" r="r" b="b"/>
             <a:pathLst>
-              <a:path extrusionOk="0" h="120000" w="120000">
+              <a:path w="120000" h="120000" extrusionOk="0">
                 <a:moveTo>
                   <a:pt x="0" y="0"/>
                 </a:moveTo>
@@ -1610,9 +1677,11 @@
       <p:sp>
         <p:nvSpPr>
           <p:cNvPr id="93" name="Google Shape;93;g215b2026056_0_23:notes"/>
-          <p:cNvSpPr txBox="1"/>
+          <p:cNvSpPr txBox="1">
+            <a:spLocks noGrp="1"/>
+          </p:cNvSpPr>
           <p:nvPr>
-            <p:ph idx="1" type="body"/>
+            <p:ph type="body" idx="1"/>
           </p:nvPr>
         </p:nvSpPr>
         <p:spPr>
@@ -1625,12 +1694,12 @@
           </a:prstGeom>
         </p:spPr>
         <p:txBody>
-          <a:bodyPr anchorCtr="0" anchor="t" bIns="91425" lIns="91425" spcFirstLastPara="1" rIns="91425" wrap="square" tIns="91425">
+          <a:bodyPr spcFirstLastPara="1" wrap="square" lIns="91425" tIns="91425" rIns="91425" bIns="91425" anchor="t" anchorCtr="0">
             <a:noAutofit/>
           </a:bodyPr>
           <a:lstStyle/>
           <a:p>
-            <a:pPr indent="0" lvl="0" marL="0" rtl="0" algn="l">
+            <a:pPr marL="0" lvl="0" indent="0" algn="l" rtl="0">
               <a:spcBef>
                 <a:spcPts val="0"/>
               </a:spcBef>
@@ -1641,11 +1710,7 @@
             </a:pPr>
             <a:r>
               <a:rPr lang="en"/>
-              <a:t>l</a:t>
-            </a:r>
-            <a:r>
-              <a:rPr lang="en"/>
-              <a:t>egal _readstop = read a text message while stopped at an intersection</a:t>
+              <a:t>legal _readstop = read a text message while stopped at an intersection</a:t>
             </a:r>
             <a:endParaRPr/>
           </a:p>
@@ -1660,11 +1725,11 @@
 </file>
 
 <file path=ppt/notesSlides/notesSlide8.xml><?xml version="1.0" encoding="utf-8"?>
-<p:notes xmlns:a="http://schemas.openxmlformats.org/drawingml/2006/main" xmlns:r="http://schemas.openxmlformats.org/officeDocument/2006/relationships" xmlns:mc="http://schemas.openxmlformats.org/markup-compatibility/2006" xmlns:mv="urn:schemas-microsoft-com:mac:vml" xmlns:p="http://schemas.openxmlformats.org/presentationml/2006/main" xmlns:c="http://schemas.openxmlformats.org/drawingml/2006/chart" xmlns:dgm="http://schemas.openxmlformats.org/drawingml/2006/diagram" xmlns:o="urn:schemas-microsoft-com:office:office" xmlns:v="urn:schemas-microsoft-com:vml" xmlns:pvml="urn:schemas-microsoft-com:office:powerpoint" xmlns:com="http://schemas.openxmlformats.org/drawingml/2006/compatibility" xmlns:p14="http://schemas.microsoft.com/office/powerpoint/2010/main" xmlns:p15="http://schemas.microsoft.com/office/powerpoint/2012/main" xmlns:ahyp="http://schemas.microsoft.com/office/drawing/2018/hyperlinkcolor" showMasterPhAnim="0" showMasterSp="0">
+<p:notes xmlns:a="http://schemas.openxmlformats.org/drawingml/2006/main" xmlns:r="http://schemas.openxmlformats.org/officeDocument/2006/relationships" xmlns:p="http://schemas.openxmlformats.org/presentationml/2006/main" showMasterSp="0" showMasterPhAnim="0">
   <p:cSld>
     <p:spTree>
       <p:nvGrpSpPr>
-        <p:cNvPr id="96" name="Shape 96"/>
+        <p:cNvPr id="1" name="Shape 96"/>
         <p:cNvGrpSpPr/>
         <p:nvPr/>
       </p:nvGrpSpPr>
@@ -1679,20 +1744,26 @@
       <p:sp>
         <p:nvSpPr>
           <p:cNvPr id="97" name="Google Shape;97;g215b2026056_0_3:notes"/>
-          <p:cNvSpPr/>
+          <p:cNvSpPr>
+            <a:spLocks noGrp="1" noRot="1" noChangeAspect="1"/>
+          </p:cNvSpPr>
           <p:nvPr>
-            <p:ph idx="2" type="sldImg"/>
+            <p:ph type="sldImg" idx="2"/>
           </p:nvPr>
         </p:nvSpPr>
         <p:spPr>
           <a:xfrm>
-            <a:off x="381300" y="685800"/>
+            <a:off x="381000" y="685800"/>
             <a:ext cx="6096000" cy="3429000"/>
           </a:xfrm>
           <a:custGeom>
-            <a:rect b="b" l="l" r="r" t="t"/>
+            <a:avLst/>
+            <a:gdLst/>
+            <a:ahLst/>
+            <a:cxnLst/>
+            <a:rect l="l" t="t" r="r" b="b"/>
             <a:pathLst>
-              <a:path extrusionOk="0" h="120000" w="120000">
+              <a:path w="120000" h="120000" extrusionOk="0">
                 <a:moveTo>
                   <a:pt x="0" y="0"/>
                 </a:moveTo>
@@ -1714,9 +1785,11 @@
       <p:sp>
         <p:nvSpPr>
           <p:cNvPr id="98" name="Google Shape;98;g215b2026056_0_3:notes"/>
-          <p:cNvSpPr txBox="1"/>
+          <p:cNvSpPr txBox="1">
+            <a:spLocks noGrp="1"/>
+          </p:cNvSpPr>
           <p:nvPr>
-            <p:ph idx="1" type="body"/>
+            <p:ph type="body" idx="1"/>
           </p:nvPr>
         </p:nvSpPr>
         <p:spPr>
@@ -1729,12 +1802,12 @@
           </a:prstGeom>
         </p:spPr>
         <p:txBody>
-          <a:bodyPr anchorCtr="0" anchor="t" bIns="91425" lIns="91425" spcFirstLastPara="1" rIns="91425" wrap="square" tIns="91425">
+          <a:bodyPr spcFirstLastPara="1" wrap="square" lIns="91425" tIns="91425" rIns="91425" bIns="91425" anchor="t" anchorCtr="0">
             <a:noAutofit/>
           </a:bodyPr>
           <a:lstStyle/>
           <a:p>
-            <a:pPr indent="0" lvl="0" marL="0" rtl="0" algn="l">
+            <a:pPr marL="0" lvl="0" indent="0" algn="l" rtl="0">
               <a:spcBef>
                 <a:spcPts val="0"/>
               </a:spcBef>
@@ -1760,11 +1833,11 @@
 </file>
 
 <file path=ppt/notesSlides/notesSlide9.xml><?xml version="1.0" encoding="utf-8"?>
-<p:notes xmlns:a="http://schemas.openxmlformats.org/drawingml/2006/main" xmlns:r="http://schemas.openxmlformats.org/officeDocument/2006/relationships" xmlns:mc="http://schemas.openxmlformats.org/markup-compatibility/2006" xmlns:mv="urn:schemas-microsoft-com:mac:vml" xmlns:p="http://schemas.openxmlformats.org/presentationml/2006/main" xmlns:c="http://schemas.openxmlformats.org/drawingml/2006/chart" xmlns:dgm="http://schemas.openxmlformats.org/drawingml/2006/diagram" xmlns:o="urn:schemas-microsoft-com:office:office" xmlns:v="urn:schemas-microsoft-com:vml" xmlns:pvml="urn:schemas-microsoft-com:office:powerpoint" xmlns:com="http://schemas.openxmlformats.org/drawingml/2006/compatibility" xmlns:p14="http://schemas.microsoft.com/office/powerpoint/2010/main" xmlns:p15="http://schemas.microsoft.com/office/powerpoint/2012/main" xmlns:ahyp="http://schemas.microsoft.com/office/drawing/2018/hyperlinkcolor" showMasterPhAnim="0" showMasterSp="0">
+<p:notes xmlns:a="http://schemas.openxmlformats.org/drawingml/2006/main" xmlns:r="http://schemas.openxmlformats.org/officeDocument/2006/relationships" xmlns:p="http://schemas.openxmlformats.org/presentationml/2006/main" showMasterSp="0" showMasterPhAnim="0">
   <p:cSld>
     <p:spTree>
       <p:nvGrpSpPr>
-        <p:cNvPr id="101" name="Shape 101"/>
+        <p:cNvPr id="1" name="Shape 101"/>
         <p:cNvGrpSpPr/>
         <p:nvPr/>
       </p:nvGrpSpPr>
@@ -1779,20 +1852,26 @@
       <p:sp>
         <p:nvSpPr>
           <p:cNvPr id="102" name="Google Shape;102;g215b2026056_0_8:notes"/>
-          <p:cNvSpPr/>
+          <p:cNvSpPr>
+            <a:spLocks noGrp="1" noRot="1" noChangeAspect="1"/>
+          </p:cNvSpPr>
           <p:nvPr>
-            <p:ph idx="2" type="sldImg"/>
+            <p:ph type="sldImg" idx="2"/>
           </p:nvPr>
         </p:nvSpPr>
         <p:spPr>
           <a:xfrm>
-            <a:off x="381300" y="685800"/>
+            <a:off x="381000" y="685800"/>
             <a:ext cx="6096000" cy="3429000"/>
           </a:xfrm>
           <a:custGeom>
-            <a:rect b="b" l="l" r="r" t="t"/>
+            <a:avLst/>
+            <a:gdLst/>
+            <a:ahLst/>
+            <a:cxnLst/>
+            <a:rect l="l" t="t" r="r" b="b"/>
             <a:pathLst>
-              <a:path extrusionOk="0" h="120000" w="120000">
+              <a:path w="120000" h="120000" extrusionOk="0">
                 <a:moveTo>
                   <a:pt x="0" y="0"/>
                 </a:moveTo>
@@ -1814,9 +1893,11 @@
       <p:sp>
         <p:nvSpPr>
           <p:cNvPr id="103" name="Google Shape;103;g215b2026056_0_8:notes"/>
-          <p:cNvSpPr txBox="1"/>
+          <p:cNvSpPr txBox="1">
+            <a:spLocks noGrp="1"/>
+          </p:cNvSpPr>
           <p:nvPr>
-            <p:ph idx="1" type="body"/>
+            <p:ph type="body" idx="1"/>
           </p:nvPr>
         </p:nvSpPr>
         <p:spPr>
@@ -1829,12 +1910,12 @@
           </a:prstGeom>
         </p:spPr>
         <p:txBody>
-          <a:bodyPr anchorCtr="0" anchor="t" bIns="91425" lIns="91425" spcFirstLastPara="1" rIns="91425" wrap="square" tIns="91425">
+          <a:bodyPr spcFirstLastPara="1" wrap="square" lIns="91425" tIns="91425" rIns="91425" bIns="91425" anchor="t" anchorCtr="0">
             <a:noAutofit/>
           </a:bodyPr>
           <a:lstStyle/>
           <a:p>
-            <a:pPr indent="0" lvl="0" marL="0" rtl="0" algn="l">
+            <a:pPr marL="0" lvl="0" indent="0" algn="l" rtl="0">
               <a:spcBef>
                 <a:spcPts val="0"/>
               </a:spcBef>
@@ -1850,7 +1931,7 @@
             <a:endParaRPr/>
           </a:p>
           <a:p>
-            <a:pPr indent="0" lvl="0" marL="0" rtl="0" algn="l">
+            <a:pPr marL="0" lvl="0" indent="0" algn="l" rtl="0">
               <a:spcBef>
                 <a:spcPts val="0"/>
               </a:spcBef>
@@ -1876,11 +1957,11 @@
 </file>
 
 <file path=ppt/slideLayouts/slideLayout1.xml><?xml version="1.0" encoding="utf-8"?>
-<p:sldLayout xmlns:a="http://schemas.openxmlformats.org/drawingml/2006/main" xmlns:r="http://schemas.openxmlformats.org/officeDocument/2006/relationships" xmlns:mc="http://schemas.openxmlformats.org/markup-compatibility/2006" xmlns:mv="urn:schemas-microsoft-com:mac:vml" xmlns:p="http://schemas.openxmlformats.org/presentationml/2006/main" xmlns:c="http://schemas.openxmlformats.org/drawingml/2006/chart" xmlns:dgm="http://schemas.openxmlformats.org/drawingml/2006/diagram" xmlns:o="urn:schemas-microsoft-com:office:office" xmlns:v="urn:schemas-microsoft-com:vml" xmlns:pvml="urn:schemas-microsoft-com:office:powerpoint" xmlns:com="http://schemas.openxmlformats.org/drawingml/2006/compatibility" xmlns:p14="http://schemas.microsoft.com/office/powerpoint/2010/main" xmlns:p15="http://schemas.microsoft.com/office/powerpoint/2012/main" xmlns:ahyp="http://schemas.microsoft.com/office/drawing/2018/hyperlinkcolor" matchingName="Title slide" type="title">
+<p:sldLayout xmlns:a="http://schemas.openxmlformats.org/drawingml/2006/main" xmlns:r="http://schemas.openxmlformats.org/officeDocument/2006/relationships" xmlns:p="http://schemas.openxmlformats.org/presentationml/2006/main" matchingName="Title slide" type="title">
   <p:cSld name="TITLE">
     <p:spTree>
       <p:nvGrpSpPr>
-        <p:cNvPr id="9" name="Shape 9"/>
+        <p:cNvPr id="1" name="Shape 9"/>
         <p:cNvGrpSpPr/>
         <p:nvPr/>
       </p:nvGrpSpPr>
@@ -1895,7 +1976,9 @@
       <p:sp>
         <p:nvSpPr>
           <p:cNvPr id="10" name="Google Shape;10;p2"/>
-          <p:cNvSpPr txBox="1"/>
+          <p:cNvSpPr txBox="1">
+            <a:spLocks noGrp="1"/>
+          </p:cNvSpPr>
           <p:nvPr>
             <p:ph type="ctrTitle"/>
           </p:nvPr>
@@ -1910,7 +1993,7 @@
           </a:prstGeom>
         </p:spPr>
         <p:txBody>
-          <a:bodyPr anchorCtr="0" anchor="b" bIns="91425" lIns="91425" spcFirstLastPara="1" rIns="91425" wrap="square" tIns="91425">
+          <a:bodyPr spcFirstLastPara="1" wrap="square" lIns="91425" tIns="91425" rIns="91425" bIns="91425" anchor="b" anchorCtr="0">
             <a:normAutofit/>
           </a:bodyPr>
           <a:lstStyle>
@@ -2014,15 +2097,19 @@
               <a:defRPr sz="5200"/>
             </a:lvl9pPr>
           </a:lstStyle>
-          <a:p/>
+          <a:p>
+            <a:endParaRPr/>
+          </a:p>
         </p:txBody>
       </p:sp>
       <p:sp>
         <p:nvSpPr>
           <p:cNvPr id="11" name="Google Shape;11;p2"/>
-          <p:cNvSpPr txBox="1"/>
+          <p:cNvSpPr txBox="1">
+            <a:spLocks noGrp="1"/>
+          </p:cNvSpPr>
           <p:nvPr>
-            <p:ph idx="1" type="subTitle"/>
+            <p:ph type="subTitle" idx="1"/>
           </p:nvPr>
         </p:nvSpPr>
         <p:spPr>
@@ -2035,7 +2122,7 @@
           </a:prstGeom>
         </p:spPr>
         <p:txBody>
-          <a:bodyPr anchorCtr="0" anchor="t" bIns="91425" lIns="91425" spcFirstLastPara="1" rIns="91425" wrap="square" tIns="91425">
+          <a:bodyPr spcFirstLastPara="1" wrap="square" lIns="91425" tIns="91425" rIns="91425" bIns="91425" anchor="t" anchorCtr="0">
             <a:normAutofit/>
           </a:bodyPr>
           <a:lstStyle>
@@ -2166,15 +2253,19 @@
               <a:defRPr sz="2800"/>
             </a:lvl9pPr>
           </a:lstStyle>
-          <a:p/>
+          <a:p>
+            <a:endParaRPr/>
+          </a:p>
         </p:txBody>
       </p:sp>
       <p:sp>
         <p:nvSpPr>
           <p:cNvPr id="12" name="Google Shape;12;p2"/>
-          <p:cNvSpPr txBox="1"/>
+          <p:cNvSpPr txBox="1">
+            <a:spLocks noGrp="1"/>
+          </p:cNvSpPr>
           <p:nvPr>
-            <p:ph idx="12" type="sldNum"/>
+            <p:ph type="sldNum" idx="12"/>
           </p:nvPr>
         </p:nvSpPr>
         <p:spPr>
@@ -2187,7 +2278,7 @@
           </a:prstGeom>
         </p:spPr>
         <p:txBody>
-          <a:bodyPr anchorCtr="0" anchor="ctr" bIns="91425" lIns="91425" spcFirstLastPara="1" rIns="91425" wrap="square" tIns="91425">
+          <a:bodyPr spcFirstLastPara="1" wrap="square" lIns="91425" tIns="91425" rIns="91425" bIns="91425" anchor="ctr" anchorCtr="0">
             <a:normAutofit/>
           </a:bodyPr>
           <a:lstStyle>
@@ -2229,7 +2320,7 @@
             </a:lvl9pPr>
           </a:lstStyle>
           <a:p>
-            <a:pPr indent="0" lvl="0" marL="0" rtl="0" algn="r">
+            <a:pPr marL="0" lvl="0" indent="0" algn="r" rtl="0">
               <a:spcBef>
                 <a:spcPts val="0"/>
               </a:spcBef>
@@ -2255,11 +2346,11 @@
 </file>
 
 <file path=ppt/slideLayouts/slideLayout10.xml><?xml version="1.0" encoding="utf-8"?>
-<p:sldLayout xmlns:a="http://schemas.openxmlformats.org/drawingml/2006/main" xmlns:r="http://schemas.openxmlformats.org/officeDocument/2006/relationships" xmlns:mc="http://schemas.openxmlformats.org/markup-compatibility/2006" xmlns:mv="urn:schemas-microsoft-com:mac:vml" xmlns:p="http://schemas.openxmlformats.org/presentationml/2006/main" xmlns:c="http://schemas.openxmlformats.org/drawingml/2006/chart" xmlns:dgm="http://schemas.openxmlformats.org/drawingml/2006/diagram" xmlns:o="urn:schemas-microsoft-com:office:office" xmlns:v="urn:schemas-microsoft-com:vml" xmlns:pvml="urn:schemas-microsoft-com:office:powerpoint" xmlns:com="http://schemas.openxmlformats.org/drawingml/2006/compatibility" xmlns:p14="http://schemas.microsoft.com/office/powerpoint/2010/main" xmlns:p15="http://schemas.microsoft.com/office/powerpoint/2012/main" xmlns:ahyp="http://schemas.microsoft.com/office/drawing/2018/hyperlinkcolor" matchingName="Big number">
+<p:sldLayout xmlns:a="http://schemas.openxmlformats.org/drawingml/2006/main" xmlns:r="http://schemas.openxmlformats.org/officeDocument/2006/relationships" xmlns:p="http://schemas.openxmlformats.org/presentationml/2006/main" matchingName="Big number">
   <p:cSld name="BIG_NUMBER">
     <p:spTree>
       <p:nvGrpSpPr>
-        <p:cNvPr id="44" name="Shape 44"/>
+        <p:cNvPr id="1" name="Shape 44"/>
         <p:cNvGrpSpPr/>
         <p:nvPr/>
       </p:nvGrpSpPr>
@@ -2274,9 +2365,11 @@
       <p:sp>
         <p:nvSpPr>
           <p:cNvPr id="45" name="Google Shape;45;p11"/>
-          <p:cNvSpPr txBox="1"/>
+          <p:cNvSpPr txBox="1">
+            <a:spLocks noGrp="1"/>
+          </p:cNvSpPr>
           <p:nvPr>
-            <p:ph hasCustomPrompt="1" type="title"/>
+            <p:ph type="title" hasCustomPrompt="1"/>
           </p:nvPr>
         </p:nvSpPr>
         <p:spPr>
@@ -2289,7 +2382,7 @@
           </a:prstGeom>
         </p:spPr>
         <p:txBody>
-          <a:bodyPr anchorCtr="0" anchor="b" bIns="91425" lIns="91425" spcFirstLastPara="1" rIns="91425" wrap="square" tIns="91425">
+          <a:bodyPr spcFirstLastPara="1" wrap="square" lIns="91425" tIns="91425" rIns="91425" bIns="91425" anchor="b" anchorCtr="0">
             <a:normAutofit/>
           </a:bodyPr>
           <a:lstStyle>
@@ -2403,9 +2496,11 @@
       <p:sp>
         <p:nvSpPr>
           <p:cNvPr id="46" name="Google Shape;46;p11"/>
-          <p:cNvSpPr txBox="1"/>
+          <p:cNvSpPr txBox="1">
+            <a:spLocks noGrp="1"/>
+          </p:cNvSpPr>
           <p:nvPr>
-            <p:ph idx="1" type="body"/>
+            <p:ph type="body" idx="1"/>
           </p:nvPr>
         </p:nvSpPr>
         <p:spPr>
@@ -2418,11 +2513,11 @@
           </a:prstGeom>
         </p:spPr>
         <p:txBody>
-          <a:bodyPr anchorCtr="0" anchor="t" bIns="91425" lIns="91425" spcFirstLastPara="1" rIns="91425" wrap="square" tIns="91425">
+          <a:bodyPr spcFirstLastPara="1" wrap="square" lIns="91425" tIns="91425" rIns="91425" bIns="91425" anchor="t" anchorCtr="0">
             <a:normAutofit/>
           </a:bodyPr>
           <a:lstStyle>
-            <a:lvl1pPr indent="-342900" lvl="0" marL="457200" algn="ctr">
+            <a:lvl1pPr marL="457200" lvl="0" indent="-342900" algn="ctr">
               <a:spcBef>
                 <a:spcPts val="0"/>
               </a:spcBef>
@@ -2433,7 +2528,7 @@
               <a:buChar char="●"/>
               <a:defRPr/>
             </a:lvl1pPr>
-            <a:lvl2pPr indent="-317500" lvl="1" marL="914400" algn="ctr">
+            <a:lvl2pPr marL="914400" lvl="1" indent="-317500" algn="ctr">
               <a:spcBef>
                 <a:spcPts val="0"/>
               </a:spcBef>
@@ -2444,7 +2539,7 @@
               <a:buChar char="○"/>
               <a:defRPr/>
             </a:lvl2pPr>
-            <a:lvl3pPr indent="-317500" lvl="2" marL="1371600" algn="ctr">
+            <a:lvl3pPr marL="1371600" lvl="2" indent="-317500" algn="ctr">
               <a:spcBef>
                 <a:spcPts val="0"/>
               </a:spcBef>
@@ -2455,7 +2550,7 @@
               <a:buChar char="■"/>
               <a:defRPr/>
             </a:lvl3pPr>
-            <a:lvl4pPr indent="-317500" lvl="3" marL="1828800" algn="ctr">
+            <a:lvl4pPr marL="1828800" lvl="3" indent="-317500" algn="ctr">
               <a:spcBef>
                 <a:spcPts val="0"/>
               </a:spcBef>
@@ -2466,7 +2561,7 @@
               <a:buChar char="●"/>
               <a:defRPr/>
             </a:lvl4pPr>
-            <a:lvl5pPr indent="-317500" lvl="4" marL="2286000" algn="ctr">
+            <a:lvl5pPr marL="2286000" lvl="4" indent="-317500" algn="ctr">
               <a:spcBef>
                 <a:spcPts val="0"/>
               </a:spcBef>
@@ -2477,7 +2572,7 @@
               <a:buChar char="○"/>
               <a:defRPr/>
             </a:lvl5pPr>
-            <a:lvl6pPr indent="-317500" lvl="5" marL="2743200" algn="ctr">
+            <a:lvl6pPr marL="2743200" lvl="5" indent="-317500" algn="ctr">
               <a:spcBef>
                 <a:spcPts val="0"/>
               </a:spcBef>
@@ -2488,7 +2583,7 @@
               <a:buChar char="■"/>
               <a:defRPr/>
             </a:lvl6pPr>
-            <a:lvl7pPr indent="-317500" lvl="6" marL="3200400" algn="ctr">
+            <a:lvl7pPr marL="3200400" lvl="6" indent="-317500" algn="ctr">
               <a:spcBef>
                 <a:spcPts val="0"/>
               </a:spcBef>
@@ -2499,7 +2594,7 @@
               <a:buChar char="●"/>
               <a:defRPr/>
             </a:lvl7pPr>
-            <a:lvl8pPr indent="-317500" lvl="7" marL="3657600" algn="ctr">
+            <a:lvl8pPr marL="3657600" lvl="7" indent="-317500" algn="ctr">
               <a:spcBef>
                 <a:spcPts val="0"/>
               </a:spcBef>
@@ -2510,7 +2605,7 @@
               <a:buChar char="○"/>
               <a:defRPr/>
             </a:lvl8pPr>
-            <a:lvl9pPr indent="-317500" lvl="8" marL="4114800" algn="ctr">
+            <a:lvl9pPr marL="4114800" lvl="8" indent="-317500" algn="ctr">
               <a:spcBef>
                 <a:spcPts val="0"/>
               </a:spcBef>
@@ -2522,15 +2617,19 @@
               <a:defRPr/>
             </a:lvl9pPr>
           </a:lstStyle>
-          <a:p/>
+          <a:p>
+            <a:endParaRPr/>
+          </a:p>
         </p:txBody>
       </p:sp>
       <p:sp>
         <p:nvSpPr>
           <p:cNvPr id="47" name="Google Shape;47;p11"/>
-          <p:cNvSpPr txBox="1"/>
+          <p:cNvSpPr txBox="1">
+            <a:spLocks noGrp="1"/>
+          </p:cNvSpPr>
           <p:nvPr>
-            <p:ph idx="12" type="sldNum"/>
+            <p:ph type="sldNum" idx="12"/>
           </p:nvPr>
         </p:nvSpPr>
         <p:spPr>
@@ -2543,7 +2642,7 @@
           </a:prstGeom>
         </p:spPr>
         <p:txBody>
-          <a:bodyPr anchorCtr="0" anchor="ctr" bIns="91425" lIns="91425" spcFirstLastPara="1" rIns="91425" wrap="square" tIns="91425">
+          <a:bodyPr spcFirstLastPara="1" wrap="square" lIns="91425" tIns="91425" rIns="91425" bIns="91425" anchor="ctr" anchorCtr="0">
             <a:normAutofit/>
           </a:bodyPr>
           <a:lstStyle>
@@ -2585,7 +2684,7 @@
             </a:lvl9pPr>
           </a:lstStyle>
           <a:p>
-            <a:pPr indent="0" lvl="0" marL="0" rtl="0" algn="r">
+            <a:pPr marL="0" lvl="0" indent="0" algn="r" rtl="0">
               <a:spcBef>
                 <a:spcPts val="0"/>
               </a:spcBef>
@@ -2611,11 +2710,11 @@
 </file>
 
 <file path=ppt/slideLayouts/slideLayout11.xml><?xml version="1.0" encoding="utf-8"?>
-<p:sldLayout xmlns:a="http://schemas.openxmlformats.org/drawingml/2006/main" xmlns:r="http://schemas.openxmlformats.org/officeDocument/2006/relationships" xmlns:mc="http://schemas.openxmlformats.org/markup-compatibility/2006" xmlns:mv="urn:schemas-microsoft-com:mac:vml" xmlns:p="http://schemas.openxmlformats.org/presentationml/2006/main" xmlns:c="http://schemas.openxmlformats.org/drawingml/2006/chart" xmlns:dgm="http://schemas.openxmlformats.org/drawingml/2006/diagram" xmlns:o="urn:schemas-microsoft-com:office:office" xmlns:v="urn:schemas-microsoft-com:vml" xmlns:pvml="urn:schemas-microsoft-com:office:powerpoint" xmlns:com="http://schemas.openxmlformats.org/drawingml/2006/compatibility" xmlns:p14="http://schemas.microsoft.com/office/powerpoint/2010/main" xmlns:p15="http://schemas.microsoft.com/office/powerpoint/2012/main" xmlns:ahyp="http://schemas.microsoft.com/office/drawing/2018/hyperlinkcolor" matchingName="Blank" type="blank">
+<p:sldLayout xmlns:a="http://schemas.openxmlformats.org/drawingml/2006/main" xmlns:r="http://schemas.openxmlformats.org/officeDocument/2006/relationships" xmlns:p="http://schemas.openxmlformats.org/presentationml/2006/main" matchingName="Blank" type="blank">
   <p:cSld name="BLANK">
     <p:spTree>
       <p:nvGrpSpPr>
-        <p:cNvPr id="48" name="Shape 48"/>
+        <p:cNvPr id="1" name="Shape 48"/>
         <p:cNvGrpSpPr/>
         <p:nvPr/>
       </p:nvGrpSpPr>
@@ -2630,9 +2729,11 @@
       <p:sp>
         <p:nvSpPr>
           <p:cNvPr id="49" name="Google Shape;49;p12"/>
-          <p:cNvSpPr txBox="1"/>
+          <p:cNvSpPr txBox="1">
+            <a:spLocks noGrp="1"/>
+          </p:cNvSpPr>
           <p:nvPr>
-            <p:ph idx="12" type="sldNum"/>
+            <p:ph type="sldNum" idx="12"/>
           </p:nvPr>
         </p:nvSpPr>
         <p:spPr>
@@ -2645,7 +2746,7 @@
           </a:prstGeom>
         </p:spPr>
         <p:txBody>
-          <a:bodyPr anchorCtr="0" anchor="ctr" bIns="91425" lIns="91425" spcFirstLastPara="1" rIns="91425" wrap="square" tIns="91425">
+          <a:bodyPr spcFirstLastPara="1" wrap="square" lIns="91425" tIns="91425" rIns="91425" bIns="91425" anchor="ctr" anchorCtr="0">
             <a:normAutofit/>
           </a:bodyPr>
           <a:lstStyle>
@@ -2687,7 +2788,7 @@
             </a:lvl9pPr>
           </a:lstStyle>
           <a:p>
-            <a:pPr indent="0" lvl="0" marL="0" rtl="0" algn="r">
+            <a:pPr marL="0" lvl="0" indent="0" algn="r" rtl="0">
               <a:spcBef>
                 <a:spcPts val="0"/>
               </a:spcBef>
@@ -2713,11 +2814,11 @@
 </file>
 
 <file path=ppt/slideLayouts/slideLayout2.xml><?xml version="1.0" encoding="utf-8"?>
-<p:sldLayout xmlns:a="http://schemas.openxmlformats.org/drawingml/2006/main" xmlns:r="http://schemas.openxmlformats.org/officeDocument/2006/relationships" xmlns:mc="http://schemas.openxmlformats.org/markup-compatibility/2006" xmlns:mv="urn:schemas-microsoft-com:mac:vml" xmlns:p="http://schemas.openxmlformats.org/presentationml/2006/main" xmlns:c="http://schemas.openxmlformats.org/drawingml/2006/chart" xmlns:dgm="http://schemas.openxmlformats.org/drawingml/2006/diagram" xmlns:o="urn:schemas-microsoft-com:office:office" xmlns:v="urn:schemas-microsoft-com:vml" xmlns:pvml="urn:schemas-microsoft-com:office:powerpoint" xmlns:com="http://schemas.openxmlformats.org/drawingml/2006/compatibility" xmlns:p14="http://schemas.microsoft.com/office/powerpoint/2010/main" xmlns:p15="http://schemas.microsoft.com/office/powerpoint/2012/main" xmlns:ahyp="http://schemas.microsoft.com/office/drawing/2018/hyperlinkcolor" matchingName="Section header" type="secHead">
+<p:sldLayout xmlns:a="http://schemas.openxmlformats.org/drawingml/2006/main" xmlns:r="http://schemas.openxmlformats.org/officeDocument/2006/relationships" xmlns:p="http://schemas.openxmlformats.org/presentationml/2006/main" matchingName="Section header" type="secHead">
   <p:cSld name="SECTION_HEADER">
     <p:spTree>
       <p:nvGrpSpPr>
-        <p:cNvPr id="13" name="Shape 13"/>
+        <p:cNvPr id="1" name="Shape 13"/>
         <p:cNvGrpSpPr/>
         <p:nvPr/>
       </p:nvGrpSpPr>
@@ -2732,7 +2833,9 @@
       <p:sp>
         <p:nvSpPr>
           <p:cNvPr id="14" name="Google Shape;14;p3"/>
-          <p:cNvSpPr txBox="1"/>
+          <p:cNvSpPr txBox="1">
+            <a:spLocks noGrp="1"/>
+          </p:cNvSpPr>
           <p:nvPr>
             <p:ph type="title"/>
           </p:nvPr>
@@ -2747,7 +2850,7 @@
           </a:prstGeom>
         </p:spPr>
         <p:txBody>
-          <a:bodyPr anchorCtr="0" anchor="ctr" bIns="91425" lIns="91425" spcFirstLastPara="1" rIns="91425" wrap="square" tIns="91425">
+          <a:bodyPr spcFirstLastPara="1" wrap="square" lIns="91425" tIns="91425" rIns="91425" bIns="91425" anchor="ctr" anchorCtr="0">
             <a:normAutofit/>
           </a:bodyPr>
           <a:lstStyle>
@@ -2851,15 +2954,19 @@
               <a:defRPr sz="3600"/>
             </a:lvl9pPr>
           </a:lstStyle>
-          <a:p/>
+          <a:p>
+            <a:endParaRPr/>
+          </a:p>
         </p:txBody>
       </p:sp>
       <p:sp>
         <p:nvSpPr>
           <p:cNvPr id="15" name="Google Shape;15;p3"/>
-          <p:cNvSpPr txBox="1"/>
+          <p:cNvSpPr txBox="1">
+            <a:spLocks noGrp="1"/>
+          </p:cNvSpPr>
           <p:nvPr>
-            <p:ph idx="12" type="sldNum"/>
+            <p:ph type="sldNum" idx="12"/>
           </p:nvPr>
         </p:nvSpPr>
         <p:spPr>
@@ -2872,7 +2979,7 @@
           </a:prstGeom>
         </p:spPr>
         <p:txBody>
-          <a:bodyPr anchorCtr="0" anchor="ctr" bIns="91425" lIns="91425" spcFirstLastPara="1" rIns="91425" wrap="square" tIns="91425">
+          <a:bodyPr spcFirstLastPara="1" wrap="square" lIns="91425" tIns="91425" rIns="91425" bIns="91425" anchor="ctr" anchorCtr="0">
             <a:normAutofit/>
           </a:bodyPr>
           <a:lstStyle>
@@ -2914,7 +3021,7 @@
             </a:lvl9pPr>
           </a:lstStyle>
           <a:p>
-            <a:pPr indent="0" lvl="0" marL="0" rtl="0" algn="r">
+            <a:pPr marL="0" lvl="0" indent="0" algn="r" rtl="0">
               <a:spcBef>
                 <a:spcPts val="0"/>
               </a:spcBef>
@@ -2940,11 +3047,11 @@
 </file>
 
 <file path=ppt/slideLayouts/slideLayout3.xml><?xml version="1.0" encoding="utf-8"?>
-<p:sldLayout xmlns:a="http://schemas.openxmlformats.org/drawingml/2006/main" xmlns:r="http://schemas.openxmlformats.org/officeDocument/2006/relationships" xmlns:mc="http://schemas.openxmlformats.org/markup-compatibility/2006" xmlns:mv="urn:schemas-microsoft-com:mac:vml" xmlns:p="http://schemas.openxmlformats.org/presentationml/2006/main" xmlns:c="http://schemas.openxmlformats.org/drawingml/2006/chart" xmlns:dgm="http://schemas.openxmlformats.org/drawingml/2006/diagram" xmlns:o="urn:schemas-microsoft-com:office:office" xmlns:v="urn:schemas-microsoft-com:vml" xmlns:pvml="urn:schemas-microsoft-com:office:powerpoint" xmlns:com="http://schemas.openxmlformats.org/drawingml/2006/compatibility" xmlns:p14="http://schemas.microsoft.com/office/powerpoint/2010/main" xmlns:p15="http://schemas.microsoft.com/office/powerpoint/2012/main" xmlns:ahyp="http://schemas.microsoft.com/office/drawing/2018/hyperlinkcolor" matchingName="Title and body" type="tx">
+<p:sldLayout xmlns:a="http://schemas.openxmlformats.org/drawingml/2006/main" xmlns:r="http://schemas.openxmlformats.org/officeDocument/2006/relationships" xmlns:p="http://schemas.openxmlformats.org/presentationml/2006/main" matchingName="Title and body" type="tx">
   <p:cSld name="TITLE_AND_BODY">
     <p:spTree>
       <p:nvGrpSpPr>
-        <p:cNvPr id="16" name="Shape 16"/>
+        <p:cNvPr id="1" name="Shape 16"/>
         <p:cNvGrpSpPr/>
         <p:nvPr/>
       </p:nvGrpSpPr>
@@ -2959,7 +3066,9 @@
       <p:sp>
         <p:nvSpPr>
           <p:cNvPr id="17" name="Google Shape;17;p4"/>
-          <p:cNvSpPr txBox="1"/>
+          <p:cNvSpPr txBox="1">
+            <a:spLocks noGrp="1"/>
+          </p:cNvSpPr>
           <p:nvPr>
             <p:ph type="title"/>
           </p:nvPr>
@@ -2974,7 +3083,7 @@
           </a:prstGeom>
         </p:spPr>
         <p:txBody>
-          <a:bodyPr anchorCtr="0" anchor="t" bIns="91425" lIns="91425" spcFirstLastPara="1" rIns="91425" wrap="square" tIns="91425">
+          <a:bodyPr spcFirstLastPara="1" wrap="square" lIns="91425" tIns="91425" rIns="91425" bIns="91425" anchor="t" anchorCtr="0">
             <a:normAutofit/>
           </a:bodyPr>
           <a:lstStyle>
@@ -3078,15 +3187,19 @@
               <a:defRPr/>
             </a:lvl9pPr>
           </a:lstStyle>
-          <a:p/>
+          <a:p>
+            <a:endParaRPr/>
+          </a:p>
         </p:txBody>
       </p:sp>
       <p:sp>
         <p:nvSpPr>
           <p:cNvPr id="18" name="Google Shape;18;p4"/>
-          <p:cNvSpPr txBox="1"/>
+          <p:cNvSpPr txBox="1">
+            <a:spLocks noGrp="1"/>
+          </p:cNvSpPr>
           <p:nvPr>
-            <p:ph idx="1" type="body"/>
+            <p:ph type="body" idx="1"/>
           </p:nvPr>
         </p:nvSpPr>
         <p:spPr>
@@ -3099,11 +3212,11 @@
           </a:prstGeom>
         </p:spPr>
         <p:txBody>
-          <a:bodyPr anchorCtr="0" anchor="t" bIns="91425" lIns="91425" spcFirstLastPara="1" rIns="91425" wrap="square" tIns="91425">
+          <a:bodyPr spcFirstLastPara="1" wrap="square" lIns="91425" tIns="91425" rIns="91425" bIns="91425" anchor="t" anchorCtr="0">
             <a:normAutofit/>
           </a:bodyPr>
           <a:lstStyle>
-            <a:lvl1pPr indent="-342900" lvl="0" marL="457200">
+            <a:lvl1pPr marL="457200" lvl="0" indent="-342900">
               <a:spcBef>
                 <a:spcPts val="0"/>
               </a:spcBef>
@@ -3114,7 +3227,7 @@
               <a:buChar char="●"/>
               <a:defRPr/>
             </a:lvl1pPr>
-            <a:lvl2pPr indent="-317500" lvl="1" marL="914400">
+            <a:lvl2pPr marL="914400" lvl="1" indent="-317500">
               <a:spcBef>
                 <a:spcPts val="0"/>
               </a:spcBef>
@@ -3125,7 +3238,7 @@
               <a:buChar char="○"/>
               <a:defRPr/>
             </a:lvl2pPr>
-            <a:lvl3pPr indent="-317500" lvl="2" marL="1371600">
+            <a:lvl3pPr marL="1371600" lvl="2" indent="-317500">
               <a:spcBef>
                 <a:spcPts val="0"/>
               </a:spcBef>
@@ -3136,7 +3249,7 @@
               <a:buChar char="■"/>
               <a:defRPr/>
             </a:lvl3pPr>
-            <a:lvl4pPr indent="-317500" lvl="3" marL="1828800">
+            <a:lvl4pPr marL="1828800" lvl="3" indent="-317500">
               <a:spcBef>
                 <a:spcPts val="0"/>
               </a:spcBef>
@@ -3147,7 +3260,7 @@
               <a:buChar char="●"/>
               <a:defRPr/>
             </a:lvl4pPr>
-            <a:lvl5pPr indent="-317500" lvl="4" marL="2286000">
+            <a:lvl5pPr marL="2286000" lvl="4" indent="-317500">
               <a:spcBef>
                 <a:spcPts val="0"/>
               </a:spcBef>
@@ -3158,7 +3271,7 @@
               <a:buChar char="○"/>
               <a:defRPr/>
             </a:lvl5pPr>
-            <a:lvl6pPr indent="-317500" lvl="5" marL="2743200">
+            <a:lvl6pPr marL="2743200" lvl="5" indent="-317500">
               <a:spcBef>
                 <a:spcPts val="0"/>
               </a:spcBef>
@@ -3169,7 +3282,7 @@
               <a:buChar char="■"/>
               <a:defRPr/>
             </a:lvl6pPr>
-            <a:lvl7pPr indent="-317500" lvl="6" marL="3200400">
+            <a:lvl7pPr marL="3200400" lvl="6" indent="-317500">
               <a:spcBef>
                 <a:spcPts val="0"/>
               </a:spcBef>
@@ -3180,7 +3293,7 @@
               <a:buChar char="●"/>
               <a:defRPr/>
             </a:lvl7pPr>
-            <a:lvl8pPr indent="-317500" lvl="7" marL="3657600">
+            <a:lvl8pPr marL="3657600" lvl="7" indent="-317500">
               <a:spcBef>
                 <a:spcPts val="0"/>
               </a:spcBef>
@@ -3191,7 +3304,7 @@
               <a:buChar char="○"/>
               <a:defRPr/>
             </a:lvl8pPr>
-            <a:lvl9pPr indent="-317500" lvl="8" marL="4114800">
+            <a:lvl9pPr marL="4114800" lvl="8" indent="-317500">
               <a:spcBef>
                 <a:spcPts val="0"/>
               </a:spcBef>
@@ -3203,15 +3316,19 @@
               <a:defRPr/>
             </a:lvl9pPr>
           </a:lstStyle>
-          <a:p/>
+          <a:p>
+            <a:endParaRPr/>
+          </a:p>
         </p:txBody>
       </p:sp>
       <p:sp>
         <p:nvSpPr>
           <p:cNvPr id="19" name="Google Shape;19;p4"/>
-          <p:cNvSpPr txBox="1"/>
+          <p:cNvSpPr txBox="1">
+            <a:spLocks noGrp="1"/>
+          </p:cNvSpPr>
           <p:nvPr>
-            <p:ph idx="12" type="sldNum"/>
+            <p:ph type="sldNum" idx="12"/>
           </p:nvPr>
         </p:nvSpPr>
         <p:spPr>
@@ -3224,7 +3341,7 @@
           </a:prstGeom>
         </p:spPr>
         <p:txBody>
-          <a:bodyPr anchorCtr="0" anchor="ctr" bIns="91425" lIns="91425" spcFirstLastPara="1" rIns="91425" wrap="square" tIns="91425">
+          <a:bodyPr spcFirstLastPara="1" wrap="square" lIns="91425" tIns="91425" rIns="91425" bIns="91425" anchor="ctr" anchorCtr="0">
             <a:normAutofit/>
           </a:bodyPr>
           <a:lstStyle>
@@ -3266,7 +3383,7 @@
             </a:lvl9pPr>
           </a:lstStyle>
           <a:p>
-            <a:pPr indent="0" lvl="0" marL="0" rtl="0" algn="r">
+            <a:pPr marL="0" lvl="0" indent="0" algn="r" rtl="0">
               <a:spcBef>
                 <a:spcPts val="0"/>
               </a:spcBef>
@@ -3292,11 +3409,11 @@
 </file>
 
 <file path=ppt/slideLayouts/slideLayout4.xml><?xml version="1.0" encoding="utf-8"?>
-<p:sldLayout xmlns:a="http://schemas.openxmlformats.org/drawingml/2006/main" xmlns:r="http://schemas.openxmlformats.org/officeDocument/2006/relationships" xmlns:mc="http://schemas.openxmlformats.org/markup-compatibility/2006" xmlns:mv="urn:schemas-microsoft-com:mac:vml" xmlns:p="http://schemas.openxmlformats.org/presentationml/2006/main" xmlns:c="http://schemas.openxmlformats.org/drawingml/2006/chart" xmlns:dgm="http://schemas.openxmlformats.org/drawingml/2006/diagram" xmlns:o="urn:schemas-microsoft-com:office:office" xmlns:v="urn:schemas-microsoft-com:vml" xmlns:pvml="urn:schemas-microsoft-com:office:powerpoint" xmlns:com="http://schemas.openxmlformats.org/drawingml/2006/compatibility" xmlns:p14="http://schemas.microsoft.com/office/powerpoint/2010/main" xmlns:p15="http://schemas.microsoft.com/office/powerpoint/2012/main" xmlns:ahyp="http://schemas.microsoft.com/office/drawing/2018/hyperlinkcolor" matchingName="Title and two columns" type="twoColTx">
+<p:sldLayout xmlns:a="http://schemas.openxmlformats.org/drawingml/2006/main" xmlns:r="http://schemas.openxmlformats.org/officeDocument/2006/relationships" xmlns:p="http://schemas.openxmlformats.org/presentationml/2006/main" matchingName="Title and two columns" type="twoColTx">
   <p:cSld name="TITLE_AND_TWO_COLUMNS">
     <p:spTree>
       <p:nvGrpSpPr>
-        <p:cNvPr id="20" name="Shape 20"/>
+        <p:cNvPr id="1" name="Shape 20"/>
         <p:cNvGrpSpPr/>
         <p:nvPr/>
       </p:nvGrpSpPr>
@@ -3311,7 +3428,9 @@
       <p:sp>
         <p:nvSpPr>
           <p:cNvPr id="21" name="Google Shape;21;p5"/>
-          <p:cNvSpPr txBox="1"/>
+          <p:cNvSpPr txBox="1">
+            <a:spLocks noGrp="1"/>
+          </p:cNvSpPr>
           <p:nvPr>
             <p:ph type="title"/>
           </p:nvPr>
@@ -3326,7 +3445,7 @@
           </a:prstGeom>
         </p:spPr>
         <p:txBody>
-          <a:bodyPr anchorCtr="0" anchor="t" bIns="91425" lIns="91425" spcFirstLastPara="1" rIns="91425" wrap="square" tIns="91425">
+          <a:bodyPr spcFirstLastPara="1" wrap="square" lIns="91425" tIns="91425" rIns="91425" bIns="91425" anchor="t" anchorCtr="0">
             <a:normAutofit/>
           </a:bodyPr>
           <a:lstStyle>
@@ -3430,15 +3549,19 @@
               <a:defRPr/>
             </a:lvl9pPr>
           </a:lstStyle>
-          <a:p/>
+          <a:p>
+            <a:endParaRPr/>
+          </a:p>
         </p:txBody>
       </p:sp>
       <p:sp>
         <p:nvSpPr>
           <p:cNvPr id="22" name="Google Shape;22;p5"/>
-          <p:cNvSpPr txBox="1"/>
+          <p:cNvSpPr txBox="1">
+            <a:spLocks noGrp="1"/>
+          </p:cNvSpPr>
           <p:nvPr>
-            <p:ph idx="1" type="body"/>
+            <p:ph type="body" idx="1"/>
           </p:nvPr>
         </p:nvSpPr>
         <p:spPr>
@@ -3451,11 +3574,11 @@
           </a:prstGeom>
         </p:spPr>
         <p:txBody>
-          <a:bodyPr anchorCtr="0" anchor="t" bIns="91425" lIns="91425" spcFirstLastPara="1" rIns="91425" wrap="square" tIns="91425">
+          <a:bodyPr spcFirstLastPara="1" wrap="square" lIns="91425" tIns="91425" rIns="91425" bIns="91425" anchor="t" anchorCtr="0">
             <a:normAutofit/>
           </a:bodyPr>
           <a:lstStyle>
-            <a:lvl1pPr indent="-317500" lvl="0" marL="457200">
+            <a:lvl1pPr marL="457200" lvl="0" indent="-317500">
               <a:spcBef>
                 <a:spcPts val="0"/>
               </a:spcBef>
@@ -3466,7 +3589,7 @@
               <a:buChar char="●"/>
               <a:defRPr sz="1400"/>
             </a:lvl1pPr>
-            <a:lvl2pPr indent="-304800" lvl="1" marL="914400">
+            <a:lvl2pPr marL="914400" lvl="1" indent="-304800">
               <a:spcBef>
                 <a:spcPts val="0"/>
               </a:spcBef>
@@ -3477,7 +3600,7 @@
               <a:buChar char="○"/>
               <a:defRPr sz="1200"/>
             </a:lvl2pPr>
-            <a:lvl3pPr indent="-304800" lvl="2" marL="1371600">
+            <a:lvl3pPr marL="1371600" lvl="2" indent="-304800">
               <a:spcBef>
                 <a:spcPts val="0"/>
               </a:spcBef>
@@ -3488,7 +3611,7 @@
               <a:buChar char="■"/>
               <a:defRPr sz="1200"/>
             </a:lvl3pPr>
-            <a:lvl4pPr indent="-304800" lvl="3" marL="1828800">
+            <a:lvl4pPr marL="1828800" lvl="3" indent="-304800">
               <a:spcBef>
                 <a:spcPts val="0"/>
               </a:spcBef>
@@ -3499,7 +3622,7 @@
               <a:buChar char="●"/>
               <a:defRPr sz="1200"/>
             </a:lvl4pPr>
-            <a:lvl5pPr indent="-304800" lvl="4" marL="2286000">
+            <a:lvl5pPr marL="2286000" lvl="4" indent="-304800">
               <a:spcBef>
                 <a:spcPts val="0"/>
               </a:spcBef>
@@ -3510,7 +3633,7 @@
               <a:buChar char="○"/>
               <a:defRPr sz="1200"/>
             </a:lvl5pPr>
-            <a:lvl6pPr indent="-304800" lvl="5" marL="2743200">
+            <a:lvl6pPr marL="2743200" lvl="5" indent="-304800">
               <a:spcBef>
                 <a:spcPts val="0"/>
               </a:spcBef>
@@ -3521,7 +3644,7 @@
               <a:buChar char="■"/>
               <a:defRPr sz="1200"/>
             </a:lvl6pPr>
-            <a:lvl7pPr indent="-304800" lvl="6" marL="3200400">
+            <a:lvl7pPr marL="3200400" lvl="6" indent="-304800">
               <a:spcBef>
                 <a:spcPts val="0"/>
               </a:spcBef>
@@ -3532,7 +3655,7 @@
               <a:buChar char="●"/>
               <a:defRPr sz="1200"/>
             </a:lvl7pPr>
-            <a:lvl8pPr indent="-304800" lvl="7" marL="3657600">
+            <a:lvl8pPr marL="3657600" lvl="7" indent="-304800">
               <a:spcBef>
                 <a:spcPts val="0"/>
               </a:spcBef>
@@ -3543,7 +3666,7 @@
               <a:buChar char="○"/>
               <a:defRPr sz="1200"/>
             </a:lvl8pPr>
-            <a:lvl9pPr indent="-304800" lvl="8" marL="4114800">
+            <a:lvl9pPr marL="4114800" lvl="8" indent="-304800">
               <a:spcBef>
                 <a:spcPts val="0"/>
               </a:spcBef>
@@ -3555,15 +3678,19 @@
               <a:defRPr sz="1200"/>
             </a:lvl9pPr>
           </a:lstStyle>
-          <a:p/>
+          <a:p>
+            <a:endParaRPr/>
+          </a:p>
         </p:txBody>
       </p:sp>
       <p:sp>
         <p:nvSpPr>
           <p:cNvPr id="23" name="Google Shape;23;p5"/>
-          <p:cNvSpPr txBox="1"/>
+          <p:cNvSpPr txBox="1">
+            <a:spLocks noGrp="1"/>
+          </p:cNvSpPr>
           <p:nvPr>
-            <p:ph idx="2" type="body"/>
+            <p:ph type="body" idx="2"/>
           </p:nvPr>
         </p:nvSpPr>
         <p:spPr>
@@ -3576,11 +3703,11 @@
           </a:prstGeom>
         </p:spPr>
         <p:txBody>
-          <a:bodyPr anchorCtr="0" anchor="t" bIns="91425" lIns="91425" spcFirstLastPara="1" rIns="91425" wrap="square" tIns="91425">
+          <a:bodyPr spcFirstLastPara="1" wrap="square" lIns="91425" tIns="91425" rIns="91425" bIns="91425" anchor="t" anchorCtr="0">
             <a:normAutofit/>
           </a:bodyPr>
           <a:lstStyle>
-            <a:lvl1pPr indent="-317500" lvl="0" marL="457200">
+            <a:lvl1pPr marL="457200" lvl="0" indent="-317500">
               <a:spcBef>
                 <a:spcPts val="0"/>
               </a:spcBef>
@@ -3591,7 +3718,7 @@
               <a:buChar char="●"/>
               <a:defRPr sz="1400"/>
             </a:lvl1pPr>
-            <a:lvl2pPr indent="-304800" lvl="1" marL="914400">
+            <a:lvl2pPr marL="914400" lvl="1" indent="-304800">
               <a:spcBef>
                 <a:spcPts val="0"/>
               </a:spcBef>
@@ -3602,7 +3729,7 @@
               <a:buChar char="○"/>
               <a:defRPr sz="1200"/>
             </a:lvl2pPr>
-            <a:lvl3pPr indent="-304800" lvl="2" marL="1371600">
+            <a:lvl3pPr marL="1371600" lvl="2" indent="-304800">
               <a:spcBef>
                 <a:spcPts val="0"/>
               </a:spcBef>
@@ -3613,7 +3740,7 @@
               <a:buChar char="■"/>
               <a:defRPr sz="1200"/>
             </a:lvl3pPr>
-            <a:lvl4pPr indent="-304800" lvl="3" marL="1828800">
+            <a:lvl4pPr marL="1828800" lvl="3" indent="-304800">
               <a:spcBef>
                 <a:spcPts val="0"/>
               </a:spcBef>
@@ -3624,7 +3751,7 @@
               <a:buChar char="●"/>
               <a:defRPr sz="1200"/>
             </a:lvl4pPr>
-            <a:lvl5pPr indent="-304800" lvl="4" marL="2286000">
+            <a:lvl5pPr marL="2286000" lvl="4" indent="-304800">
               <a:spcBef>
                 <a:spcPts val="0"/>
               </a:spcBef>
@@ -3635,7 +3762,7 @@
               <a:buChar char="○"/>
               <a:defRPr sz="1200"/>
             </a:lvl5pPr>
-            <a:lvl6pPr indent="-304800" lvl="5" marL="2743200">
+            <a:lvl6pPr marL="2743200" lvl="5" indent="-304800">
               <a:spcBef>
                 <a:spcPts val="0"/>
               </a:spcBef>
@@ -3646,7 +3773,7 @@
               <a:buChar char="■"/>
               <a:defRPr sz="1200"/>
             </a:lvl6pPr>
-            <a:lvl7pPr indent="-304800" lvl="6" marL="3200400">
+            <a:lvl7pPr marL="3200400" lvl="6" indent="-304800">
               <a:spcBef>
                 <a:spcPts val="0"/>
               </a:spcBef>
@@ -3657,7 +3784,7 @@
               <a:buChar char="●"/>
               <a:defRPr sz="1200"/>
             </a:lvl7pPr>
-            <a:lvl8pPr indent="-304800" lvl="7" marL="3657600">
+            <a:lvl8pPr marL="3657600" lvl="7" indent="-304800">
               <a:spcBef>
                 <a:spcPts val="0"/>
               </a:spcBef>
@@ -3668,7 +3795,7 @@
               <a:buChar char="○"/>
               <a:defRPr sz="1200"/>
             </a:lvl8pPr>
-            <a:lvl9pPr indent="-304800" lvl="8" marL="4114800">
+            <a:lvl9pPr marL="4114800" lvl="8" indent="-304800">
               <a:spcBef>
                 <a:spcPts val="0"/>
               </a:spcBef>
@@ -3680,15 +3807,19 @@
               <a:defRPr sz="1200"/>
             </a:lvl9pPr>
           </a:lstStyle>
-          <a:p/>
+          <a:p>
+            <a:endParaRPr/>
+          </a:p>
         </p:txBody>
       </p:sp>
       <p:sp>
         <p:nvSpPr>
           <p:cNvPr id="24" name="Google Shape;24;p5"/>
-          <p:cNvSpPr txBox="1"/>
+          <p:cNvSpPr txBox="1">
+            <a:spLocks noGrp="1"/>
+          </p:cNvSpPr>
           <p:nvPr>
-            <p:ph idx="12" type="sldNum"/>
+            <p:ph type="sldNum" idx="12"/>
           </p:nvPr>
         </p:nvSpPr>
         <p:spPr>
@@ -3701,7 +3832,7 @@
           </a:prstGeom>
         </p:spPr>
         <p:txBody>
-          <a:bodyPr anchorCtr="0" anchor="ctr" bIns="91425" lIns="91425" spcFirstLastPara="1" rIns="91425" wrap="square" tIns="91425">
+          <a:bodyPr spcFirstLastPara="1" wrap="square" lIns="91425" tIns="91425" rIns="91425" bIns="91425" anchor="ctr" anchorCtr="0">
             <a:normAutofit/>
           </a:bodyPr>
           <a:lstStyle>
@@ -3743,7 +3874,7 @@
             </a:lvl9pPr>
           </a:lstStyle>
           <a:p>
-            <a:pPr indent="0" lvl="0" marL="0" rtl="0" algn="r">
+            <a:pPr marL="0" lvl="0" indent="0" algn="r" rtl="0">
               <a:spcBef>
                 <a:spcPts val="0"/>
               </a:spcBef>
@@ -3769,11 +3900,11 @@
 </file>
 
 <file path=ppt/slideLayouts/slideLayout5.xml><?xml version="1.0" encoding="utf-8"?>
-<p:sldLayout xmlns:a="http://schemas.openxmlformats.org/drawingml/2006/main" xmlns:r="http://schemas.openxmlformats.org/officeDocument/2006/relationships" xmlns:mc="http://schemas.openxmlformats.org/markup-compatibility/2006" xmlns:mv="urn:schemas-microsoft-com:mac:vml" xmlns:p="http://schemas.openxmlformats.org/presentationml/2006/main" xmlns:c="http://schemas.openxmlformats.org/drawingml/2006/chart" xmlns:dgm="http://schemas.openxmlformats.org/drawingml/2006/diagram" xmlns:o="urn:schemas-microsoft-com:office:office" xmlns:v="urn:schemas-microsoft-com:vml" xmlns:pvml="urn:schemas-microsoft-com:office:powerpoint" xmlns:com="http://schemas.openxmlformats.org/drawingml/2006/compatibility" xmlns:p14="http://schemas.microsoft.com/office/powerpoint/2010/main" xmlns:p15="http://schemas.microsoft.com/office/powerpoint/2012/main" xmlns:ahyp="http://schemas.microsoft.com/office/drawing/2018/hyperlinkcolor" matchingName="Title only" type="titleOnly">
+<p:sldLayout xmlns:a="http://schemas.openxmlformats.org/drawingml/2006/main" xmlns:r="http://schemas.openxmlformats.org/officeDocument/2006/relationships" xmlns:p="http://schemas.openxmlformats.org/presentationml/2006/main" matchingName="Title only" type="titleOnly">
   <p:cSld name="TITLE_ONLY">
     <p:spTree>
       <p:nvGrpSpPr>
-        <p:cNvPr id="25" name="Shape 25"/>
+        <p:cNvPr id="1" name="Shape 25"/>
         <p:cNvGrpSpPr/>
         <p:nvPr/>
       </p:nvGrpSpPr>
@@ -3788,7 +3919,9 @@
       <p:sp>
         <p:nvSpPr>
           <p:cNvPr id="26" name="Google Shape;26;p6"/>
-          <p:cNvSpPr txBox="1"/>
+          <p:cNvSpPr txBox="1">
+            <a:spLocks noGrp="1"/>
+          </p:cNvSpPr>
           <p:nvPr>
             <p:ph type="title"/>
           </p:nvPr>
@@ -3803,7 +3936,7 @@
           </a:prstGeom>
         </p:spPr>
         <p:txBody>
-          <a:bodyPr anchorCtr="0" anchor="t" bIns="91425" lIns="91425" spcFirstLastPara="1" rIns="91425" wrap="square" tIns="91425">
+          <a:bodyPr spcFirstLastPara="1" wrap="square" lIns="91425" tIns="91425" rIns="91425" bIns="91425" anchor="t" anchorCtr="0">
             <a:normAutofit/>
           </a:bodyPr>
           <a:lstStyle>
@@ -3907,15 +4040,19 @@
               <a:defRPr/>
             </a:lvl9pPr>
           </a:lstStyle>
-          <a:p/>
+          <a:p>
+            <a:endParaRPr/>
+          </a:p>
         </p:txBody>
       </p:sp>
       <p:sp>
         <p:nvSpPr>
           <p:cNvPr id="27" name="Google Shape;27;p6"/>
-          <p:cNvSpPr txBox="1"/>
+          <p:cNvSpPr txBox="1">
+            <a:spLocks noGrp="1"/>
+          </p:cNvSpPr>
           <p:nvPr>
-            <p:ph idx="12" type="sldNum"/>
+            <p:ph type="sldNum" idx="12"/>
           </p:nvPr>
         </p:nvSpPr>
         <p:spPr>
@@ -3928,7 +4065,7 @@
           </a:prstGeom>
         </p:spPr>
         <p:txBody>
-          <a:bodyPr anchorCtr="0" anchor="ctr" bIns="91425" lIns="91425" spcFirstLastPara="1" rIns="91425" wrap="square" tIns="91425">
+          <a:bodyPr spcFirstLastPara="1" wrap="square" lIns="91425" tIns="91425" rIns="91425" bIns="91425" anchor="ctr" anchorCtr="0">
             <a:normAutofit/>
           </a:bodyPr>
           <a:lstStyle>
@@ -3970,7 +4107,7 @@
             </a:lvl9pPr>
           </a:lstStyle>
           <a:p>
-            <a:pPr indent="0" lvl="0" marL="0" rtl="0" algn="r">
+            <a:pPr marL="0" lvl="0" indent="0" algn="r" rtl="0">
               <a:spcBef>
                 <a:spcPts val="0"/>
               </a:spcBef>
@@ -3996,11 +4133,11 @@
 </file>
 
 <file path=ppt/slideLayouts/slideLayout6.xml><?xml version="1.0" encoding="utf-8"?>
-<p:sldLayout xmlns:a="http://schemas.openxmlformats.org/drawingml/2006/main" xmlns:r="http://schemas.openxmlformats.org/officeDocument/2006/relationships" xmlns:mc="http://schemas.openxmlformats.org/markup-compatibility/2006" xmlns:mv="urn:schemas-microsoft-com:mac:vml" xmlns:p="http://schemas.openxmlformats.org/presentationml/2006/main" xmlns:c="http://schemas.openxmlformats.org/drawingml/2006/chart" xmlns:dgm="http://schemas.openxmlformats.org/drawingml/2006/diagram" xmlns:o="urn:schemas-microsoft-com:office:office" xmlns:v="urn:schemas-microsoft-com:vml" xmlns:pvml="urn:schemas-microsoft-com:office:powerpoint" xmlns:com="http://schemas.openxmlformats.org/drawingml/2006/compatibility" xmlns:p14="http://schemas.microsoft.com/office/powerpoint/2010/main" xmlns:p15="http://schemas.microsoft.com/office/powerpoint/2012/main" xmlns:ahyp="http://schemas.microsoft.com/office/drawing/2018/hyperlinkcolor" matchingName="One column text">
+<p:sldLayout xmlns:a="http://schemas.openxmlformats.org/drawingml/2006/main" xmlns:r="http://schemas.openxmlformats.org/officeDocument/2006/relationships" xmlns:p="http://schemas.openxmlformats.org/presentationml/2006/main" matchingName="One column text">
   <p:cSld name="ONE_COLUMN_TEXT">
     <p:spTree>
       <p:nvGrpSpPr>
-        <p:cNvPr id="28" name="Shape 28"/>
+        <p:cNvPr id="1" name="Shape 28"/>
         <p:cNvGrpSpPr/>
         <p:nvPr/>
       </p:nvGrpSpPr>
@@ -4015,7 +4152,9 @@
       <p:sp>
         <p:nvSpPr>
           <p:cNvPr id="29" name="Google Shape;29;p7"/>
-          <p:cNvSpPr txBox="1"/>
+          <p:cNvSpPr txBox="1">
+            <a:spLocks noGrp="1"/>
+          </p:cNvSpPr>
           <p:nvPr>
             <p:ph type="title"/>
           </p:nvPr>
@@ -4030,7 +4169,7 @@
           </a:prstGeom>
         </p:spPr>
         <p:txBody>
-          <a:bodyPr anchorCtr="0" anchor="b" bIns="91425" lIns="91425" spcFirstLastPara="1" rIns="91425" wrap="square" tIns="91425">
+          <a:bodyPr spcFirstLastPara="1" wrap="square" lIns="91425" tIns="91425" rIns="91425" bIns="91425" anchor="b" anchorCtr="0">
             <a:normAutofit/>
           </a:bodyPr>
           <a:lstStyle>
@@ -4134,15 +4273,19 @@
               <a:defRPr sz="2400"/>
             </a:lvl9pPr>
           </a:lstStyle>
-          <a:p/>
+          <a:p>
+            <a:endParaRPr/>
+          </a:p>
         </p:txBody>
       </p:sp>
       <p:sp>
         <p:nvSpPr>
           <p:cNvPr id="30" name="Google Shape;30;p7"/>
-          <p:cNvSpPr txBox="1"/>
+          <p:cNvSpPr txBox="1">
+            <a:spLocks noGrp="1"/>
+          </p:cNvSpPr>
           <p:nvPr>
-            <p:ph idx="1" type="body"/>
+            <p:ph type="body" idx="1"/>
           </p:nvPr>
         </p:nvSpPr>
         <p:spPr>
@@ -4155,11 +4298,11 @@
           </a:prstGeom>
         </p:spPr>
         <p:txBody>
-          <a:bodyPr anchorCtr="0" anchor="t" bIns="91425" lIns="91425" spcFirstLastPara="1" rIns="91425" wrap="square" tIns="91425">
+          <a:bodyPr spcFirstLastPara="1" wrap="square" lIns="91425" tIns="91425" rIns="91425" bIns="91425" anchor="t" anchorCtr="0">
             <a:normAutofit/>
           </a:bodyPr>
           <a:lstStyle>
-            <a:lvl1pPr indent="-304800" lvl="0" marL="457200">
+            <a:lvl1pPr marL="457200" lvl="0" indent="-304800">
               <a:spcBef>
                 <a:spcPts val="0"/>
               </a:spcBef>
@@ -4170,7 +4313,7 @@
               <a:buChar char="●"/>
               <a:defRPr sz="1200"/>
             </a:lvl1pPr>
-            <a:lvl2pPr indent="-304800" lvl="1" marL="914400">
+            <a:lvl2pPr marL="914400" lvl="1" indent="-304800">
               <a:spcBef>
                 <a:spcPts val="0"/>
               </a:spcBef>
@@ -4181,7 +4324,7 @@
               <a:buChar char="○"/>
               <a:defRPr sz="1200"/>
             </a:lvl2pPr>
-            <a:lvl3pPr indent="-304800" lvl="2" marL="1371600">
+            <a:lvl3pPr marL="1371600" lvl="2" indent="-304800">
               <a:spcBef>
                 <a:spcPts val="0"/>
               </a:spcBef>
@@ -4192,7 +4335,7 @@
               <a:buChar char="■"/>
               <a:defRPr sz="1200"/>
             </a:lvl3pPr>
-            <a:lvl4pPr indent="-304800" lvl="3" marL="1828800">
+            <a:lvl4pPr marL="1828800" lvl="3" indent="-304800">
               <a:spcBef>
                 <a:spcPts val="0"/>
               </a:spcBef>
@@ -4203,7 +4346,7 @@
               <a:buChar char="●"/>
               <a:defRPr sz="1200"/>
             </a:lvl4pPr>
-            <a:lvl5pPr indent="-304800" lvl="4" marL="2286000">
+            <a:lvl5pPr marL="2286000" lvl="4" indent="-304800">
               <a:spcBef>
                 <a:spcPts val="0"/>
               </a:spcBef>
@@ -4214,7 +4357,7 @@
               <a:buChar char="○"/>
               <a:defRPr sz="1200"/>
             </a:lvl5pPr>
-            <a:lvl6pPr indent="-304800" lvl="5" marL="2743200">
+            <a:lvl6pPr marL="2743200" lvl="5" indent="-304800">
               <a:spcBef>
                 <a:spcPts val="0"/>
               </a:spcBef>
@@ -4225,7 +4368,7 @@
               <a:buChar char="■"/>
               <a:defRPr sz="1200"/>
             </a:lvl6pPr>
-            <a:lvl7pPr indent="-304800" lvl="6" marL="3200400">
+            <a:lvl7pPr marL="3200400" lvl="6" indent="-304800">
               <a:spcBef>
                 <a:spcPts val="0"/>
               </a:spcBef>
@@ -4236,7 +4379,7 @@
               <a:buChar char="●"/>
               <a:defRPr sz="1200"/>
             </a:lvl7pPr>
-            <a:lvl8pPr indent="-304800" lvl="7" marL="3657600">
+            <a:lvl8pPr marL="3657600" lvl="7" indent="-304800">
               <a:spcBef>
                 <a:spcPts val="0"/>
               </a:spcBef>
@@ -4247,7 +4390,7 @@
               <a:buChar char="○"/>
               <a:defRPr sz="1200"/>
             </a:lvl8pPr>
-            <a:lvl9pPr indent="-304800" lvl="8" marL="4114800">
+            <a:lvl9pPr marL="4114800" lvl="8" indent="-304800">
               <a:spcBef>
                 <a:spcPts val="0"/>
               </a:spcBef>
@@ -4259,15 +4402,19 @@
               <a:defRPr sz="1200"/>
             </a:lvl9pPr>
           </a:lstStyle>
-          <a:p/>
+          <a:p>
+            <a:endParaRPr/>
+          </a:p>
         </p:txBody>
       </p:sp>
       <p:sp>
         <p:nvSpPr>
           <p:cNvPr id="31" name="Google Shape;31;p7"/>
-          <p:cNvSpPr txBox="1"/>
+          <p:cNvSpPr txBox="1">
+            <a:spLocks noGrp="1"/>
+          </p:cNvSpPr>
           <p:nvPr>
-            <p:ph idx="12" type="sldNum"/>
+            <p:ph type="sldNum" idx="12"/>
           </p:nvPr>
         </p:nvSpPr>
         <p:spPr>
@@ -4280,7 +4427,7 @@
           </a:prstGeom>
         </p:spPr>
         <p:txBody>
-          <a:bodyPr anchorCtr="0" anchor="ctr" bIns="91425" lIns="91425" spcFirstLastPara="1" rIns="91425" wrap="square" tIns="91425">
+          <a:bodyPr spcFirstLastPara="1" wrap="square" lIns="91425" tIns="91425" rIns="91425" bIns="91425" anchor="ctr" anchorCtr="0">
             <a:normAutofit/>
           </a:bodyPr>
           <a:lstStyle>
@@ -4322,7 +4469,7 @@
             </a:lvl9pPr>
           </a:lstStyle>
           <a:p>
-            <a:pPr indent="0" lvl="0" marL="0" rtl="0" algn="r">
+            <a:pPr marL="0" lvl="0" indent="0" algn="r" rtl="0">
               <a:spcBef>
                 <a:spcPts val="0"/>
               </a:spcBef>
@@ -4348,11 +4495,11 @@
 </file>
 
 <file path=ppt/slideLayouts/slideLayout7.xml><?xml version="1.0" encoding="utf-8"?>
-<p:sldLayout xmlns:a="http://schemas.openxmlformats.org/drawingml/2006/main" xmlns:r="http://schemas.openxmlformats.org/officeDocument/2006/relationships" xmlns:mc="http://schemas.openxmlformats.org/markup-compatibility/2006" xmlns:mv="urn:schemas-microsoft-com:mac:vml" xmlns:p="http://schemas.openxmlformats.org/presentationml/2006/main" xmlns:c="http://schemas.openxmlformats.org/drawingml/2006/chart" xmlns:dgm="http://schemas.openxmlformats.org/drawingml/2006/diagram" xmlns:o="urn:schemas-microsoft-com:office:office" xmlns:v="urn:schemas-microsoft-com:vml" xmlns:pvml="urn:schemas-microsoft-com:office:powerpoint" xmlns:com="http://schemas.openxmlformats.org/drawingml/2006/compatibility" xmlns:p14="http://schemas.microsoft.com/office/powerpoint/2010/main" xmlns:p15="http://schemas.microsoft.com/office/powerpoint/2012/main" xmlns:ahyp="http://schemas.microsoft.com/office/drawing/2018/hyperlinkcolor" matchingName="Main point">
+<p:sldLayout xmlns:a="http://schemas.openxmlformats.org/drawingml/2006/main" xmlns:r="http://schemas.openxmlformats.org/officeDocument/2006/relationships" xmlns:p="http://schemas.openxmlformats.org/presentationml/2006/main" matchingName="Main point">
   <p:cSld name="MAIN_POINT">
     <p:spTree>
       <p:nvGrpSpPr>
-        <p:cNvPr id="32" name="Shape 32"/>
+        <p:cNvPr id="1" name="Shape 32"/>
         <p:cNvGrpSpPr/>
         <p:nvPr/>
       </p:nvGrpSpPr>
@@ -4367,7 +4514,9 @@
       <p:sp>
         <p:nvSpPr>
           <p:cNvPr id="33" name="Google Shape;33;p8"/>
-          <p:cNvSpPr txBox="1"/>
+          <p:cNvSpPr txBox="1">
+            <a:spLocks noGrp="1"/>
+          </p:cNvSpPr>
           <p:nvPr>
             <p:ph type="title"/>
           </p:nvPr>
@@ -4382,7 +4531,7 @@
           </a:prstGeom>
         </p:spPr>
         <p:txBody>
-          <a:bodyPr anchorCtr="0" anchor="ctr" bIns="91425" lIns="91425" spcFirstLastPara="1" rIns="91425" wrap="square" tIns="91425">
+          <a:bodyPr spcFirstLastPara="1" wrap="square" lIns="91425" tIns="91425" rIns="91425" bIns="91425" anchor="ctr" anchorCtr="0">
             <a:normAutofit/>
           </a:bodyPr>
           <a:lstStyle>
@@ -4486,15 +4635,19 @@
               <a:defRPr sz="4800"/>
             </a:lvl9pPr>
           </a:lstStyle>
-          <a:p/>
+          <a:p>
+            <a:endParaRPr/>
+          </a:p>
         </p:txBody>
       </p:sp>
       <p:sp>
         <p:nvSpPr>
           <p:cNvPr id="34" name="Google Shape;34;p8"/>
-          <p:cNvSpPr txBox="1"/>
+          <p:cNvSpPr txBox="1">
+            <a:spLocks noGrp="1"/>
+          </p:cNvSpPr>
           <p:nvPr>
-            <p:ph idx="12" type="sldNum"/>
+            <p:ph type="sldNum" idx="12"/>
           </p:nvPr>
         </p:nvSpPr>
         <p:spPr>
@@ -4507,7 +4660,7 @@
           </a:prstGeom>
         </p:spPr>
         <p:txBody>
-          <a:bodyPr anchorCtr="0" anchor="ctr" bIns="91425" lIns="91425" spcFirstLastPara="1" rIns="91425" wrap="square" tIns="91425">
+          <a:bodyPr spcFirstLastPara="1" wrap="square" lIns="91425" tIns="91425" rIns="91425" bIns="91425" anchor="ctr" anchorCtr="0">
             <a:normAutofit/>
           </a:bodyPr>
           <a:lstStyle>
@@ -4549,7 +4702,7 @@
             </a:lvl9pPr>
           </a:lstStyle>
           <a:p>
-            <a:pPr indent="0" lvl="0" marL="0" rtl="0" algn="r">
+            <a:pPr marL="0" lvl="0" indent="0" algn="r" rtl="0">
               <a:spcBef>
                 <a:spcPts val="0"/>
               </a:spcBef>
@@ -4575,11 +4728,11 @@
 </file>
 
 <file path=ppt/slideLayouts/slideLayout8.xml><?xml version="1.0" encoding="utf-8"?>
-<p:sldLayout xmlns:a="http://schemas.openxmlformats.org/drawingml/2006/main" xmlns:r="http://schemas.openxmlformats.org/officeDocument/2006/relationships" xmlns:mc="http://schemas.openxmlformats.org/markup-compatibility/2006" xmlns:mv="urn:schemas-microsoft-com:mac:vml" xmlns:p="http://schemas.openxmlformats.org/presentationml/2006/main" xmlns:c="http://schemas.openxmlformats.org/drawingml/2006/chart" xmlns:dgm="http://schemas.openxmlformats.org/drawingml/2006/diagram" xmlns:o="urn:schemas-microsoft-com:office:office" xmlns:v="urn:schemas-microsoft-com:vml" xmlns:pvml="urn:schemas-microsoft-com:office:powerpoint" xmlns:com="http://schemas.openxmlformats.org/drawingml/2006/compatibility" xmlns:p14="http://schemas.microsoft.com/office/powerpoint/2010/main" xmlns:p15="http://schemas.microsoft.com/office/powerpoint/2012/main" xmlns:ahyp="http://schemas.microsoft.com/office/drawing/2018/hyperlinkcolor" matchingName="Section title and description">
+<p:sldLayout xmlns:a="http://schemas.openxmlformats.org/drawingml/2006/main" xmlns:r="http://schemas.openxmlformats.org/officeDocument/2006/relationships" xmlns:p="http://schemas.openxmlformats.org/presentationml/2006/main" matchingName="Section title and description">
   <p:cSld name="SECTION_TITLE_AND_DESCRIPTION">
     <p:spTree>
       <p:nvGrpSpPr>
-        <p:cNvPr id="35" name="Shape 35"/>
+        <p:cNvPr id="1" name="Shape 35"/>
         <p:cNvGrpSpPr/>
         <p:nvPr/>
       </p:nvGrpSpPr>
@@ -4613,12 +4766,12 @@
           </a:ln>
         </p:spPr>
         <p:txBody>
-          <a:bodyPr anchorCtr="0" anchor="ctr" bIns="91425" lIns="91425" spcFirstLastPara="1" rIns="91425" wrap="square" tIns="91425">
+          <a:bodyPr spcFirstLastPara="1" wrap="square" lIns="91425" tIns="91425" rIns="91425" bIns="91425" anchor="ctr" anchorCtr="0">
             <a:noAutofit/>
           </a:bodyPr>
           <a:lstStyle/>
           <a:p>
-            <a:pPr indent="0" lvl="0" marL="0" rtl="0" algn="l">
+            <a:pPr marL="0" lvl="0" indent="0" algn="l" rtl="0">
               <a:spcBef>
                 <a:spcPts val="0"/>
               </a:spcBef>
@@ -4627,9 +4780,6 @@
               </a:spcAft>
               <a:buNone/>
             </a:pPr>
-            <a:r>
-              <a:t/>
-            </a:r>
             <a:endParaRPr/>
           </a:p>
         </p:txBody>
@@ -4637,7 +4787,9 @@
       <p:sp>
         <p:nvSpPr>
           <p:cNvPr id="37" name="Google Shape;37;p9"/>
-          <p:cNvSpPr txBox="1"/>
+          <p:cNvSpPr txBox="1">
+            <a:spLocks noGrp="1"/>
+          </p:cNvSpPr>
           <p:nvPr>
             <p:ph type="title"/>
           </p:nvPr>
@@ -4652,7 +4804,7 @@
           </a:prstGeom>
         </p:spPr>
         <p:txBody>
-          <a:bodyPr anchorCtr="0" anchor="b" bIns="91425" lIns="91425" spcFirstLastPara="1" rIns="91425" wrap="square" tIns="91425">
+          <a:bodyPr spcFirstLastPara="1" wrap="square" lIns="91425" tIns="91425" rIns="91425" bIns="91425" anchor="b" anchorCtr="0">
             <a:normAutofit/>
           </a:bodyPr>
           <a:lstStyle>
@@ -4756,15 +4908,19 @@
               <a:defRPr sz="4200"/>
             </a:lvl9pPr>
           </a:lstStyle>
-          <a:p/>
+          <a:p>
+            <a:endParaRPr/>
+          </a:p>
         </p:txBody>
       </p:sp>
       <p:sp>
         <p:nvSpPr>
           <p:cNvPr id="38" name="Google Shape;38;p9"/>
-          <p:cNvSpPr txBox="1"/>
+          <p:cNvSpPr txBox="1">
+            <a:spLocks noGrp="1"/>
+          </p:cNvSpPr>
           <p:nvPr>
-            <p:ph idx="1" type="subTitle"/>
+            <p:ph type="subTitle" idx="1"/>
           </p:nvPr>
         </p:nvSpPr>
         <p:spPr>
@@ -4777,7 +4933,7 @@
           </a:prstGeom>
         </p:spPr>
         <p:txBody>
-          <a:bodyPr anchorCtr="0" anchor="t" bIns="91425" lIns="91425" spcFirstLastPara="1" rIns="91425" wrap="square" tIns="91425">
+          <a:bodyPr spcFirstLastPara="1" wrap="square" lIns="91425" tIns="91425" rIns="91425" bIns="91425" anchor="t" anchorCtr="0">
             <a:normAutofit/>
           </a:bodyPr>
           <a:lstStyle>
@@ -4908,15 +5064,19 @@
               <a:defRPr sz="2100"/>
             </a:lvl9pPr>
           </a:lstStyle>
-          <a:p/>
+          <a:p>
+            <a:endParaRPr/>
+          </a:p>
         </p:txBody>
       </p:sp>
       <p:sp>
         <p:nvSpPr>
           <p:cNvPr id="39" name="Google Shape;39;p9"/>
-          <p:cNvSpPr txBox="1"/>
+          <p:cNvSpPr txBox="1">
+            <a:spLocks noGrp="1"/>
+          </p:cNvSpPr>
           <p:nvPr>
-            <p:ph idx="2" type="body"/>
+            <p:ph type="body" idx="2"/>
           </p:nvPr>
         </p:nvSpPr>
         <p:spPr>
@@ -4929,11 +5089,11 @@
           </a:prstGeom>
         </p:spPr>
         <p:txBody>
-          <a:bodyPr anchorCtr="0" anchor="ctr" bIns="91425" lIns="91425" spcFirstLastPara="1" rIns="91425" wrap="square" tIns="91425">
+          <a:bodyPr spcFirstLastPara="1" wrap="square" lIns="91425" tIns="91425" rIns="91425" bIns="91425" anchor="ctr" anchorCtr="0">
             <a:normAutofit/>
           </a:bodyPr>
           <a:lstStyle>
-            <a:lvl1pPr indent="-342900" lvl="0" marL="457200">
+            <a:lvl1pPr marL="457200" lvl="0" indent="-342900">
               <a:spcBef>
                 <a:spcPts val="0"/>
               </a:spcBef>
@@ -4944,7 +5104,7 @@
               <a:buChar char="●"/>
               <a:defRPr/>
             </a:lvl1pPr>
-            <a:lvl2pPr indent="-317500" lvl="1" marL="914400">
+            <a:lvl2pPr marL="914400" lvl="1" indent="-317500">
               <a:spcBef>
                 <a:spcPts val="0"/>
               </a:spcBef>
@@ -4955,7 +5115,7 @@
               <a:buChar char="○"/>
               <a:defRPr/>
             </a:lvl2pPr>
-            <a:lvl3pPr indent="-317500" lvl="2" marL="1371600">
+            <a:lvl3pPr marL="1371600" lvl="2" indent="-317500">
               <a:spcBef>
                 <a:spcPts val="0"/>
               </a:spcBef>
@@ -4966,7 +5126,7 @@
               <a:buChar char="■"/>
               <a:defRPr/>
             </a:lvl3pPr>
-            <a:lvl4pPr indent="-317500" lvl="3" marL="1828800">
+            <a:lvl4pPr marL="1828800" lvl="3" indent="-317500">
               <a:spcBef>
                 <a:spcPts val="0"/>
               </a:spcBef>
@@ -4977,7 +5137,7 @@
               <a:buChar char="●"/>
               <a:defRPr/>
             </a:lvl4pPr>
-            <a:lvl5pPr indent="-317500" lvl="4" marL="2286000">
+            <a:lvl5pPr marL="2286000" lvl="4" indent="-317500">
               <a:spcBef>
                 <a:spcPts val="0"/>
               </a:spcBef>
@@ -4988,7 +5148,7 @@
               <a:buChar char="○"/>
               <a:defRPr/>
             </a:lvl5pPr>
-            <a:lvl6pPr indent="-317500" lvl="5" marL="2743200">
+            <a:lvl6pPr marL="2743200" lvl="5" indent="-317500">
               <a:spcBef>
                 <a:spcPts val="0"/>
               </a:spcBef>
@@ -4999,7 +5159,7 @@
               <a:buChar char="■"/>
               <a:defRPr/>
             </a:lvl6pPr>
-            <a:lvl7pPr indent="-317500" lvl="6" marL="3200400">
+            <a:lvl7pPr marL="3200400" lvl="6" indent="-317500">
               <a:spcBef>
                 <a:spcPts val="0"/>
               </a:spcBef>
@@ -5010,7 +5170,7 @@
               <a:buChar char="●"/>
               <a:defRPr/>
             </a:lvl7pPr>
-            <a:lvl8pPr indent="-317500" lvl="7" marL="3657600">
+            <a:lvl8pPr marL="3657600" lvl="7" indent="-317500">
               <a:spcBef>
                 <a:spcPts val="0"/>
               </a:spcBef>
@@ -5021,7 +5181,7 @@
               <a:buChar char="○"/>
               <a:defRPr/>
             </a:lvl8pPr>
-            <a:lvl9pPr indent="-317500" lvl="8" marL="4114800">
+            <a:lvl9pPr marL="4114800" lvl="8" indent="-317500">
               <a:spcBef>
                 <a:spcPts val="0"/>
               </a:spcBef>
@@ -5033,15 +5193,19 @@
               <a:defRPr/>
             </a:lvl9pPr>
           </a:lstStyle>
-          <a:p/>
+          <a:p>
+            <a:endParaRPr/>
+          </a:p>
         </p:txBody>
       </p:sp>
       <p:sp>
         <p:nvSpPr>
           <p:cNvPr id="40" name="Google Shape;40;p9"/>
-          <p:cNvSpPr txBox="1"/>
+          <p:cNvSpPr txBox="1">
+            <a:spLocks noGrp="1"/>
+          </p:cNvSpPr>
           <p:nvPr>
-            <p:ph idx="12" type="sldNum"/>
+            <p:ph type="sldNum" idx="12"/>
           </p:nvPr>
         </p:nvSpPr>
         <p:spPr>
@@ -5054,7 +5218,7 @@
           </a:prstGeom>
         </p:spPr>
         <p:txBody>
-          <a:bodyPr anchorCtr="0" anchor="ctr" bIns="91425" lIns="91425" spcFirstLastPara="1" rIns="91425" wrap="square" tIns="91425">
+          <a:bodyPr spcFirstLastPara="1" wrap="square" lIns="91425" tIns="91425" rIns="91425" bIns="91425" anchor="ctr" anchorCtr="0">
             <a:normAutofit/>
           </a:bodyPr>
           <a:lstStyle>
@@ -5096,7 +5260,7 @@
             </a:lvl9pPr>
           </a:lstStyle>
           <a:p>
-            <a:pPr indent="0" lvl="0" marL="0" rtl="0" algn="r">
+            <a:pPr marL="0" lvl="0" indent="0" algn="r" rtl="0">
               <a:spcBef>
                 <a:spcPts val="0"/>
               </a:spcBef>
@@ -5122,11 +5286,11 @@
 </file>
 
 <file path=ppt/slideLayouts/slideLayout9.xml><?xml version="1.0" encoding="utf-8"?>
-<p:sldLayout xmlns:a="http://schemas.openxmlformats.org/drawingml/2006/main" xmlns:r="http://schemas.openxmlformats.org/officeDocument/2006/relationships" xmlns:mc="http://schemas.openxmlformats.org/markup-compatibility/2006" xmlns:mv="urn:schemas-microsoft-com:mac:vml" xmlns:p="http://schemas.openxmlformats.org/presentationml/2006/main" xmlns:c="http://schemas.openxmlformats.org/drawingml/2006/chart" xmlns:dgm="http://schemas.openxmlformats.org/drawingml/2006/diagram" xmlns:o="urn:schemas-microsoft-com:office:office" xmlns:v="urn:schemas-microsoft-com:vml" xmlns:pvml="urn:schemas-microsoft-com:office:powerpoint" xmlns:com="http://schemas.openxmlformats.org/drawingml/2006/compatibility" xmlns:p14="http://schemas.microsoft.com/office/powerpoint/2010/main" xmlns:p15="http://schemas.microsoft.com/office/powerpoint/2012/main" xmlns:ahyp="http://schemas.microsoft.com/office/drawing/2018/hyperlinkcolor" matchingName="Caption">
+<p:sldLayout xmlns:a="http://schemas.openxmlformats.org/drawingml/2006/main" xmlns:r="http://schemas.openxmlformats.org/officeDocument/2006/relationships" xmlns:p="http://schemas.openxmlformats.org/presentationml/2006/main" matchingName="Caption">
   <p:cSld name="CAPTION_ONLY">
     <p:spTree>
       <p:nvGrpSpPr>
-        <p:cNvPr id="41" name="Shape 41"/>
+        <p:cNvPr id="1" name="Shape 41"/>
         <p:cNvGrpSpPr/>
         <p:nvPr/>
       </p:nvGrpSpPr>
@@ -5141,9 +5305,11 @@
       <p:sp>
         <p:nvSpPr>
           <p:cNvPr id="42" name="Google Shape;42;p10"/>
-          <p:cNvSpPr txBox="1"/>
+          <p:cNvSpPr txBox="1">
+            <a:spLocks noGrp="1"/>
+          </p:cNvSpPr>
           <p:nvPr>
-            <p:ph idx="1" type="body"/>
+            <p:ph type="body" idx="1"/>
           </p:nvPr>
         </p:nvSpPr>
         <p:spPr>
@@ -5156,11 +5322,11 @@
           </a:prstGeom>
         </p:spPr>
         <p:txBody>
-          <a:bodyPr anchorCtr="0" anchor="ctr" bIns="91425" lIns="91425" spcFirstLastPara="1" rIns="91425" wrap="square" tIns="91425">
+          <a:bodyPr spcFirstLastPara="1" wrap="square" lIns="91425" tIns="91425" rIns="91425" bIns="91425" anchor="ctr" anchorCtr="0">
             <a:normAutofit/>
           </a:bodyPr>
           <a:lstStyle>
-            <a:lvl1pPr indent="-228600" lvl="0" marL="457200">
+            <a:lvl1pPr marL="457200" lvl="0" indent="-228600">
               <a:lnSpc>
                 <a:spcPct val="100000"/>
               </a:lnSpc>
@@ -5175,15 +5341,19 @@
               <a:defRPr/>
             </a:lvl1pPr>
           </a:lstStyle>
-          <a:p/>
+          <a:p>
+            <a:endParaRPr/>
+          </a:p>
         </p:txBody>
       </p:sp>
       <p:sp>
         <p:nvSpPr>
           <p:cNvPr id="43" name="Google Shape;43;p10"/>
-          <p:cNvSpPr txBox="1"/>
+          <p:cNvSpPr txBox="1">
+            <a:spLocks noGrp="1"/>
+          </p:cNvSpPr>
           <p:nvPr>
-            <p:ph idx="12" type="sldNum"/>
+            <p:ph type="sldNum" idx="12"/>
           </p:nvPr>
         </p:nvSpPr>
         <p:spPr>
@@ -5196,7 +5366,7 @@
           </a:prstGeom>
         </p:spPr>
         <p:txBody>
-          <a:bodyPr anchorCtr="0" anchor="ctr" bIns="91425" lIns="91425" spcFirstLastPara="1" rIns="91425" wrap="square" tIns="91425">
+          <a:bodyPr spcFirstLastPara="1" wrap="square" lIns="91425" tIns="91425" rIns="91425" bIns="91425" anchor="ctr" anchorCtr="0">
             <a:normAutofit/>
           </a:bodyPr>
           <a:lstStyle>
@@ -5238,7 +5408,7 @@
             </a:lvl9pPr>
           </a:lstStyle>
           <a:p>
-            <a:pPr indent="0" lvl="0" marL="0" rtl="0" algn="r">
+            <a:pPr marL="0" lvl="0" indent="0" algn="r" rtl="0">
               <a:spcBef>
                 <a:spcPts val="0"/>
               </a:spcBef>
@@ -5264,18 +5434,19 @@
 </file>
 
 <file path=ppt/slideMasters/slideMaster1.xml><?xml version="1.0" encoding="utf-8"?>
-<p:sldMaster xmlns:a="http://schemas.openxmlformats.org/drawingml/2006/main" xmlns:r="http://schemas.openxmlformats.org/officeDocument/2006/relationships" xmlns:mc="http://schemas.openxmlformats.org/markup-compatibility/2006" xmlns:mv="urn:schemas-microsoft-com:mac:vml" xmlns:p="http://schemas.openxmlformats.org/presentationml/2006/main" xmlns:c="http://schemas.openxmlformats.org/drawingml/2006/chart" xmlns:dgm="http://schemas.openxmlformats.org/drawingml/2006/diagram" xmlns:o="urn:schemas-microsoft-com:office:office" xmlns:v="urn:schemas-microsoft-com:vml" xmlns:pvml="urn:schemas-microsoft-com:office:powerpoint" xmlns:com="http://schemas.openxmlformats.org/drawingml/2006/compatibility" xmlns:p14="http://schemas.microsoft.com/office/powerpoint/2010/main" xmlns:p15="http://schemas.microsoft.com/office/powerpoint/2012/main" xmlns:ahyp="http://schemas.microsoft.com/office/drawing/2018/hyperlinkcolor">
+<p:sldMaster xmlns:a="http://schemas.openxmlformats.org/drawingml/2006/main" xmlns:r="http://schemas.openxmlformats.org/officeDocument/2006/relationships" xmlns:p="http://schemas.openxmlformats.org/presentationml/2006/main">
   <p:cSld name="simple-light-2">
     <p:bg>
       <p:bgPr>
         <a:solidFill>
           <a:schemeClr val="lt1"/>
         </a:solidFill>
+        <a:effectLst/>
       </p:bgPr>
     </p:bg>
     <p:spTree>
       <p:nvGrpSpPr>
-        <p:cNvPr id="5" name="Shape 5"/>
+        <p:cNvPr id="1" name="Shape 5"/>
         <p:cNvGrpSpPr/>
         <p:nvPr/>
       </p:nvGrpSpPr>
@@ -5290,7 +5461,9 @@
       <p:sp>
         <p:nvSpPr>
           <p:cNvPr id="6" name="Google Shape;6;p1"/>
-          <p:cNvSpPr txBox="1"/>
+          <p:cNvSpPr txBox="1">
+            <a:spLocks noGrp="1"/>
+          </p:cNvSpPr>
           <p:nvPr>
             <p:ph type="title"/>
           </p:nvPr>
@@ -5309,7 +5482,7 @@
           </a:ln>
         </p:spPr>
         <p:txBody>
-          <a:bodyPr anchorCtr="0" anchor="t" bIns="91425" lIns="91425" spcFirstLastPara="1" rIns="91425" wrap="square" tIns="91425">
+          <a:bodyPr spcFirstLastPara="1" wrap="square" lIns="91425" tIns="91425" rIns="91425" bIns="91425" anchor="t" anchorCtr="0">
             <a:normAutofit/>
           </a:bodyPr>
           <a:lstStyle>
@@ -5476,15 +5649,19 @@
               </a:defRPr>
             </a:lvl9pPr>
           </a:lstStyle>
-          <a:p/>
+          <a:p>
+            <a:endParaRPr/>
+          </a:p>
         </p:txBody>
       </p:sp>
       <p:sp>
         <p:nvSpPr>
           <p:cNvPr id="7" name="Google Shape;7;p1"/>
-          <p:cNvSpPr txBox="1"/>
+          <p:cNvSpPr txBox="1">
+            <a:spLocks noGrp="1"/>
+          </p:cNvSpPr>
           <p:nvPr>
-            <p:ph idx="1" type="body"/>
+            <p:ph type="body" idx="1"/>
           </p:nvPr>
         </p:nvSpPr>
         <p:spPr>
@@ -5501,11 +5678,11 @@
           </a:ln>
         </p:spPr>
         <p:txBody>
-          <a:bodyPr anchorCtr="0" anchor="t" bIns="91425" lIns="91425" spcFirstLastPara="1" rIns="91425" wrap="square" tIns="91425">
+          <a:bodyPr spcFirstLastPara="1" wrap="square" lIns="91425" tIns="91425" rIns="91425" bIns="91425" anchor="t" anchorCtr="0">
             <a:normAutofit/>
           </a:bodyPr>
           <a:lstStyle>
-            <a:lvl1pPr indent="-342900" lvl="0" marL="457200">
+            <a:lvl1pPr marL="457200" lvl="0" indent="-342900">
               <a:lnSpc>
                 <a:spcPct val="115000"/>
               </a:lnSpc>
@@ -5526,7 +5703,7 @@
                 </a:solidFill>
               </a:defRPr>
             </a:lvl1pPr>
-            <a:lvl2pPr indent="-317500" lvl="1" marL="914400">
+            <a:lvl2pPr marL="914400" lvl="1" indent="-317500">
               <a:lnSpc>
                 <a:spcPct val="115000"/>
               </a:lnSpc>
@@ -5547,7 +5724,7 @@
                 </a:solidFill>
               </a:defRPr>
             </a:lvl2pPr>
-            <a:lvl3pPr indent="-317500" lvl="2" marL="1371600">
+            <a:lvl3pPr marL="1371600" lvl="2" indent="-317500">
               <a:lnSpc>
                 <a:spcPct val="115000"/>
               </a:lnSpc>
@@ -5568,7 +5745,7 @@
                 </a:solidFill>
               </a:defRPr>
             </a:lvl3pPr>
-            <a:lvl4pPr indent="-317500" lvl="3" marL="1828800">
+            <a:lvl4pPr marL="1828800" lvl="3" indent="-317500">
               <a:lnSpc>
                 <a:spcPct val="115000"/>
               </a:lnSpc>
@@ -5589,7 +5766,7 @@
                 </a:solidFill>
               </a:defRPr>
             </a:lvl4pPr>
-            <a:lvl5pPr indent="-317500" lvl="4" marL="2286000">
+            <a:lvl5pPr marL="2286000" lvl="4" indent="-317500">
               <a:lnSpc>
                 <a:spcPct val="115000"/>
               </a:lnSpc>
@@ -5610,7 +5787,7 @@
                 </a:solidFill>
               </a:defRPr>
             </a:lvl5pPr>
-            <a:lvl6pPr indent="-317500" lvl="5" marL="2743200">
+            <a:lvl6pPr marL="2743200" lvl="5" indent="-317500">
               <a:lnSpc>
                 <a:spcPct val="115000"/>
               </a:lnSpc>
@@ -5631,7 +5808,7 @@
                 </a:solidFill>
               </a:defRPr>
             </a:lvl6pPr>
-            <a:lvl7pPr indent="-317500" lvl="6" marL="3200400">
+            <a:lvl7pPr marL="3200400" lvl="6" indent="-317500">
               <a:lnSpc>
                 <a:spcPct val="115000"/>
               </a:lnSpc>
@@ -5652,7 +5829,7 @@
                 </a:solidFill>
               </a:defRPr>
             </a:lvl7pPr>
-            <a:lvl8pPr indent="-317500" lvl="7" marL="3657600">
+            <a:lvl8pPr marL="3657600" lvl="7" indent="-317500">
               <a:lnSpc>
                 <a:spcPct val="115000"/>
               </a:lnSpc>
@@ -5673,7 +5850,7 @@
                 </a:solidFill>
               </a:defRPr>
             </a:lvl8pPr>
-            <a:lvl9pPr indent="-317500" lvl="8" marL="4114800">
+            <a:lvl9pPr marL="4114800" lvl="8" indent="-317500">
               <a:lnSpc>
                 <a:spcPct val="115000"/>
               </a:lnSpc>
@@ -5695,15 +5872,19 @@
               </a:defRPr>
             </a:lvl9pPr>
           </a:lstStyle>
-          <a:p/>
+          <a:p>
+            <a:endParaRPr/>
+          </a:p>
         </p:txBody>
       </p:sp>
       <p:sp>
         <p:nvSpPr>
           <p:cNvPr id="8" name="Google Shape;8;p1"/>
-          <p:cNvSpPr txBox="1"/>
+          <p:cNvSpPr txBox="1">
+            <a:spLocks noGrp="1"/>
+          </p:cNvSpPr>
           <p:nvPr>
-            <p:ph idx="12" type="sldNum"/>
+            <p:ph type="sldNum" idx="12"/>
           </p:nvPr>
         </p:nvSpPr>
         <p:spPr>
@@ -5720,7 +5901,7 @@
           </a:ln>
         </p:spPr>
         <p:txBody>
-          <a:bodyPr anchorCtr="0" anchor="ctr" bIns="91425" lIns="91425" spcFirstLastPara="1" rIns="91425" wrap="square" tIns="91425">
+          <a:bodyPr spcFirstLastPara="1" wrap="square" lIns="91425" tIns="91425" rIns="91425" bIns="91425" anchor="ctr" anchorCtr="0">
             <a:normAutofit/>
           </a:bodyPr>
           <a:lstStyle>
@@ -5798,7 +5979,7 @@
             </a:lvl9pPr>
           </a:lstStyle>
           <a:p>
-            <a:pPr indent="0" lvl="0" marL="0" rtl="0" algn="r">
+            <a:pPr marL="0" lvl="0" indent="0" algn="r" rtl="0">
               <a:spcBef>
                 <a:spcPts val="0"/>
               </a:spcBef>
@@ -5817,7 +5998,7 @@
       </p:sp>
     </p:spTree>
   </p:cSld>
-  <p:clrMap accent1="accent1" accent2="accent2" accent3="accent3" accent4="accent4" accent5="accent5" accent6="accent6" bg1="lt1" bg2="dk2" tx1="dk1" tx2="lt2" folHlink="folHlink" hlink="hlink"/>
+  <p:clrMap bg1="lt1" tx1="dk1" bg2="dk2" tx2="lt2" accent1="accent1" accent2="accent2" accent3="accent3" accent4="accent4" accent5="accent5" accent6="accent6" hlink="hlink" folHlink="folHlink"/>
   <p:sldLayoutIdLst>
     <p:sldLayoutId id="2147483648" r:id="rId1"/>
     <p:sldLayoutId id="2147483649" r:id="rId2"/>
@@ -5831,10 +6012,10 @@
     <p:sldLayoutId id="2147483657" r:id="rId10"/>
     <p:sldLayoutId id="2147483658" r:id="rId11"/>
   </p:sldLayoutIdLst>
-  <p:hf dt="0" ftr="0" hdr="0" sldNum="0"/>
+  <p:hf sldNum="0" hdr="0" ftr="0" dt="0"/>
   <p:txStyles>
     <p:titleStyle>
-      <a:defPPr lvl="0" marR="0" rtl="0" algn="l">
+      <a:defPPr marR="0" lvl="0" algn="l" rtl="0">
         <a:lnSpc>
           <a:spcPct val="100000"/>
         </a:lnSpc>
@@ -5845,7 +6026,7 @@
           <a:spcPts val="0"/>
         </a:spcAft>
       </a:defPPr>
-      <a:lvl1pPr lvl="0" marR="0" rtl="0" algn="l">
+      <a:lvl1pPr marR="0" lvl="0" algn="l" rtl="0">
         <a:lnSpc>
           <a:spcPct val="100000"/>
         </a:lnSpc>
@@ -5859,7 +6040,7 @@
           <a:srgbClr val="000000"/>
         </a:buClr>
         <a:buFont typeface="Arial"/>
-        <a:defRPr b="0" i="0" sz="1400" u="none" cap="none" strike="noStrike">
+        <a:defRPr sz="1400" b="0" i="0" u="none" strike="noStrike" cap="none">
           <a:solidFill>
             <a:srgbClr val="000000"/>
           </a:solidFill>
@@ -5869,7 +6050,7 @@
           <a:sym typeface="Arial"/>
         </a:defRPr>
       </a:lvl1pPr>
-      <a:lvl2pPr lvl="1" marR="0" rtl="0" algn="l">
+      <a:lvl2pPr marR="0" lvl="1" algn="l" rtl="0">
         <a:lnSpc>
           <a:spcPct val="100000"/>
         </a:lnSpc>
@@ -5883,7 +6064,7 @@
           <a:srgbClr val="000000"/>
         </a:buClr>
         <a:buFont typeface="Arial"/>
-        <a:defRPr b="0" i="0" sz="1400" u="none" cap="none" strike="noStrike">
+        <a:defRPr sz="1400" b="0" i="0" u="none" strike="noStrike" cap="none">
           <a:solidFill>
             <a:srgbClr val="000000"/>
           </a:solidFill>
@@ -5893,7 +6074,7 @@
           <a:sym typeface="Arial"/>
         </a:defRPr>
       </a:lvl2pPr>
-      <a:lvl3pPr lvl="2" marR="0" rtl="0" algn="l">
+      <a:lvl3pPr marR="0" lvl="2" algn="l" rtl="0">
         <a:lnSpc>
           <a:spcPct val="100000"/>
         </a:lnSpc>
@@ -5907,7 +6088,7 @@
           <a:srgbClr val="000000"/>
         </a:buClr>
         <a:buFont typeface="Arial"/>
-        <a:defRPr b="0" i="0" sz="1400" u="none" cap="none" strike="noStrike">
+        <a:defRPr sz="1400" b="0" i="0" u="none" strike="noStrike" cap="none">
           <a:solidFill>
             <a:srgbClr val="000000"/>
           </a:solidFill>
@@ -5917,7 +6098,7 @@
           <a:sym typeface="Arial"/>
         </a:defRPr>
       </a:lvl3pPr>
-      <a:lvl4pPr lvl="3" marR="0" rtl="0" algn="l">
+      <a:lvl4pPr marR="0" lvl="3" algn="l" rtl="0">
         <a:lnSpc>
           <a:spcPct val="100000"/>
         </a:lnSpc>
@@ -5931,7 +6112,7 @@
           <a:srgbClr val="000000"/>
         </a:buClr>
         <a:buFont typeface="Arial"/>
-        <a:defRPr b="0" i="0" sz="1400" u="none" cap="none" strike="noStrike">
+        <a:defRPr sz="1400" b="0" i="0" u="none" strike="noStrike" cap="none">
           <a:solidFill>
             <a:srgbClr val="000000"/>
           </a:solidFill>
@@ -5941,7 +6122,7 @@
           <a:sym typeface="Arial"/>
         </a:defRPr>
       </a:lvl4pPr>
-      <a:lvl5pPr lvl="4" marR="0" rtl="0" algn="l">
+      <a:lvl5pPr marR="0" lvl="4" algn="l" rtl="0">
         <a:lnSpc>
           <a:spcPct val="100000"/>
         </a:lnSpc>
@@ -5955,7 +6136,7 @@
           <a:srgbClr val="000000"/>
         </a:buClr>
         <a:buFont typeface="Arial"/>
-        <a:defRPr b="0" i="0" sz="1400" u="none" cap="none" strike="noStrike">
+        <a:defRPr sz="1400" b="0" i="0" u="none" strike="noStrike" cap="none">
           <a:solidFill>
             <a:srgbClr val="000000"/>
           </a:solidFill>
@@ -5965,7 +6146,7 @@
           <a:sym typeface="Arial"/>
         </a:defRPr>
       </a:lvl5pPr>
-      <a:lvl6pPr lvl="5" marR="0" rtl="0" algn="l">
+      <a:lvl6pPr marR="0" lvl="5" algn="l" rtl="0">
         <a:lnSpc>
           <a:spcPct val="100000"/>
         </a:lnSpc>
@@ -5979,7 +6160,7 @@
           <a:srgbClr val="000000"/>
         </a:buClr>
         <a:buFont typeface="Arial"/>
-        <a:defRPr b="0" i="0" sz="1400" u="none" cap="none" strike="noStrike">
+        <a:defRPr sz="1400" b="0" i="0" u="none" strike="noStrike" cap="none">
           <a:solidFill>
             <a:srgbClr val="000000"/>
           </a:solidFill>
@@ -5989,7 +6170,7 @@
           <a:sym typeface="Arial"/>
         </a:defRPr>
       </a:lvl6pPr>
-      <a:lvl7pPr lvl="6" marR="0" rtl="0" algn="l">
+      <a:lvl7pPr marR="0" lvl="6" algn="l" rtl="0">
         <a:lnSpc>
           <a:spcPct val="100000"/>
         </a:lnSpc>
@@ -6003,7 +6184,7 @@
           <a:srgbClr val="000000"/>
         </a:buClr>
         <a:buFont typeface="Arial"/>
-        <a:defRPr b="0" i="0" sz="1400" u="none" cap="none" strike="noStrike">
+        <a:defRPr sz="1400" b="0" i="0" u="none" strike="noStrike" cap="none">
           <a:solidFill>
             <a:srgbClr val="000000"/>
           </a:solidFill>
@@ -6013,7 +6194,7 @@
           <a:sym typeface="Arial"/>
         </a:defRPr>
       </a:lvl7pPr>
-      <a:lvl8pPr lvl="7" marR="0" rtl="0" algn="l">
+      <a:lvl8pPr marR="0" lvl="7" algn="l" rtl="0">
         <a:lnSpc>
           <a:spcPct val="100000"/>
         </a:lnSpc>
@@ -6027,7 +6208,7 @@
           <a:srgbClr val="000000"/>
         </a:buClr>
         <a:buFont typeface="Arial"/>
-        <a:defRPr b="0" i="0" sz="1400" u="none" cap="none" strike="noStrike">
+        <a:defRPr sz="1400" b="0" i="0" u="none" strike="noStrike" cap="none">
           <a:solidFill>
             <a:srgbClr val="000000"/>
           </a:solidFill>
@@ -6037,7 +6218,7 @@
           <a:sym typeface="Arial"/>
         </a:defRPr>
       </a:lvl8pPr>
-      <a:lvl9pPr lvl="8" marR="0" rtl="0" algn="l">
+      <a:lvl9pPr marR="0" lvl="8" algn="l" rtl="0">
         <a:lnSpc>
           <a:spcPct val="100000"/>
         </a:lnSpc>
@@ -6051,7 +6232,7 @@
           <a:srgbClr val="000000"/>
         </a:buClr>
         <a:buFont typeface="Arial"/>
-        <a:defRPr b="0" i="0" sz="1400" u="none" cap="none" strike="noStrike">
+        <a:defRPr sz="1400" b="0" i="0" u="none" strike="noStrike" cap="none">
           <a:solidFill>
             <a:srgbClr val="000000"/>
           </a:solidFill>
@@ -6063,7 +6244,7 @@
       </a:lvl9pPr>
     </p:titleStyle>
     <p:bodyStyle>
-      <a:defPPr lvl="0" marR="0" rtl="0" algn="l">
+      <a:defPPr marR="0" lvl="0" algn="l" rtl="0">
         <a:lnSpc>
           <a:spcPct val="100000"/>
         </a:lnSpc>
@@ -6074,7 +6255,7 @@
           <a:spcPts val="0"/>
         </a:spcAft>
       </a:defPPr>
-      <a:lvl1pPr lvl="0" marR="0" rtl="0" algn="l">
+      <a:lvl1pPr marR="0" lvl="0" algn="l" rtl="0">
         <a:lnSpc>
           <a:spcPct val="100000"/>
         </a:lnSpc>
@@ -6088,7 +6269,7 @@
           <a:srgbClr val="000000"/>
         </a:buClr>
         <a:buFont typeface="Arial"/>
-        <a:defRPr b="0" i="0" sz="1400" u="none" cap="none" strike="noStrike">
+        <a:defRPr sz="1400" b="0" i="0" u="none" strike="noStrike" cap="none">
           <a:solidFill>
             <a:srgbClr val="000000"/>
           </a:solidFill>
@@ -6098,7 +6279,7 @@
           <a:sym typeface="Arial"/>
         </a:defRPr>
       </a:lvl1pPr>
-      <a:lvl2pPr lvl="1" marR="0" rtl="0" algn="l">
+      <a:lvl2pPr marR="0" lvl="1" algn="l" rtl="0">
         <a:lnSpc>
           <a:spcPct val="100000"/>
         </a:lnSpc>
@@ -6112,7 +6293,7 @@
           <a:srgbClr val="000000"/>
         </a:buClr>
         <a:buFont typeface="Arial"/>
-        <a:defRPr b="0" i="0" sz="1400" u="none" cap="none" strike="noStrike">
+        <a:defRPr sz="1400" b="0" i="0" u="none" strike="noStrike" cap="none">
           <a:solidFill>
             <a:srgbClr val="000000"/>
           </a:solidFill>
@@ -6122,7 +6303,7 @@
           <a:sym typeface="Arial"/>
         </a:defRPr>
       </a:lvl2pPr>
-      <a:lvl3pPr lvl="2" marR="0" rtl="0" algn="l">
+      <a:lvl3pPr marR="0" lvl="2" algn="l" rtl="0">
         <a:lnSpc>
           <a:spcPct val="100000"/>
         </a:lnSpc>
@@ -6136,7 +6317,7 @@
           <a:srgbClr val="000000"/>
         </a:buClr>
         <a:buFont typeface="Arial"/>
-        <a:defRPr b="0" i="0" sz="1400" u="none" cap="none" strike="noStrike">
+        <a:defRPr sz="1400" b="0" i="0" u="none" strike="noStrike" cap="none">
           <a:solidFill>
             <a:srgbClr val="000000"/>
           </a:solidFill>
@@ -6146,7 +6327,7 @@
           <a:sym typeface="Arial"/>
         </a:defRPr>
       </a:lvl3pPr>
-      <a:lvl4pPr lvl="3" marR="0" rtl="0" algn="l">
+      <a:lvl4pPr marR="0" lvl="3" algn="l" rtl="0">
         <a:lnSpc>
           <a:spcPct val="100000"/>
         </a:lnSpc>
@@ -6160,7 +6341,7 @@
           <a:srgbClr val="000000"/>
         </a:buClr>
         <a:buFont typeface="Arial"/>
-        <a:defRPr b="0" i="0" sz="1400" u="none" cap="none" strike="noStrike">
+        <a:defRPr sz="1400" b="0" i="0" u="none" strike="noStrike" cap="none">
           <a:solidFill>
             <a:srgbClr val="000000"/>
           </a:solidFill>
@@ -6170,7 +6351,7 @@
           <a:sym typeface="Arial"/>
         </a:defRPr>
       </a:lvl4pPr>
-      <a:lvl5pPr lvl="4" marR="0" rtl="0" algn="l">
+      <a:lvl5pPr marR="0" lvl="4" algn="l" rtl="0">
         <a:lnSpc>
           <a:spcPct val="100000"/>
         </a:lnSpc>
@@ -6184,7 +6365,7 @@
           <a:srgbClr val="000000"/>
         </a:buClr>
         <a:buFont typeface="Arial"/>
-        <a:defRPr b="0" i="0" sz="1400" u="none" cap="none" strike="noStrike">
+        <a:defRPr sz="1400" b="0" i="0" u="none" strike="noStrike" cap="none">
           <a:solidFill>
             <a:srgbClr val="000000"/>
           </a:solidFill>
@@ -6194,7 +6375,7 @@
           <a:sym typeface="Arial"/>
         </a:defRPr>
       </a:lvl5pPr>
-      <a:lvl6pPr lvl="5" marR="0" rtl="0" algn="l">
+      <a:lvl6pPr marR="0" lvl="5" algn="l" rtl="0">
         <a:lnSpc>
           <a:spcPct val="100000"/>
         </a:lnSpc>
@@ -6208,7 +6389,7 @@
           <a:srgbClr val="000000"/>
         </a:buClr>
         <a:buFont typeface="Arial"/>
-        <a:defRPr b="0" i="0" sz="1400" u="none" cap="none" strike="noStrike">
+        <a:defRPr sz="1400" b="0" i="0" u="none" strike="noStrike" cap="none">
           <a:solidFill>
             <a:srgbClr val="000000"/>
           </a:solidFill>
@@ -6218,7 +6399,7 @@
           <a:sym typeface="Arial"/>
         </a:defRPr>
       </a:lvl6pPr>
-      <a:lvl7pPr lvl="6" marR="0" rtl="0" algn="l">
+      <a:lvl7pPr marR="0" lvl="6" algn="l" rtl="0">
         <a:lnSpc>
           <a:spcPct val="100000"/>
         </a:lnSpc>
@@ -6232,7 +6413,7 @@
           <a:srgbClr val="000000"/>
         </a:buClr>
         <a:buFont typeface="Arial"/>
-        <a:defRPr b="0" i="0" sz="1400" u="none" cap="none" strike="noStrike">
+        <a:defRPr sz="1400" b="0" i="0" u="none" strike="noStrike" cap="none">
           <a:solidFill>
             <a:srgbClr val="000000"/>
           </a:solidFill>
@@ -6242,7 +6423,7 @@
           <a:sym typeface="Arial"/>
         </a:defRPr>
       </a:lvl7pPr>
-      <a:lvl8pPr lvl="7" marR="0" rtl="0" algn="l">
+      <a:lvl8pPr marR="0" lvl="7" algn="l" rtl="0">
         <a:lnSpc>
           <a:spcPct val="100000"/>
         </a:lnSpc>
@@ -6256,7 +6437,7 @@
           <a:srgbClr val="000000"/>
         </a:buClr>
         <a:buFont typeface="Arial"/>
-        <a:defRPr b="0" i="0" sz="1400" u="none" cap="none" strike="noStrike">
+        <a:defRPr sz="1400" b="0" i="0" u="none" strike="noStrike" cap="none">
           <a:solidFill>
             <a:srgbClr val="000000"/>
           </a:solidFill>
@@ -6266,7 +6447,7 @@
           <a:sym typeface="Arial"/>
         </a:defRPr>
       </a:lvl8pPr>
-      <a:lvl9pPr lvl="8" marR="0" rtl="0" algn="l">
+      <a:lvl9pPr marR="0" lvl="8" algn="l" rtl="0">
         <a:lnSpc>
           <a:spcPct val="100000"/>
         </a:lnSpc>
@@ -6280,7 +6461,7 @@
           <a:srgbClr val="000000"/>
         </a:buClr>
         <a:buFont typeface="Arial"/>
-        <a:defRPr b="0" i="0" sz="1400" u="none" cap="none" strike="noStrike">
+        <a:defRPr sz="1400" b="0" i="0" u="none" strike="noStrike" cap="none">
           <a:solidFill>
             <a:srgbClr val="000000"/>
           </a:solidFill>
@@ -6292,7 +6473,7 @@
       </a:lvl9pPr>
     </p:bodyStyle>
     <p:otherStyle>
-      <a:defPPr lvl="0" marR="0" rtl="0" algn="l">
+      <a:defPPr marR="0" lvl="0" algn="l" rtl="0">
         <a:lnSpc>
           <a:spcPct val="100000"/>
         </a:lnSpc>
@@ -6303,7 +6484,7 @@
           <a:spcPts val="0"/>
         </a:spcAft>
       </a:defPPr>
-      <a:lvl1pPr lvl="0" marR="0" rtl="0" algn="l">
+      <a:lvl1pPr marR="0" lvl="0" algn="l" rtl="0">
         <a:lnSpc>
           <a:spcPct val="100000"/>
         </a:lnSpc>
@@ -6317,7 +6498,7 @@
           <a:srgbClr val="000000"/>
         </a:buClr>
         <a:buFont typeface="Arial"/>
-        <a:defRPr b="0" i="0" sz="1400" u="none" cap="none" strike="noStrike">
+        <a:defRPr sz="1400" b="0" i="0" u="none" strike="noStrike" cap="none">
           <a:solidFill>
             <a:srgbClr val="000000"/>
           </a:solidFill>
@@ -6327,7 +6508,7 @@
           <a:sym typeface="Arial"/>
         </a:defRPr>
       </a:lvl1pPr>
-      <a:lvl2pPr lvl="1" marR="0" rtl="0" algn="l">
+      <a:lvl2pPr marR="0" lvl="1" algn="l" rtl="0">
         <a:lnSpc>
           <a:spcPct val="100000"/>
         </a:lnSpc>
@@ -6341,7 +6522,7 @@
           <a:srgbClr val="000000"/>
         </a:buClr>
         <a:buFont typeface="Arial"/>
-        <a:defRPr b="0" i="0" sz="1400" u="none" cap="none" strike="noStrike">
+        <a:defRPr sz="1400" b="0" i="0" u="none" strike="noStrike" cap="none">
           <a:solidFill>
             <a:srgbClr val="000000"/>
           </a:solidFill>
@@ -6351,7 +6532,7 @@
           <a:sym typeface="Arial"/>
         </a:defRPr>
       </a:lvl2pPr>
-      <a:lvl3pPr lvl="2" marR="0" rtl="0" algn="l">
+      <a:lvl3pPr marR="0" lvl="2" algn="l" rtl="0">
         <a:lnSpc>
           <a:spcPct val="100000"/>
         </a:lnSpc>
@@ -6365,7 +6546,7 @@
           <a:srgbClr val="000000"/>
         </a:buClr>
         <a:buFont typeface="Arial"/>
-        <a:defRPr b="0" i="0" sz="1400" u="none" cap="none" strike="noStrike">
+        <a:defRPr sz="1400" b="0" i="0" u="none" strike="noStrike" cap="none">
           <a:solidFill>
             <a:srgbClr val="000000"/>
           </a:solidFill>
@@ -6375,7 +6556,7 @@
           <a:sym typeface="Arial"/>
         </a:defRPr>
       </a:lvl3pPr>
-      <a:lvl4pPr lvl="3" marR="0" rtl="0" algn="l">
+      <a:lvl4pPr marR="0" lvl="3" algn="l" rtl="0">
         <a:lnSpc>
           <a:spcPct val="100000"/>
         </a:lnSpc>
@@ -6389,7 +6570,7 @@
           <a:srgbClr val="000000"/>
         </a:buClr>
         <a:buFont typeface="Arial"/>
-        <a:defRPr b="0" i="0" sz="1400" u="none" cap="none" strike="noStrike">
+        <a:defRPr sz="1400" b="0" i="0" u="none" strike="noStrike" cap="none">
           <a:solidFill>
             <a:srgbClr val="000000"/>
           </a:solidFill>
@@ -6399,7 +6580,7 @@
           <a:sym typeface="Arial"/>
         </a:defRPr>
       </a:lvl4pPr>
-      <a:lvl5pPr lvl="4" marR="0" rtl="0" algn="l">
+      <a:lvl5pPr marR="0" lvl="4" algn="l" rtl="0">
         <a:lnSpc>
           <a:spcPct val="100000"/>
         </a:lnSpc>
@@ -6413,7 +6594,7 @@
           <a:srgbClr val="000000"/>
         </a:buClr>
         <a:buFont typeface="Arial"/>
-        <a:defRPr b="0" i="0" sz="1400" u="none" cap="none" strike="noStrike">
+        <a:defRPr sz="1400" b="0" i="0" u="none" strike="noStrike" cap="none">
           <a:solidFill>
             <a:srgbClr val="000000"/>
           </a:solidFill>
@@ -6423,7 +6604,7 @@
           <a:sym typeface="Arial"/>
         </a:defRPr>
       </a:lvl5pPr>
-      <a:lvl6pPr lvl="5" marR="0" rtl="0" algn="l">
+      <a:lvl6pPr marR="0" lvl="5" algn="l" rtl="0">
         <a:lnSpc>
           <a:spcPct val="100000"/>
         </a:lnSpc>
@@ -6437,7 +6618,7 @@
           <a:srgbClr val="000000"/>
         </a:buClr>
         <a:buFont typeface="Arial"/>
-        <a:defRPr b="0" i="0" sz="1400" u="none" cap="none" strike="noStrike">
+        <a:defRPr sz="1400" b="0" i="0" u="none" strike="noStrike" cap="none">
           <a:solidFill>
             <a:srgbClr val="000000"/>
           </a:solidFill>
@@ -6447,7 +6628,7 @@
           <a:sym typeface="Arial"/>
         </a:defRPr>
       </a:lvl6pPr>
-      <a:lvl7pPr lvl="6" marR="0" rtl="0" algn="l">
+      <a:lvl7pPr marR="0" lvl="6" algn="l" rtl="0">
         <a:lnSpc>
           <a:spcPct val="100000"/>
         </a:lnSpc>
@@ -6461,7 +6642,7 @@
           <a:srgbClr val="000000"/>
         </a:buClr>
         <a:buFont typeface="Arial"/>
-        <a:defRPr b="0" i="0" sz="1400" u="none" cap="none" strike="noStrike">
+        <a:defRPr sz="1400" b="0" i="0" u="none" strike="noStrike" cap="none">
           <a:solidFill>
             <a:srgbClr val="000000"/>
           </a:solidFill>
@@ -6471,7 +6652,7 @@
           <a:sym typeface="Arial"/>
         </a:defRPr>
       </a:lvl7pPr>
-      <a:lvl8pPr lvl="7" marR="0" rtl="0" algn="l">
+      <a:lvl8pPr marR="0" lvl="7" algn="l" rtl="0">
         <a:lnSpc>
           <a:spcPct val="100000"/>
         </a:lnSpc>
@@ -6485,7 +6666,7 @@
           <a:srgbClr val="000000"/>
         </a:buClr>
         <a:buFont typeface="Arial"/>
-        <a:defRPr b="0" i="0" sz="1400" u="none" cap="none" strike="noStrike">
+        <a:defRPr sz="1400" b="0" i="0" u="none" strike="noStrike" cap="none">
           <a:solidFill>
             <a:srgbClr val="000000"/>
           </a:solidFill>
@@ -6495,7 +6676,7 @@
           <a:sym typeface="Arial"/>
         </a:defRPr>
       </a:lvl8pPr>
-      <a:lvl9pPr lvl="8" marR="0" rtl="0" algn="l">
+      <a:lvl9pPr marR="0" lvl="8" algn="l" rtl="0">
         <a:lnSpc>
           <a:spcPct val="100000"/>
         </a:lnSpc>
@@ -6509,7 +6690,7 @@
           <a:srgbClr val="000000"/>
         </a:buClr>
         <a:buFont typeface="Arial"/>
-        <a:defRPr b="0" i="0" sz="1400" u="none" cap="none" strike="noStrike">
+        <a:defRPr sz="1400" b="0" i="0" u="none" strike="noStrike" cap="none">
           <a:solidFill>
             <a:srgbClr val="000000"/>
           </a:solidFill>
@@ -6525,11 +6706,11 @@
 </file>
 
 <file path=ppt/slides/slide1.xml><?xml version="1.0" encoding="utf-8"?>
-<p:sld xmlns:a="http://schemas.openxmlformats.org/drawingml/2006/main" xmlns:r="http://schemas.openxmlformats.org/officeDocument/2006/relationships" xmlns:mc="http://schemas.openxmlformats.org/markup-compatibility/2006" xmlns:mv="urn:schemas-microsoft-com:mac:vml" xmlns:p="http://schemas.openxmlformats.org/presentationml/2006/main" xmlns:c="http://schemas.openxmlformats.org/drawingml/2006/chart" xmlns:dgm="http://schemas.openxmlformats.org/drawingml/2006/diagram" xmlns:o="urn:schemas-microsoft-com:office:office" xmlns:v="urn:schemas-microsoft-com:vml" xmlns:pvml="urn:schemas-microsoft-com:office:powerpoint" xmlns:com="http://schemas.openxmlformats.org/drawingml/2006/compatibility" xmlns:p14="http://schemas.microsoft.com/office/powerpoint/2010/main" xmlns:p15="http://schemas.microsoft.com/office/powerpoint/2012/main" xmlns:ahyp="http://schemas.microsoft.com/office/drawing/2018/hyperlinkcolor">
+<p:sld xmlns:a="http://schemas.openxmlformats.org/drawingml/2006/main" xmlns:r="http://schemas.openxmlformats.org/officeDocument/2006/relationships" xmlns:p="http://schemas.openxmlformats.org/presentationml/2006/main">
   <p:cSld>
     <p:spTree>
       <p:nvGrpSpPr>
-        <p:cNvPr id="53" name="Shape 53"/>
+        <p:cNvPr id="1" name="Shape 53"/>
         <p:cNvGrpSpPr/>
         <p:nvPr/>
       </p:nvGrpSpPr>
@@ -6544,7 +6725,9 @@
       <p:sp>
         <p:nvSpPr>
           <p:cNvPr id="54" name="Google Shape;54;p13"/>
-          <p:cNvSpPr txBox="1"/>
+          <p:cNvSpPr txBox="1">
+            <a:spLocks noGrp="1"/>
+          </p:cNvSpPr>
           <p:nvPr>
             <p:ph type="ctrTitle"/>
           </p:nvPr>
@@ -6559,12 +6742,12 @@
           </a:prstGeom>
         </p:spPr>
         <p:txBody>
-          <a:bodyPr anchorCtr="0" anchor="b" bIns="91425" lIns="91425" spcFirstLastPara="1" rIns="91425" wrap="square" tIns="91425">
+          <a:bodyPr spcFirstLastPara="1" wrap="square" lIns="91425" tIns="91425" rIns="91425" bIns="91425" anchor="b" anchorCtr="0">
             <a:noAutofit/>
           </a:bodyPr>
           <a:lstStyle/>
           <a:p>
-            <a:pPr indent="0" lvl="0" marL="0" rtl="0" algn="ctr">
+            <a:pPr marL="0" lvl="0" indent="0" algn="ctr" rtl="0">
               <a:spcBef>
                 <a:spcPts val="0"/>
               </a:spcBef>
@@ -6591,7 +6774,7 @@
             </a:endParaRPr>
           </a:p>
           <a:p>
-            <a:pPr indent="0" lvl="0" marL="0" rtl="0" algn="ctr">
+            <a:pPr marL="0" lvl="0" indent="0" algn="ctr" rtl="0">
               <a:spcBef>
                 <a:spcPts val="0"/>
               </a:spcBef>
@@ -6622,9 +6805,11 @@
       <p:sp>
         <p:nvSpPr>
           <p:cNvPr id="55" name="Google Shape;55;p13"/>
-          <p:cNvSpPr txBox="1"/>
+          <p:cNvSpPr txBox="1">
+            <a:spLocks noGrp="1"/>
+          </p:cNvSpPr>
           <p:nvPr>
-            <p:ph idx="1" type="subTitle"/>
+            <p:ph type="subTitle" idx="1"/>
           </p:nvPr>
         </p:nvSpPr>
         <p:spPr>
@@ -6637,12 +6822,12 @@
           </a:prstGeom>
         </p:spPr>
         <p:txBody>
-          <a:bodyPr anchorCtr="0" anchor="t" bIns="91425" lIns="91425" spcFirstLastPara="1" rIns="91425" wrap="square" tIns="91425">
+          <a:bodyPr spcFirstLastPara="1" wrap="square" lIns="91425" tIns="91425" rIns="91425" bIns="91425" anchor="t" anchorCtr="0">
             <a:normAutofit/>
           </a:bodyPr>
           <a:lstStyle/>
           <a:p>
-            <a:pPr indent="0" lvl="0" marL="0" rtl="0" algn="ctr">
+            <a:pPr marL="0" lvl="0" indent="0" algn="ctr" rtl="0">
               <a:spcBef>
                 <a:spcPts val="0"/>
               </a:spcBef>
@@ -6678,11 +6863,11 @@
 </file>
 
 <file path=ppt/slides/slide10.xml><?xml version="1.0" encoding="utf-8"?>
-<p:sld xmlns:a="http://schemas.openxmlformats.org/drawingml/2006/main" xmlns:r="http://schemas.openxmlformats.org/officeDocument/2006/relationships" xmlns:mc="http://schemas.openxmlformats.org/markup-compatibility/2006" xmlns:mv="urn:schemas-microsoft-com:mac:vml" xmlns:p="http://schemas.openxmlformats.org/presentationml/2006/main" xmlns:c="http://schemas.openxmlformats.org/drawingml/2006/chart" xmlns:dgm="http://schemas.openxmlformats.org/drawingml/2006/diagram" xmlns:o="urn:schemas-microsoft-com:office:office" xmlns:v="urn:schemas-microsoft-com:vml" xmlns:pvml="urn:schemas-microsoft-com:office:powerpoint" xmlns:com="http://schemas.openxmlformats.org/drawingml/2006/compatibility" xmlns:p14="http://schemas.microsoft.com/office/powerpoint/2010/main" xmlns:p15="http://schemas.microsoft.com/office/powerpoint/2012/main" xmlns:ahyp="http://schemas.microsoft.com/office/drawing/2018/hyperlinkcolor">
+<p:sld xmlns:a="http://schemas.openxmlformats.org/drawingml/2006/main" xmlns:r="http://schemas.openxmlformats.org/officeDocument/2006/relationships" xmlns:p="http://schemas.openxmlformats.org/presentationml/2006/main">
   <p:cSld>
     <p:spTree>
       <p:nvGrpSpPr>
-        <p:cNvPr id="111" name="Shape 111"/>
+        <p:cNvPr id="1" name="Shape 111"/>
         <p:cNvGrpSpPr/>
         <p:nvPr/>
       </p:nvGrpSpPr>
@@ -6722,6 +6907,52 @@
           </a:ln>
         </p:spPr>
       </p:pic>
+      <p:sp>
+        <p:nvSpPr>
+          <p:cNvPr id="3" name="TextBox 2">
+            <a:extLst>
+              <a:ext uri="{FF2B5EF4-FFF2-40B4-BE49-F238E27FC236}">
+                <a16:creationId xmlns:a16="http://schemas.microsoft.com/office/drawing/2014/main" id="{E7E90E68-E15D-493E-9D63-823892EB7F7A}"/>
+              </a:ext>
+            </a:extLst>
+          </p:cNvPr>
+          <p:cNvSpPr txBox="1"/>
+          <p:nvPr/>
+        </p:nvSpPr>
+        <p:spPr>
+          <a:xfrm>
+            <a:off x="642173" y="200069"/>
+            <a:ext cx="4292795" cy="307777"/>
+          </a:xfrm>
+          <a:prstGeom prst="rect">
+            <a:avLst/>
+          </a:prstGeom>
+          <a:solidFill>
+            <a:schemeClr val="accent6">
+              <a:lumMod val="40000"/>
+              <a:lumOff val="60000"/>
+            </a:schemeClr>
+          </a:solidFill>
+        </p:spPr>
+        <p:txBody>
+          <a:bodyPr wrap="square" rtlCol="0">
+            <a:spAutoFit/>
+          </a:bodyPr>
+          <a:lstStyle/>
+          <a:p>
+            <a:r>
+              <a:rPr lang="en-US" dirty="0">
+                <a:solidFill>
+                  <a:schemeClr val="tx1"/>
+                </a:solidFill>
+                <a:latin typeface="Roboto Mono" panose="020B0604020202020204" charset="0"/>
+                <a:ea typeface="Roboto Mono" panose="020B0604020202020204" charset="0"/>
+              </a:rPr>
+              <a:t>Is it to use a hands-free device?</a:t>
+            </a:r>
+          </a:p>
+        </p:txBody>
+      </p:sp>
     </p:spTree>
   </p:cSld>
   <p:clrMapOvr>
@@ -6731,11 +6962,11 @@
 </file>
 
 <file path=ppt/slides/slide11.xml><?xml version="1.0" encoding="utf-8"?>
-<p:sld xmlns:a="http://schemas.openxmlformats.org/drawingml/2006/main" xmlns:r="http://schemas.openxmlformats.org/officeDocument/2006/relationships" xmlns:mc="http://schemas.openxmlformats.org/markup-compatibility/2006" xmlns:mv="urn:schemas-microsoft-com:mac:vml" xmlns:p="http://schemas.openxmlformats.org/presentationml/2006/main" xmlns:c="http://schemas.openxmlformats.org/drawingml/2006/chart" xmlns:dgm="http://schemas.openxmlformats.org/drawingml/2006/diagram" xmlns:o="urn:schemas-microsoft-com:office:office" xmlns:v="urn:schemas-microsoft-com:vml" xmlns:pvml="urn:schemas-microsoft-com:office:powerpoint" xmlns:com="http://schemas.openxmlformats.org/drawingml/2006/compatibility" xmlns:p14="http://schemas.microsoft.com/office/powerpoint/2010/main" xmlns:p15="http://schemas.microsoft.com/office/powerpoint/2012/main" xmlns:ahyp="http://schemas.microsoft.com/office/drawing/2018/hyperlinkcolor">
+<p:sld xmlns:a="http://schemas.openxmlformats.org/drawingml/2006/main" xmlns:r="http://schemas.openxmlformats.org/officeDocument/2006/relationships" xmlns:p="http://schemas.openxmlformats.org/presentationml/2006/main">
   <p:cSld>
     <p:spTree>
       <p:nvGrpSpPr>
-        <p:cNvPr id="116" name="Shape 116"/>
+        <p:cNvPr id="1" name="Shape 116"/>
         <p:cNvGrpSpPr/>
         <p:nvPr/>
       </p:nvGrpSpPr>
@@ -6750,7 +6981,9 @@
       <p:sp>
         <p:nvSpPr>
           <p:cNvPr id="117" name="Google Shape;117;p23"/>
-          <p:cNvSpPr txBox="1"/>
+          <p:cNvSpPr txBox="1">
+            <a:spLocks noGrp="1"/>
+          </p:cNvSpPr>
           <p:nvPr>
             <p:ph type="title"/>
           </p:nvPr>
@@ -6765,12 +6998,12 @@
           </a:prstGeom>
         </p:spPr>
         <p:txBody>
-          <a:bodyPr anchorCtr="0" anchor="t" bIns="91425" lIns="91425" spcFirstLastPara="1" rIns="91425" wrap="square" tIns="91425">
+          <a:bodyPr spcFirstLastPara="1" wrap="square" lIns="91425" tIns="91425" rIns="91425" bIns="91425" anchor="t" anchorCtr="0">
             <a:normAutofit fontScale="90000"/>
           </a:bodyPr>
           <a:lstStyle/>
           <a:p>
-            <a:pPr indent="0" lvl="0" marL="0" rtl="0" algn="l">
+            <a:pPr marL="0" lvl="0" indent="0" algn="l" rtl="0">
               <a:spcBef>
                 <a:spcPts val="0"/>
               </a:spcBef>
@@ -6806,9 +7039,11 @@
       <p:sp>
         <p:nvSpPr>
           <p:cNvPr id="118" name="Google Shape;118;p23"/>
-          <p:cNvSpPr txBox="1"/>
+          <p:cNvSpPr txBox="1">
+            <a:spLocks noGrp="1"/>
+          </p:cNvSpPr>
           <p:nvPr>
-            <p:ph idx="1" type="body"/>
+            <p:ph type="body" idx="1"/>
           </p:nvPr>
         </p:nvSpPr>
         <p:spPr>
@@ -6821,12 +7056,12 @@
           </a:prstGeom>
         </p:spPr>
         <p:txBody>
-          <a:bodyPr anchorCtr="0" anchor="t" bIns="91425" lIns="91425" spcFirstLastPara="1" rIns="91425" wrap="square" tIns="91425">
+          <a:bodyPr spcFirstLastPara="1" wrap="square" lIns="91425" tIns="91425" rIns="91425" bIns="91425" anchor="t" anchorCtr="0">
             <a:normAutofit/>
           </a:bodyPr>
           <a:lstStyle/>
           <a:p>
-            <a:pPr indent="-342900" lvl="0" marL="457200" rtl="0" algn="l">
+            <a:pPr marL="457200" lvl="0" indent="-342900" algn="l" rtl="0">
               <a:spcBef>
                 <a:spcPts val="0"/>
               </a:spcBef>
@@ -6838,7 +7073,7 @@
               <a:buChar char="-"/>
             </a:pPr>
             <a:r>
-              <a:rPr lang="en">
+              <a:rPr lang="en" dirty="0">
                 <a:highlight>
                   <a:srgbClr val="A4C2F4"/>
                 </a:highlight>
@@ -6847,9 +7082,21 @@
                 <a:cs typeface="Roboto Mono"/>
                 <a:sym typeface="Roboto Mono"/>
               </a:rPr>
-              <a:t>The data shows that there is little to no correlation between the addition of the light rail system and the awareness of the drivers in the nearby counties</a:t>
+              <a:t>The data shows that generally, the residents </a:t>
             </a:r>
-            <a:endParaRPr>
+            <a:r>
+              <a:rPr lang="en-US" dirty="0">
+                <a:highlight>
+                  <a:srgbClr val="A4C2F4"/>
+                </a:highlight>
+                <a:latin typeface="Roboto Mono"/>
+                <a:ea typeface="Roboto Mono"/>
+                <a:cs typeface="Roboto Mono"/>
+                <a:sym typeface="Roboto Mono"/>
+              </a:rPr>
+              <a:t>living in zip codes closer to the Link Light Rail, have less knowledge regarding the new law put in place. </a:t>
+            </a:r>
+            <a:endParaRPr dirty="0">
               <a:highlight>
                 <a:srgbClr val="A4C2F4"/>
               </a:highlight>
@@ -6860,19 +7107,30 @@
             </a:endParaRPr>
           </a:p>
           <a:p>
-            <a:pPr indent="0" lvl="0" marL="0" rtl="0" algn="l">
+            <a:pPr marL="457200" lvl="0" indent="-342900" algn="l" rtl="0">
               <a:spcBef>
                 <a:spcPts val="1200"/>
               </a:spcBef>
               <a:spcAft>
                 <a:spcPts val="0"/>
               </a:spcAft>
-              <a:buNone/>
+              <a:buSzPts val="1800"/>
+              <a:buFont typeface="Roboto Mono"/>
+              <a:buChar char="-"/>
             </a:pPr>
             <a:r>
-              <a:t/>
+              <a:rPr lang="en" dirty="0">
+                <a:highlight>
+                  <a:srgbClr val="A4C2F4"/>
+                </a:highlight>
+                <a:latin typeface="Roboto Mono"/>
+                <a:ea typeface="Roboto Mono"/>
+                <a:cs typeface="Roboto Mono"/>
+                <a:sym typeface="Roboto Mono"/>
+              </a:rPr>
+              <a:t>There does appear to be a correlation where the OVERALL awareness of the drivers decreases</a:t>
             </a:r>
-            <a:endParaRPr>
+            <a:endParaRPr dirty="0">
               <a:highlight>
                 <a:srgbClr val="A4C2F4"/>
               </a:highlight>
@@ -6883,19 +7141,19 @@
             </a:endParaRPr>
           </a:p>
           <a:p>
-            <a:pPr indent="-342900" lvl="0" marL="457200" rtl="0" algn="l">
-              <a:spcBef>
-                <a:spcPts val="1200"/>
-              </a:spcBef>
-              <a:spcAft>
-                <a:spcPts val="0"/>
-              </a:spcAft>
-              <a:buSzPts val="1800"/>
+            <a:pPr marL="914400" lvl="1" indent="-317500" algn="l" rtl="0">
+              <a:spcBef>
+                <a:spcPts val="0"/>
+              </a:spcBef>
+              <a:spcAft>
+                <a:spcPts val="0"/>
+              </a:spcAft>
+              <a:buSzPts val="1400"/>
               <a:buFont typeface="Roboto Mono"/>
               <a:buChar char="-"/>
             </a:pPr>
             <a:r>
-              <a:rPr lang="en">
+              <a:rPr lang="en" dirty="0">
                 <a:highlight>
                   <a:srgbClr val="A4C2F4"/>
                 </a:highlight>
@@ -6904,9 +7162,9 @@
                 <a:cs typeface="Roboto Mono"/>
                 <a:sym typeface="Roboto Mono"/>
               </a:rPr>
-              <a:t>There does appear to be a correlation where the OVERALL awareness of the drivers decreases</a:t>
+              <a:t>COVID?</a:t>
             </a:r>
-            <a:endParaRPr>
+            <a:endParaRPr dirty="0">
               <a:highlight>
                 <a:srgbClr val="A4C2F4"/>
               </a:highlight>
@@ -6917,53 +7175,16 @@
             </a:endParaRPr>
           </a:p>
           <a:p>
-            <a:pPr indent="-317500" lvl="1" marL="914400" rtl="0" algn="l">
-              <a:spcBef>
-                <a:spcPts val="0"/>
-              </a:spcBef>
-              <a:spcAft>
-                <a:spcPts val="0"/>
-              </a:spcAft>
-              <a:buSzPts val="1400"/>
-              <a:buFont typeface="Roboto Mono"/>
-              <a:buChar char="-"/>
+            <a:pPr marL="0" lvl="0" indent="0" algn="l" rtl="0">
+              <a:spcBef>
+                <a:spcPts val="1200"/>
+              </a:spcBef>
+              <a:spcAft>
+                <a:spcPts val="1200"/>
+              </a:spcAft>
+              <a:buNone/>
             </a:pPr>
-            <a:r>
-              <a:rPr lang="en">
-                <a:highlight>
-                  <a:srgbClr val="A4C2F4"/>
-                </a:highlight>
-                <a:latin typeface="Roboto Mono"/>
-                <a:ea typeface="Roboto Mono"/>
-                <a:cs typeface="Roboto Mono"/>
-                <a:sym typeface="Roboto Mono"/>
-              </a:rPr>
-              <a:t>COVID?</a:t>
-            </a:r>
-            <a:endParaRPr>
-              <a:highlight>
-                <a:srgbClr val="A4C2F4"/>
-              </a:highlight>
-              <a:latin typeface="Roboto Mono"/>
-              <a:ea typeface="Roboto Mono"/>
-              <a:cs typeface="Roboto Mono"/>
-              <a:sym typeface="Roboto Mono"/>
-            </a:endParaRPr>
-          </a:p>
-          <a:p>
-            <a:pPr indent="0" lvl="0" marL="0" rtl="0" algn="l">
-              <a:spcBef>
-                <a:spcPts val="1200"/>
-              </a:spcBef>
-              <a:spcAft>
-                <a:spcPts val="1200"/>
-              </a:spcAft>
-              <a:buNone/>
-            </a:pPr>
-            <a:r>
-              <a:t/>
-            </a:r>
-            <a:endParaRPr>
+            <a:endParaRPr dirty="0">
               <a:latin typeface="Roboto Mono"/>
               <a:ea typeface="Roboto Mono"/>
               <a:cs typeface="Roboto Mono"/>
@@ -6981,11 +7202,11 @@
 </file>
 
 <file path=ppt/slides/slide2.xml><?xml version="1.0" encoding="utf-8"?>
-<p:sld xmlns:a="http://schemas.openxmlformats.org/drawingml/2006/main" xmlns:r="http://schemas.openxmlformats.org/officeDocument/2006/relationships" xmlns:mc="http://schemas.openxmlformats.org/markup-compatibility/2006" xmlns:mv="urn:schemas-microsoft-com:mac:vml" xmlns:p="http://schemas.openxmlformats.org/presentationml/2006/main" xmlns:c="http://schemas.openxmlformats.org/drawingml/2006/chart" xmlns:dgm="http://schemas.openxmlformats.org/drawingml/2006/diagram" xmlns:o="urn:schemas-microsoft-com:office:office" xmlns:v="urn:schemas-microsoft-com:vml" xmlns:pvml="urn:schemas-microsoft-com:office:powerpoint" xmlns:com="http://schemas.openxmlformats.org/drawingml/2006/compatibility" xmlns:p14="http://schemas.microsoft.com/office/powerpoint/2010/main" xmlns:p15="http://schemas.microsoft.com/office/powerpoint/2012/main" xmlns:ahyp="http://schemas.microsoft.com/office/drawing/2018/hyperlinkcolor">
+<p:sld xmlns:a="http://schemas.openxmlformats.org/drawingml/2006/main" xmlns:r="http://schemas.openxmlformats.org/officeDocument/2006/relationships" xmlns:p="http://schemas.openxmlformats.org/presentationml/2006/main">
   <p:cSld>
     <p:spTree>
       <p:nvGrpSpPr>
-        <p:cNvPr id="59" name="Shape 59"/>
+        <p:cNvPr id="1" name="Shape 59"/>
         <p:cNvGrpSpPr/>
         <p:nvPr/>
       </p:nvGrpSpPr>
@@ -7000,7 +7221,9 @@
       <p:sp>
         <p:nvSpPr>
           <p:cNvPr id="60" name="Google Shape;60;p14"/>
-          <p:cNvSpPr txBox="1"/>
+          <p:cNvSpPr txBox="1">
+            <a:spLocks noGrp="1"/>
+          </p:cNvSpPr>
           <p:nvPr>
             <p:ph type="title"/>
           </p:nvPr>
@@ -7015,12 +7238,12 @@
           </a:prstGeom>
         </p:spPr>
         <p:txBody>
-          <a:bodyPr anchorCtr="0" anchor="t" bIns="91425" lIns="91425" spcFirstLastPara="1" rIns="91425" wrap="square" tIns="91425">
+          <a:bodyPr spcFirstLastPara="1" wrap="square" lIns="91425" tIns="91425" rIns="91425" bIns="91425" anchor="t" anchorCtr="0">
             <a:normAutofit fontScale="90000"/>
           </a:bodyPr>
           <a:lstStyle/>
           <a:p>
-            <a:pPr indent="0" lvl="0" marL="0" rtl="0" algn="ctr">
+            <a:pPr marL="0" lvl="0" indent="0" algn="ctr" rtl="0">
               <a:spcBef>
                 <a:spcPts val="0"/>
               </a:spcBef>
@@ -7056,9 +7279,11 @@
       <p:sp>
         <p:nvSpPr>
           <p:cNvPr id="61" name="Google Shape;61;p14"/>
-          <p:cNvSpPr txBox="1"/>
+          <p:cNvSpPr txBox="1">
+            <a:spLocks noGrp="1"/>
+          </p:cNvSpPr>
           <p:nvPr>
-            <p:ph idx="1" type="body"/>
+            <p:ph type="body" idx="1"/>
           </p:nvPr>
         </p:nvSpPr>
         <p:spPr>
@@ -7071,12 +7296,12 @@
           </a:prstGeom>
         </p:spPr>
         <p:txBody>
-          <a:bodyPr anchorCtr="0" anchor="t" bIns="91425" lIns="91425" spcFirstLastPara="1" rIns="91425" wrap="square" tIns="91425">
+          <a:bodyPr spcFirstLastPara="1" wrap="square" lIns="91425" tIns="91425" rIns="91425" bIns="91425" anchor="t" anchorCtr="0">
             <a:normAutofit/>
           </a:bodyPr>
           <a:lstStyle/>
           <a:p>
-            <a:pPr indent="0" lvl="0" marL="0" rtl="0" algn="l">
+            <a:pPr marL="0" lvl="0" indent="0" algn="l" rtl="0">
               <a:spcBef>
                 <a:spcPts val="0"/>
               </a:spcBef>
@@ -7108,7 +7333,7 @@
             </a:endParaRPr>
           </a:p>
           <a:p>
-            <a:pPr indent="0" lvl="0" marL="0" rtl="0" algn="l">
+            <a:pPr marL="0" lvl="0" indent="0" algn="l" rtl="0">
               <a:spcBef>
                 <a:spcPts val="1200"/>
               </a:spcBef>
@@ -7117,9 +7342,6 @@
               </a:spcAft>
               <a:buNone/>
             </a:pPr>
-            <a:r>
-              <a:t/>
-            </a:r>
             <a:endParaRPr/>
           </a:p>
         </p:txBody>
@@ -7189,11 +7411,11 @@
 </file>
 
 <file path=ppt/slides/slide3.xml><?xml version="1.0" encoding="utf-8"?>
-<p:sld xmlns:a="http://schemas.openxmlformats.org/drawingml/2006/main" xmlns:r="http://schemas.openxmlformats.org/officeDocument/2006/relationships" xmlns:mc="http://schemas.openxmlformats.org/markup-compatibility/2006" xmlns:mv="urn:schemas-microsoft-com:mac:vml" xmlns:p="http://schemas.openxmlformats.org/presentationml/2006/main" xmlns:c="http://schemas.openxmlformats.org/drawingml/2006/chart" xmlns:dgm="http://schemas.openxmlformats.org/drawingml/2006/diagram" xmlns:o="urn:schemas-microsoft-com:office:office" xmlns:v="urn:schemas-microsoft-com:vml" xmlns:pvml="urn:schemas-microsoft-com:office:powerpoint" xmlns:com="http://schemas.openxmlformats.org/drawingml/2006/compatibility" xmlns:p14="http://schemas.microsoft.com/office/powerpoint/2010/main" xmlns:p15="http://schemas.microsoft.com/office/powerpoint/2012/main" xmlns:ahyp="http://schemas.microsoft.com/office/drawing/2018/hyperlinkcolor">
+<p:sld xmlns:a="http://schemas.openxmlformats.org/drawingml/2006/main" xmlns:r="http://schemas.openxmlformats.org/officeDocument/2006/relationships" xmlns:p="http://schemas.openxmlformats.org/presentationml/2006/main">
   <p:cSld>
     <p:spTree>
       <p:nvGrpSpPr>
-        <p:cNvPr id="67" name="Shape 67"/>
+        <p:cNvPr id="1" name="Shape 67"/>
         <p:cNvGrpSpPr/>
         <p:nvPr/>
       </p:nvGrpSpPr>
@@ -7208,7 +7430,9 @@
       <p:sp>
         <p:nvSpPr>
           <p:cNvPr id="68" name="Google Shape;68;p15"/>
-          <p:cNvSpPr txBox="1"/>
+          <p:cNvSpPr txBox="1">
+            <a:spLocks noGrp="1"/>
+          </p:cNvSpPr>
           <p:nvPr>
             <p:ph type="title"/>
           </p:nvPr>
@@ -7223,12 +7447,12 @@
           </a:prstGeom>
         </p:spPr>
         <p:txBody>
-          <a:bodyPr anchorCtr="0" anchor="t" bIns="91425" lIns="91425" spcFirstLastPara="1" rIns="91425" wrap="square" tIns="91425">
+          <a:bodyPr spcFirstLastPara="1" wrap="square" lIns="91425" tIns="91425" rIns="91425" bIns="91425" anchor="t" anchorCtr="0">
             <a:normAutofit fontScale="90000"/>
           </a:bodyPr>
           <a:lstStyle/>
           <a:p>
-            <a:pPr indent="0" lvl="0" marL="0" rtl="0" algn="l">
+            <a:pPr marL="0" lvl="0" indent="0" algn="l" rtl="0">
               <a:spcBef>
                 <a:spcPts val="0"/>
               </a:spcBef>
@@ -7238,7 +7462,7 @@
               <a:buNone/>
             </a:pPr>
             <a:r>
-              <a:rPr lang="en">
+              <a:rPr lang="en" dirty="0">
                 <a:highlight>
                   <a:srgbClr val="FFE599"/>
                 </a:highlight>
@@ -7249,7 +7473,7 @@
               </a:rPr>
               <a:t>Light Rail System</a:t>
             </a:r>
-            <a:endParaRPr>
+            <a:endParaRPr dirty="0">
               <a:highlight>
                 <a:srgbClr val="FFE599"/>
               </a:highlight>
@@ -7264,9 +7488,11 @@
       <p:sp>
         <p:nvSpPr>
           <p:cNvPr id="69" name="Google Shape;69;p15"/>
-          <p:cNvSpPr txBox="1"/>
+          <p:cNvSpPr txBox="1">
+            <a:spLocks noGrp="1"/>
+          </p:cNvSpPr>
           <p:nvPr>
-            <p:ph idx="1" type="body"/>
+            <p:ph type="body" idx="1"/>
           </p:nvPr>
         </p:nvSpPr>
         <p:spPr>
@@ -7279,12 +7505,12 @@
           </a:prstGeom>
         </p:spPr>
         <p:txBody>
-          <a:bodyPr anchorCtr="0" anchor="t" bIns="91425" lIns="91425" spcFirstLastPara="1" rIns="91425" wrap="square" tIns="91425">
+          <a:bodyPr spcFirstLastPara="1" wrap="square" lIns="91425" tIns="91425" rIns="91425" bIns="91425" anchor="t" anchorCtr="0">
             <a:normAutofit/>
           </a:bodyPr>
           <a:lstStyle/>
           <a:p>
-            <a:pPr indent="0" lvl="0" marL="0" rtl="0" algn="l">
+            <a:pPr marL="0" lvl="0" indent="0" algn="l" rtl="0">
               <a:spcBef>
                 <a:spcPts val="0"/>
               </a:spcBef>
@@ -7293,10 +7519,7 @@
               </a:spcAft>
               <a:buNone/>
             </a:pPr>
-            <a:r>
-              <a:t/>
-            </a:r>
-            <a:endParaRPr/>
+            <a:endParaRPr dirty="0"/>
           </a:p>
         </p:txBody>
       </p:sp>
@@ -7356,6 +7579,52 @@
           </a:ln>
         </p:spPr>
       </p:pic>
+      <p:sp>
+        <p:nvSpPr>
+          <p:cNvPr id="2" name="Oval 1">
+            <a:extLst>
+              <a:ext uri="{FF2B5EF4-FFF2-40B4-BE49-F238E27FC236}">
+                <a16:creationId xmlns:a16="http://schemas.microsoft.com/office/drawing/2014/main" id="{44160A6B-F2B3-4123-94CF-E18E3D1F280B}"/>
+              </a:ext>
+            </a:extLst>
+          </p:cNvPr>
+          <p:cNvSpPr/>
+          <p:nvPr/>
+        </p:nvSpPr>
+        <p:spPr>
+          <a:xfrm>
+            <a:off x="1123804" y="1224625"/>
+            <a:ext cx="1144745" cy="2766400"/>
+          </a:xfrm>
+          <a:prstGeom prst="ellipse">
+            <a:avLst/>
+          </a:prstGeom>
+          <a:noFill/>
+          <a:ln w="38100"/>
+        </p:spPr>
+        <p:style>
+          <a:lnRef idx="1">
+            <a:schemeClr val="dk1"/>
+          </a:lnRef>
+          <a:fillRef idx="3">
+            <a:schemeClr val="dk1"/>
+          </a:fillRef>
+          <a:effectRef idx="2">
+            <a:schemeClr val="dk1"/>
+          </a:effectRef>
+          <a:fontRef idx="minor">
+            <a:schemeClr val="lt1"/>
+          </a:fontRef>
+        </p:style>
+        <p:txBody>
+          <a:bodyPr rtlCol="0" anchor="ctr"/>
+          <a:lstStyle/>
+          <a:p>
+            <a:pPr algn="ctr"/>
+            <a:endParaRPr lang="en-US"/>
+          </a:p>
+        </p:txBody>
+      </p:sp>
     </p:spTree>
   </p:cSld>
   <p:clrMapOvr>
@@ -7365,11 +7634,11 @@
 </file>
 
 <file path=ppt/slides/slide4.xml><?xml version="1.0" encoding="utf-8"?>
-<p:sld xmlns:a="http://schemas.openxmlformats.org/drawingml/2006/main" xmlns:r="http://schemas.openxmlformats.org/officeDocument/2006/relationships" xmlns:mc="http://schemas.openxmlformats.org/markup-compatibility/2006" xmlns:mv="urn:schemas-microsoft-com:mac:vml" xmlns:p="http://schemas.openxmlformats.org/presentationml/2006/main" xmlns:c="http://schemas.openxmlformats.org/drawingml/2006/chart" xmlns:dgm="http://schemas.openxmlformats.org/drawingml/2006/diagram" xmlns:o="urn:schemas-microsoft-com:office:office" xmlns:v="urn:schemas-microsoft-com:vml" xmlns:pvml="urn:schemas-microsoft-com:office:powerpoint" xmlns:com="http://schemas.openxmlformats.org/drawingml/2006/compatibility" xmlns:p14="http://schemas.microsoft.com/office/powerpoint/2010/main" xmlns:p15="http://schemas.microsoft.com/office/powerpoint/2012/main" xmlns:ahyp="http://schemas.microsoft.com/office/drawing/2018/hyperlinkcolor">
+<p:sld xmlns:a="http://schemas.openxmlformats.org/drawingml/2006/main" xmlns:r="http://schemas.openxmlformats.org/officeDocument/2006/relationships" xmlns:p="http://schemas.openxmlformats.org/presentationml/2006/main">
   <p:cSld>
     <p:spTree>
       <p:nvGrpSpPr>
-        <p:cNvPr id="75" name="Shape 75"/>
+        <p:cNvPr id="1" name="Shape 75"/>
         <p:cNvGrpSpPr/>
         <p:nvPr/>
       </p:nvGrpSpPr>
@@ -7384,7 +7653,9 @@
       <p:sp>
         <p:nvSpPr>
           <p:cNvPr id="76" name="Google Shape;76;p16"/>
-          <p:cNvSpPr txBox="1"/>
+          <p:cNvSpPr txBox="1">
+            <a:spLocks noGrp="1"/>
+          </p:cNvSpPr>
           <p:nvPr>
             <p:ph type="title"/>
           </p:nvPr>
@@ -7399,12 +7670,12 @@
           </a:prstGeom>
         </p:spPr>
         <p:txBody>
-          <a:bodyPr anchorCtr="0" anchor="t" bIns="91425" lIns="91425" spcFirstLastPara="1" rIns="91425" wrap="square" tIns="91425">
+          <a:bodyPr spcFirstLastPara="1" wrap="square" lIns="91425" tIns="91425" rIns="91425" bIns="91425" anchor="t" anchorCtr="0">
             <a:normAutofit fontScale="90000"/>
           </a:bodyPr>
           <a:lstStyle/>
           <a:p>
-            <a:pPr indent="0" lvl="0" marL="0" rtl="0" algn="l">
+            <a:pPr marL="0" lvl="0" indent="0" algn="l" rtl="0">
               <a:spcBef>
                 <a:spcPts val="0"/>
               </a:spcBef>
@@ -7440,9 +7711,11 @@
       <p:sp>
         <p:nvSpPr>
           <p:cNvPr id="77" name="Google Shape;77;p16"/>
-          <p:cNvSpPr txBox="1"/>
+          <p:cNvSpPr txBox="1">
+            <a:spLocks noGrp="1"/>
+          </p:cNvSpPr>
           <p:nvPr>
-            <p:ph idx="1" type="body"/>
+            <p:ph type="body" idx="1"/>
           </p:nvPr>
         </p:nvSpPr>
         <p:spPr>
@@ -7455,12 +7728,12 @@
           </a:prstGeom>
         </p:spPr>
         <p:txBody>
-          <a:bodyPr anchorCtr="0" anchor="t" bIns="91425" lIns="91425" spcFirstLastPara="1" rIns="91425" wrap="square" tIns="91425">
+          <a:bodyPr spcFirstLastPara="1" wrap="square" lIns="91425" tIns="91425" rIns="91425" bIns="91425" anchor="t" anchorCtr="0">
             <a:normAutofit/>
           </a:bodyPr>
           <a:lstStyle/>
           <a:p>
-            <a:pPr indent="-342900" lvl="0" marL="457200" rtl="0" algn="l">
+            <a:pPr marL="457200" lvl="0" indent="-342900" algn="l" rtl="0">
               <a:spcBef>
                 <a:spcPts val="0"/>
               </a:spcBef>
@@ -7494,7 +7767,7 @@
             </a:endParaRPr>
           </a:p>
           <a:p>
-            <a:pPr indent="-342900" lvl="0" marL="457200" rtl="0" algn="l">
+            <a:pPr marL="457200" lvl="0" indent="-342900" algn="l" rtl="0">
               <a:spcBef>
                 <a:spcPts val="0"/>
               </a:spcBef>
@@ -7528,7 +7801,7 @@
             </a:endParaRPr>
           </a:p>
           <a:p>
-            <a:pPr indent="0" lvl="0" marL="457200" rtl="0" algn="l">
+            <a:pPr marL="457200" lvl="0" indent="0" algn="l" rtl="0">
               <a:spcBef>
                 <a:spcPts val="1200"/>
               </a:spcBef>
@@ -7537,9 +7810,6 @@
               </a:spcAft>
               <a:buNone/>
             </a:pPr>
-            <a:r>
-              <a:t/>
-            </a:r>
             <a:endParaRPr/>
           </a:p>
         </p:txBody>
@@ -7553,11 +7823,11 @@
 </file>
 
 <file path=ppt/slides/slide5.xml><?xml version="1.0" encoding="utf-8"?>
-<p:sld xmlns:a="http://schemas.openxmlformats.org/drawingml/2006/main" xmlns:r="http://schemas.openxmlformats.org/officeDocument/2006/relationships" xmlns:mc="http://schemas.openxmlformats.org/markup-compatibility/2006" xmlns:mv="urn:schemas-microsoft-com:mac:vml" xmlns:p="http://schemas.openxmlformats.org/presentationml/2006/main" xmlns:c="http://schemas.openxmlformats.org/drawingml/2006/chart" xmlns:dgm="http://schemas.openxmlformats.org/drawingml/2006/diagram" xmlns:o="urn:schemas-microsoft-com:office:office" xmlns:v="urn:schemas-microsoft-com:vml" xmlns:pvml="urn:schemas-microsoft-com:office:powerpoint" xmlns:com="http://schemas.openxmlformats.org/drawingml/2006/compatibility" xmlns:p14="http://schemas.microsoft.com/office/powerpoint/2010/main" xmlns:p15="http://schemas.microsoft.com/office/powerpoint/2012/main" xmlns:ahyp="http://schemas.microsoft.com/office/drawing/2018/hyperlinkcolor">
+<p:sld xmlns:a="http://schemas.openxmlformats.org/drawingml/2006/main" xmlns:r="http://schemas.openxmlformats.org/officeDocument/2006/relationships" xmlns:p="http://schemas.openxmlformats.org/presentationml/2006/main">
   <p:cSld>
     <p:spTree>
       <p:nvGrpSpPr>
-        <p:cNvPr id="81" name="Shape 81"/>
+        <p:cNvPr id="1" name="Shape 81"/>
         <p:cNvGrpSpPr/>
         <p:nvPr/>
       </p:nvGrpSpPr>
@@ -7572,7 +7842,9 @@
       <p:sp>
         <p:nvSpPr>
           <p:cNvPr id="82" name="Google Shape;82;p17"/>
-          <p:cNvSpPr txBox="1"/>
+          <p:cNvSpPr txBox="1">
+            <a:spLocks noGrp="1"/>
+          </p:cNvSpPr>
           <p:nvPr>
             <p:ph type="title"/>
           </p:nvPr>
@@ -7587,12 +7859,12 @@
           </a:prstGeom>
         </p:spPr>
         <p:txBody>
-          <a:bodyPr anchorCtr="0" anchor="t" bIns="91425" lIns="91425" spcFirstLastPara="1" rIns="91425" wrap="square" tIns="91425">
+          <a:bodyPr spcFirstLastPara="1" wrap="square" lIns="91425" tIns="91425" rIns="91425" bIns="91425" anchor="t" anchorCtr="0">
             <a:normAutofit fontScale="90000"/>
           </a:bodyPr>
           <a:lstStyle/>
           <a:p>
-            <a:pPr indent="0" lvl="0" marL="0" rtl="0" algn="l">
+            <a:pPr marL="0" lvl="0" indent="0" algn="l" rtl="0">
               <a:spcBef>
                 <a:spcPts val="0"/>
               </a:spcBef>
@@ -7628,9 +7900,11 @@
       <p:sp>
         <p:nvSpPr>
           <p:cNvPr id="83" name="Google Shape;83;p17"/>
-          <p:cNvSpPr txBox="1"/>
+          <p:cNvSpPr txBox="1">
+            <a:spLocks noGrp="1"/>
+          </p:cNvSpPr>
           <p:nvPr>
-            <p:ph idx="1" type="body"/>
+            <p:ph type="body" idx="1"/>
           </p:nvPr>
         </p:nvSpPr>
         <p:spPr>
@@ -7643,12 +7917,12 @@
           </a:prstGeom>
         </p:spPr>
         <p:txBody>
-          <a:bodyPr anchorCtr="0" anchor="t" bIns="91425" lIns="91425" spcFirstLastPara="1" rIns="91425" wrap="square" tIns="91425">
+          <a:bodyPr spcFirstLastPara="1" wrap="square" lIns="91425" tIns="91425" rIns="91425" bIns="91425" anchor="t" anchorCtr="0">
             <a:normAutofit/>
           </a:bodyPr>
           <a:lstStyle/>
           <a:p>
-            <a:pPr indent="0" lvl="0" marL="0" rtl="0" algn="l">
+            <a:pPr marL="0" lvl="0" indent="0" algn="l" rtl="0">
               <a:spcBef>
                 <a:spcPts val="0"/>
               </a:spcBef>
@@ -7680,7 +7954,7 @@
             </a:endParaRPr>
           </a:p>
           <a:p>
-            <a:pPr indent="-342900" lvl="0" marL="457200" rtl="0" algn="l">
+            <a:pPr marL="457200" lvl="0" indent="-342900" algn="l" rtl="0">
               <a:spcBef>
                 <a:spcPts val="1200"/>
               </a:spcBef>
@@ -7714,7 +7988,7 @@
             </a:endParaRPr>
           </a:p>
           <a:p>
-            <a:pPr indent="-342900" lvl="0" marL="457200" rtl="0" algn="l">
+            <a:pPr marL="457200" lvl="0" indent="-342900" algn="l" rtl="0">
               <a:spcBef>
                 <a:spcPts val="0"/>
               </a:spcBef>
@@ -7748,7 +8022,7 @@
             </a:endParaRPr>
           </a:p>
           <a:p>
-            <a:pPr indent="-342900" lvl="0" marL="457200" rtl="0" algn="l">
+            <a:pPr marL="457200" lvl="0" indent="-342900" algn="l" rtl="0">
               <a:spcBef>
                 <a:spcPts val="0"/>
               </a:spcBef>
@@ -7769,19 +8043,7 @@
                 <a:cs typeface="Roboto Mono"/>
                 <a:sym typeface="Roboto Mono"/>
               </a:rPr>
-              <a:t>Separated</a:t>
-            </a:r>
-            <a:r>
-              <a:rPr lang="en">
-                <a:highlight>
-                  <a:srgbClr val="A4C2F4"/>
-                </a:highlight>
-                <a:latin typeface="Roboto Mono"/>
-                <a:ea typeface="Roboto Mono"/>
-                <a:cs typeface="Roboto Mono"/>
-                <a:sym typeface="Roboto Mono"/>
-              </a:rPr>
-              <a:t> the data into groups</a:t>
+              <a:t>Separated the data into groups</a:t>
             </a:r>
             <a:endParaRPr>
               <a:highlight>
@@ -7794,7 +8056,7 @@
             </a:endParaRPr>
           </a:p>
           <a:p>
-            <a:pPr indent="-317500" lvl="1" marL="914400" rtl="0" algn="l">
+            <a:pPr marL="914400" lvl="1" indent="-317500" algn="l" rtl="0">
               <a:spcBef>
                 <a:spcPts val="0"/>
               </a:spcBef>
@@ -7828,7 +8090,7 @@
             </a:endParaRPr>
           </a:p>
           <a:p>
-            <a:pPr indent="-317500" lvl="1" marL="914400" rtl="0" algn="l">
+            <a:pPr marL="914400" lvl="1" indent="-317500" algn="l" rtl="0">
               <a:spcBef>
                 <a:spcPts val="0"/>
               </a:spcBef>
@@ -7862,7 +8124,7 @@
             </a:endParaRPr>
           </a:p>
           <a:p>
-            <a:pPr indent="-342900" lvl="0" marL="457200" rtl="0" algn="l">
+            <a:pPr marL="457200" lvl="0" indent="-342900" algn="l" rtl="0">
               <a:spcBef>
                 <a:spcPts val="0"/>
               </a:spcBef>
@@ -7898,11 +8160,11 @@
 </file>
 
 <file path=ppt/slides/slide6.xml><?xml version="1.0" encoding="utf-8"?>
-<p:sld xmlns:a="http://schemas.openxmlformats.org/drawingml/2006/main" xmlns:r="http://schemas.openxmlformats.org/officeDocument/2006/relationships" xmlns:mc="http://schemas.openxmlformats.org/markup-compatibility/2006" xmlns:mv="urn:schemas-microsoft-com:mac:vml" xmlns:p="http://schemas.openxmlformats.org/presentationml/2006/main" xmlns:c="http://schemas.openxmlformats.org/drawingml/2006/chart" xmlns:dgm="http://schemas.openxmlformats.org/drawingml/2006/diagram" xmlns:o="urn:schemas-microsoft-com:office:office" xmlns:v="urn:schemas-microsoft-com:vml" xmlns:pvml="urn:schemas-microsoft-com:office:powerpoint" xmlns:com="http://schemas.openxmlformats.org/drawingml/2006/compatibility" xmlns:p14="http://schemas.microsoft.com/office/powerpoint/2010/main" xmlns:p15="http://schemas.microsoft.com/office/powerpoint/2012/main" xmlns:ahyp="http://schemas.microsoft.com/office/drawing/2018/hyperlinkcolor">
+<p:sld xmlns:a="http://schemas.openxmlformats.org/drawingml/2006/main" xmlns:r="http://schemas.openxmlformats.org/officeDocument/2006/relationships" xmlns:p="http://schemas.openxmlformats.org/presentationml/2006/main">
   <p:cSld>
     <p:spTree>
       <p:nvGrpSpPr>
-        <p:cNvPr id="87" name="Shape 87"/>
+        <p:cNvPr id="1" name="Shape 87"/>
         <p:cNvGrpSpPr/>
         <p:nvPr/>
       </p:nvGrpSpPr>
@@ -7917,7 +8179,9 @@
       <p:sp>
         <p:nvSpPr>
           <p:cNvPr id="88" name="Google Shape;88;p18"/>
-          <p:cNvSpPr txBox="1"/>
+          <p:cNvSpPr txBox="1">
+            <a:spLocks noGrp="1"/>
+          </p:cNvSpPr>
           <p:nvPr>
             <p:ph type="title"/>
           </p:nvPr>
@@ -7932,12 +8196,12 @@
           </a:prstGeom>
         </p:spPr>
         <p:txBody>
-          <a:bodyPr anchorCtr="0" anchor="t" bIns="91425" lIns="91425" spcFirstLastPara="1" rIns="91425" wrap="square" tIns="91425">
+          <a:bodyPr spcFirstLastPara="1" wrap="square" lIns="91425" tIns="91425" rIns="91425" bIns="91425" anchor="t" anchorCtr="0">
             <a:normAutofit fontScale="90000"/>
           </a:bodyPr>
           <a:lstStyle/>
           <a:p>
-            <a:pPr indent="0" lvl="0" marL="0" rtl="0" algn="l">
+            <a:pPr marL="0" lvl="0" indent="0" algn="l" rtl="0">
               <a:spcBef>
                 <a:spcPts val="0"/>
               </a:spcBef>
@@ -7957,9 +8221,11 @@
       <p:sp>
         <p:nvSpPr>
           <p:cNvPr id="89" name="Google Shape;89;p18"/>
-          <p:cNvSpPr txBox="1"/>
+          <p:cNvSpPr txBox="1">
+            <a:spLocks noGrp="1"/>
+          </p:cNvSpPr>
           <p:nvPr>
-            <p:ph idx="1" type="body"/>
+            <p:ph type="body" idx="1"/>
           </p:nvPr>
         </p:nvSpPr>
         <p:spPr>
@@ -7972,12 +8238,12 @@
           </a:prstGeom>
         </p:spPr>
         <p:txBody>
-          <a:bodyPr anchorCtr="0" anchor="t" bIns="91425" lIns="91425" spcFirstLastPara="1" rIns="91425" wrap="square" tIns="91425">
+          <a:bodyPr spcFirstLastPara="1" wrap="square" lIns="91425" tIns="91425" rIns="91425" bIns="91425" anchor="t" anchorCtr="0">
             <a:normAutofit/>
           </a:bodyPr>
           <a:lstStyle/>
           <a:p>
-            <a:pPr indent="0" lvl="0" marL="0" rtl="0" algn="l">
+            <a:pPr marL="0" lvl="0" indent="0" algn="l" rtl="0">
               <a:spcBef>
                 <a:spcPts val="0"/>
               </a:spcBef>
@@ -7986,9 +8252,6 @@
               </a:spcAft>
               <a:buNone/>
             </a:pPr>
-            <a:r>
-              <a:t/>
-            </a:r>
             <a:endParaRPr/>
           </a:p>
         </p:txBody>
@@ -8021,6 +8284,52 @@
           </a:ln>
         </p:spPr>
       </p:pic>
+      <p:sp>
+        <p:nvSpPr>
+          <p:cNvPr id="2" name="TextBox 1">
+            <a:extLst>
+              <a:ext uri="{FF2B5EF4-FFF2-40B4-BE49-F238E27FC236}">
+                <a16:creationId xmlns:a16="http://schemas.microsoft.com/office/drawing/2014/main" id="{D01A5960-2E01-4102-8B00-8E36FBB5CB22}"/>
+              </a:ext>
+            </a:extLst>
+          </p:cNvPr>
+          <p:cNvSpPr txBox="1"/>
+          <p:nvPr/>
+        </p:nvSpPr>
+        <p:spPr>
+          <a:xfrm>
+            <a:off x="579352" y="137248"/>
+            <a:ext cx="4767446" cy="307777"/>
+          </a:xfrm>
+          <a:prstGeom prst="rect">
+            <a:avLst/>
+          </a:prstGeom>
+          <a:solidFill>
+            <a:schemeClr val="accent6">
+              <a:lumMod val="40000"/>
+              <a:lumOff val="60000"/>
+            </a:schemeClr>
+          </a:solidFill>
+        </p:spPr>
+        <p:txBody>
+          <a:bodyPr wrap="square" rtlCol="0">
+            <a:spAutoFit/>
+          </a:bodyPr>
+          <a:lstStyle/>
+          <a:p>
+            <a:r>
+              <a:rPr lang="en-US" dirty="0">
+                <a:solidFill>
+                  <a:schemeClr val="tx1"/>
+                </a:solidFill>
+                <a:latin typeface="Roboto Mono" panose="020B0604020202020204" charset="0"/>
+                <a:ea typeface="Roboto Mono" panose="020B0604020202020204" charset="0"/>
+              </a:rPr>
+              <a:t>Is it legal to type on a GPS while driving?</a:t>
+            </a:r>
+          </a:p>
+        </p:txBody>
+      </p:sp>
     </p:spTree>
   </p:cSld>
   <p:clrMapOvr>
@@ -8030,11 +8339,11 @@
 </file>
 
 <file path=ppt/slides/slide7.xml><?xml version="1.0" encoding="utf-8"?>
-<p:sld xmlns:a="http://schemas.openxmlformats.org/drawingml/2006/main" xmlns:r="http://schemas.openxmlformats.org/officeDocument/2006/relationships" xmlns:mc="http://schemas.openxmlformats.org/markup-compatibility/2006" xmlns:mv="urn:schemas-microsoft-com:mac:vml" xmlns:p="http://schemas.openxmlformats.org/presentationml/2006/main" xmlns:c="http://schemas.openxmlformats.org/drawingml/2006/chart" xmlns:dgm="http://schemas.openxmlformats.org/drawingml/2006/diagram" xmlns:o="urn:schemas-microsoft-com:office:office" xmlns:v="urn:schemas-microsoft-com:vml" xmlns:pvml="urn:schemas-microsoft-com:office:powerpoint" xmlns:com="http://schemas.openxmlformats.org/drawingml/2006/compatibility" xmlns:p14="http://schemas.microsoft.com/office/powerpoint/2010/main" xmlns:p15="http://schemas.microsoft.com/office/powerpoint/2012/main" xmlns:ahyp="http://schemas.microsoft.com/office/drawing/2018/hyperlinkcolor">
+<p:sld xmlns:a="http://schemas.openxmlformats.org/drawingml/2006/main" xmlns:r="http://schemas.openxmlformats.org/officeDocument/2006/relationships" xmlns:p="http://schemas.openxmlformats.org/presentationml/2006/main">
   <p:cSld>
     <p:spTree>
       <p:nvGrpSpPr>
-        <p:cNvPr id="94" name="Shape 94"/>
+        <p:cNvPr id="1" name="Shape 94"/>
         <p:cNvGrpSpPr/>
         <p:nvPr/>
       </p:nvGrpSpPr>
@@ -8074,6 +8383,52 @@
           </a:ln>
         </p:spPr>
       </p:pic>
+      <p:sp>
+        <p:nvSpPr>
+          <p:cNvPr id="3" name="TextBox 2">
+            <a:extLst>
+              <a:ext uri="{FF2B5EF4-FFF2-40B4-BE49-F238E27FC236}">
+                <a16:creationId xmlns:a16="http://schemas.microsoft.com/office/drawing/2014/main" id="{6E12DB31-32A6-41DD-92AD-75DF9EF152FE}"/>
+              </a:ext>
+            </a:extLst>
+          </p:cNvPr>
+          <p:cNvSpPr txBox="1"/>
+          <p:nvPr/>
+        </p:nvSpPr>
+        <p:spPr>
+          <a:xfrm>
+            <a:off x="788756" y="276851"/>
+            <a:ext cx="5018731" cy="307777"/>
+          </a:xfrm>
+          <a:prstGeom prst="rect">
+            <a:avLst/>
+          </a:prstGeom>
+          <a:solidFill>
+            <a:schemeClr val="accent6">
+              <a:lumMod val="40000"/>
+              <a:lumOff val="60000"/>
+            </a:schemeClr>
+          </a:solidFill>
+        </p:spPr>
+        <p:txBody>
+          <a:bodyPr wrap="square" rtlCol="0">
+            <a:spAutoFit/>
+          </a:bodyPr>
+          <a:lstStyle/>
+          <a:p>
+            <a:r>
+              <a:rPr lang="en-US" dirty="0">
+                <a:solidFill>
+                  <a:schemeClr val="tx1"/>
+                </a:solidFill>
+                <a:latin typeface="Roboto Mono" panose="020B0604020202020204" charset="0"/>
+                <a:ea typeface="Roboto Mono" panose="020B0604020202020204" charset="0"/>
+              </a:rPr>
+              <a:t>Is it legal to read your phone while stopped?</a:t>
+            </a:r>
+          </a:p>
+        </p:txBody>
+      </p:sp>
     </p:spTree>
   </p:cSld>
   <p:clrMapOvr>
@@ -8083,11 +8438,11 @@
 </file>
 
 <file path=ppt/slides/slide8.xml><?xml version="1.0" encoding="utf-8"?>
-<p:sld xmlns:a="http://schemas.openxmlformats.org/drawingml/2006/main" xmlns:r="http://schemas.openxmlformats.org/officeDocument/2006/relationships" xmlns:mc="http://schemas.openxmlformats.org/markup-compatibility/2006" xmlns:mv="urn:schemas-microsoft-com:mac:vml" xmlns:p="http://schemas.openxmlformats.org/presentationml/2006/main" xmlns:c="http://schemas.openxmlformats.org/drawingml/2006/chart" xmlns:dgm="http://schemas.openxmlformats.org/drawingml/2006/diagram" xmlns:o="urn:schemas-microsoft-com:office:office" xmlns:v="urn:schemas-microsoft-com:vml" xmlns:pvml="urn:schemas-microsoft-com:office:powerpoint" xmlns:com="http://schemas.openxmlformats.org/drawingml/2006/compatibility" xmlns:p14="http://schemas.microsoft.com/office/powerpoint/2010/main" xmlns:p15="http://schemas.microsoft.com/office/powerpoint/2012/main" xmlns:ahyp="http://schemas.microsoft.com/office/drawing/2018/hyperlinkcolor">
+<p:sld xmlns:a="http://schemas.openxmlformats.org/drawingml/2006/main" xmlns:r="http://schemas.openxmlformats.org/officeDocument/2006/relationships" xmlns:p="http://schemas.openxmlformats.org/presentationml/2006/main">
   <p:cSld>
     <p:spTree>
       <p:nvGrpSpPr>
-        <p:cNvPr id="99" name="Shape 99"/>
+        <p:cNvPr id="1" name="Shape 99"/>
         <p:cNvGrpSpPr/>
         <p:nvPr/>
       </p:nvGrpSpPr>
@@ -8127,6 +8482,52 @@
           </a:ln>
         </p:spPr>
       </p:pic>
+      <p:sp>
+        <p:nvSpPr>
+          <p:cNvPr id="3" name="TextBox 2">
+            <a:extLst>
+              <a:ext uri="{FF2B5EF4-FFF2-40B4-BE49-F238E27FC236}">
+                <a16:creationId xmlns:a16="http://schemas.microsoft.com/office/drawing/2014/main" id="{A06FB177-0AC1-4E07-A597-8206BF0C598D}"/>
+              </a:ext>
+            </a:extLst>
+          </p:cNvPr>
+          <p:cNvSpPr txBox="1"/>
+          <p:nvPr/>
+        </p:nvSpPr>
+        <p:spPr>
+          <a:xfrm>
+            <a:off x="586331" y="144228"/>
+            <a:ext cx="5416600" cy="307777"/>
+          </a:xfrm>
+          <a:prstGeom prst="rect">
+            <a:avLst/>
+          </a:prstGeom>
+          <a:solidFill>
+            <a:schemeClr val="accent6">
+              <a:lumMod val="40000"/>
+              <a:lumOff val="60000"/>
+            </a:schemeClr>
+          </a:solidFill>
+        </p:spPr>
+        <p:txBody>
+          <a:bodyPr wrap="square" rtlCol="0">
+            <a:spAutoFit/>
+          </a:bodyPr>
+          <a:lstStyle/>
+          <a:p>
+            <a:r>
+              <a:rPr lang="en-US" dirty="0">
+                <a:solidFill>
+                  <a:schemeClr val="tx1"/>
+                </a:solidFill>
+                <a:latin typeface="Roboto Mono" panose="020B0604020202020204" charset="0"/>
+                <a:ea typeface="Roboto Mono" panose="020B0604020202020204" charset="0"/>
+              </a:rPr>
+              <a:t>Is it legal to look at your phone while stopped?</a:t>
+            </a:r>
+          </a:p>
+        </p:txBody>
+      </p:sp>
     </p:spTree>
   </p:cSld>
   <p:clrMapOvr>
@@ -8136,11 +8537,11 @@
 </file>
 
 <file path=ppt/slides/slide9.xml><?xml version="1.0" encoding="utf-8"?>
-<p:sld xmlns:a="http://schemas.openxmlformats.org/drawingml/2006/main" xmlns:r="http://schemas.openxmlformats.org/officeDocument/2006/relationships" xmlns:mc="http://schemas.openxmlformats.org/markup-compatibility/2006" xmlns:mv="urn:schemas-microsoft-com:mac:vml" xmlns:p="http://schemas.openxmlformats.org/presentationml/2006/main" xmlns:c="http://schemas.openxmlformats.org/drawingml/2006/chart" xmlns:dgm="http://schemas.openxmlformats.org/drawingml/2006/diagram" xmlns:o="urn:schemas-microsoft-com:office:office" xmlns:v="urn:schemas-microsoft-com:vml" xmlns:pvml="urn:schemas-microsoft-com:office:powerpoint" xmlns:com="http://schemas.openxmlformats.org/drawingml/2006/compatibility" xmlns:p14="http://schemas.microsoft.com/office/powerpoint/2010/main" xmlns:p15="http://schemas.microsoft.com/office/powerpoint/2012/main" xmlns:ahyp="http://schemas.microsoft.com/office/drawing/2018/hyperlinkcolor">
+<p:sld xmlns:a="http://schemas.openxmlformats.org/drawingml/2006/main" xmlns:r="http://schemas.openxmlformats.org/officeDocument/2006/relationships" xmlns:p="http://schemas.openxmlformats.org/presentationml/2006/main">
   <p:cSld>
     <p:spTree>
       <p:nvGrpSpPr>
-        <p:cNvPr id="104" name="Shape 104"/>
+        <p:cNvPr id="1" name="Shape 104"/>
         <p:cNvGrpSpPr/>
         <p:nvPr/>
       </p:nvGrpSpPr>
@@ -8155,7 +8556,9 @@
       <p:sp>
         <p:nvSpPr>
           <p:cNvPr id="105" name="Google Shape;105;p21"/>
-          <p:cNvSpPr txBox="1"/>
+          <p:cNvSpPr txBox="1">
+            <a:spLocks noGrp="1"/>
+          </p:cNvSpPr>
           <p:nvPr>
             <p:ph type="title"/>
           </p:nvPr>
@@ -8170,12 +8573,12 @@
           </a:prstGeom>
         </p:spPr>
         <p:txBody>
-          <a:bodyPr anchorCtr="0" anchor="t" bIns="91425" lIns="91425" spcFirstLastPara="1" rIns="91425" wrap="square" tIns="91425">
+          <a:bodyPr spcFirstLastPara="1" wrap="square" lIns="91425" tIns="91425" rIns="91425" bIns="91425" anchor="t" anchorCtr="0">
             <a:normAutofit fontScale="90000"/>
           </a:bodyPr>
           <a:lstStyle/>
           <a:p>
-            <a:pPr indent="0" lvl="0" marL="0" rtl="0" algn="l">
+            <a:pPr marL="0" lvl="0" indent="0" algn="l" rtl="0">
               <a:spcBef>
                 <a:spcPts val="0"/>
               </a:spcBef>
@@ -8195,9 +8598,11 @@
       <p:sp>
         <p:nvSpPr>
           <p:cNvPr id="106" name="Google Shape;106;p21"/>
-          <p:cNvSpPr txBox="1"/>
+          <p:cNvSpPr txBox="1">
+            <a:spLocks noGrp="1"/>
+          </p:cNvSpPr>
           <p:nvPr>
-            <p:ph idx="1" type="body"/>
+            <p:ph type="body" idx="1"/>
           </p:nvPr>
         </p:nvSpPr>
         <p:spPr>
@@ -8210,12 +8615,12 @@
           </a:prstGeom>
         </p:spPr>
         <p:txBody>
-          <a:bodyPr anchorCtr="0" anchor="t" bIns="91425" lIns="91425" spcFirstLastPara="1" rIns="91425" wrap="square" tIns="91425">
+          <a:bodyPr spcFirstLastPara="1" wrap="square" lIns="91425" tIns="91425" rIns="91425" bIns="91425" anchor="t" anchorCtr="0">
             <a:normAutofit/>
           </a:bodyPr>
           <a:lstStyle/>
           <a:p>
-            <a:pPr indent="0" lvl="0" marL="0" rtl="0" algn="l">
+            <a:pPr marL="0" lvl="0" indent="0" algn="l" rtl="0">
               <a:spcBef>
                 <a:spcPts val="0"/>
               </a:spcBef>
@@ -8224,9 +8629,6 @@
               </a:spcAft>
               <a:buNone/>
             </a:pPr>
-            <a:r>
-              <a:t/>
-            </a:r>
             <a:endParaRPr/>
           </a:p>
         </p:txBody>
@@ -8259,6 +8661,52 @@
           </a:ln>
         </p:spPr>
       </p:pic>
+      <p:sp>
+        <p:nvSpPr>
+          <p:cNvPr id="5" name="TextBox 4">
+            <a:extLst>
+              <a:ext uri="{FF2B5EF4-FFF2-40B4-BE49-F238E27FC236}">
+                <a16:creationId xmlns:a16="http://schemas.microsoft.com/office/drawing/2014/main" id="{82E42712-0D1A-436F-893C-57FA92F43519}"/>
+              </a:ext>
+            </a:extLst>
+          </p:cNvPr>
+          <p:cNvSpPr txBox="1"/>
+          <p:nvPr/>
+        </p:nvSpPr>
+        <p:spPr>
+          <a:xfrm>
+            <a:off x="600292" y="137248"/>
+            <a:ext cx="4292795" cy="307777"/>
+          </a:xfrm>
+          <a:prstGeom prst="rect">
+            <a:avLst/>
+          </a:prstGeom>
+          <a:solidFill>
+            <a:schemeClr val="accent6">
+              <a:lumMod val="40000"/>
+              <a:lumOff val="60000"/>
+            </a:schemeClr>
+          </a:solidFill>
+        </p:spPr>
+        <p:txBody>
+          <a:bodyPr wrap="square" rtlCol="0">
+            <a:spAutoFit/>
+          </a:bodyPr>
+          <a:lstStyle/>
+          <a:p>
+            <a:r>
+              <a:rPr lang="en-US" dirty="0">
+                <a:solidFill>
+                  <a:schemeClr val="tx1"/>
+                </a:solidFill>
+                <a:latin typeface="Roboto Mono" panose="020B0604020202020204" charset="0"/>
+                <a:ea typeface="Roboto Mono" panose="020B0604020202020204" charset="0"/>
+              </a:rPr>
+              <a:t>Is it legal to call 911 while stopped?</a:t>
+            </a:r>
+          </a:p>
+        </p:txBody>
+      </p:sp>
     </p:spTree>
   </p:cSld>
   <p:clrMapOvr>
@@ -8268,7 +8716,7 @@
 </file>
 
 <file path=ppt/theme/theme1.xml><?xml version="1.0" encoding="utf-8"?>
-<a:theme xmlns:a="http://schemas.openxmlformats.org/drawingml/2006/main" xmlns:r="http://schemas.openxmlformats.org/officeDocument/2006/relationships" name="Simple Light">
+<a:theme xmlns:a="http://schemas.openxmlformats.org/drawingml/2006/main" name="Simple Light">
   <a:themeElements>
     <a:clrScheme name="Simple Light">
       <a:dk1>
@@ -8543,11 +8991,13 @@
       </a:bgFillStyleLst>
     </a:fmtScheme>
   </a:themeElements>
+  <a:objectDefaults/>
+  <a:extraClrSchemeLst/>
 </a:theme>
 </file>
 
 <file path=ppt/theme/theme2.xml><?xml version="1.0" encoding="utf-8"?>
-<a:theme xmlns:a="http://schemas.openxmlformats.org/drawingml/2006/main" xmlns:r="http://schemas.openxmlformats.org/officeDocument/2006/relationships">
+<a:theme xmlns:a="http://schemas.openxmlformats.org/drawingml/2006/main">
   <a:themeElements>
     <a:clrScheme name="Default">
       <a:dk1>
@@ -8822,5 +9272,7 @@
       </a:bgFillStyleLst>
     </a:fmtScheme>
   </a:themeElements>
+  <a:objectDefaults/>
+  <a:extraClrSchemeLst/>
 </a:theme>
 </file>